--- a/slides/3-2-qmmm.pptx
+++ b/slides/3-2-qmmm.pptx
@@ -5,7 +5,7 @@
     <p:sldMasterId id="2147483648" r:id="rId1"/>
   </p:sldMasterIdLst>
   <p:notesMasterIdLst>
-    <p:notesMasterId r:id="rId31"/>
+    <p:notesMasterId r:id="rId32"/>
   </p:notesMasterIdLst>
   <p:sldIdLst>
     <p:sldId id="256" r:id="rId2"/>
@@ -21,22 +21,23 @@
     <p:sldId id="264" r:id="rId12"/>
     <p:sldId id="283" r:id="rId13"/>
     <p:sldId id="265" r:id="rId14"/>
-    <p:sldId id="286" r:id="rId15"/>
-    <p:sldId id="266" r:id="rId16"/>
-    <p:sldId id="270" r:id="rId17"/>
-    <p:sldId id="272" r:id="rId18"/>
-    <p:sldId id="267" r:id="rId19"/>
-    <p:sldId id="268" r:id="rId20"/>
-    <p:sldId id="269" r:id="rId21"/>
-    <p:sldId id="274" r:id="rId22"/>
-    <p:sldId id="275" r:id="rId23"/>
-    <p:sldId id="276" r:id="rId24"/>
-    <p:sldId id="277" r:id="rId25"/>
-    <p:sldId id="278" r:id="rId26"/>
-    <p:sldId id="279" r:id="rId27"/>
-    <p:sldId id="280" r:id="rId28"/>
-    <p:sldId id="281" r:id="rId29"/>
-    <p:sldId id="282" r:id="rId30"/>
+    <p:sldId id="266" r:id="rId15"/>
+    <p:sldId id="286" r:id="rId16"/>
+    <p:sldId id="287" r:id="rId17"/>
+    <p:sldId id="270" r:id="rId18"/>
+    <p:sldId id="272" r:id="rId19"/>
+    <p:sldId id="267" r:id="rId20"/>
+    <p:sldId id="268" r:id="rId21"/>
+    <p:sldId id="269" r:id="rId22"/>
+    <p:sldId id="274" r:id="rId23"/>
+    <p:sldId id="275" r:id="rId24"/>
+    <p:sldId id="276" r:id="rId25"/>
+    <p:sldId id="277" r:id="rId26"/>
+    <p:sldId id="278" r:id="rId27"/>
+    <p:sldId id="279" r:id="rId28"/>
+    <p:sldId id="280" r:id="rId29"/>
+    <p:sldId id="281" r:id="rId30"/>
+    <p:sldId id="282" r:id="rId31"/>
   </p:sldIdLst>
   <p:sldSz cx="12192000" cy="6858000"/>
   <p:notesSz cx="6858000" cy="9144000"/>
@@ -7887,7 +7888,7 @@
           <a:bodyPr/>
           <a:lstStyle/>
           <a:p>
-            <a:endParaRPr lang="en-GB"/>
+            <a:endParaRPr lang="en-GB" dirty="0"/>
           </a:p>
         </p:txBody>
       </p:sp>
@@ -7914,7 +7915,7 @@
         </p:blipFill>
         <p:spPr bwMode="auto">
           <a:xfrm>
-            <a:off x="2772737" y="1577975"/>
+            <a:off x="2103031" y="1577975"/>
             <a:ext cx="6251575" cy="4688682"/>
           </a:xfrm>
           <a:prstGeom prst="rect">
@@ -7974,6 +7975,86 @@
               <a:t>slideshare</a:t>
             </a:r>
             <a:endParaRPr lang="en-GB" sz="1200" dirty="0"/>
+          </a:p>
+        </p:txBody>
+      </p:sp>
+      <p:sp>
+        <p:nvSpPr>
+          <p:cNvPr id="8" name="TextBox 7"/>
+          <p:cNvSpPr txBox="1"/>
+          <p:nvPr/>
+        </p:nvSpPr>
+        <p:spPr>
+          <a:xfrm>
+            <a:off x="8808077" y="5219733"/>
+            <a:ext cx="4301544" cy="954107"/>
+          </a:xfrm>
+          <a:prstGeom prst="rect">
+            <a:avLst/>
+          </a:prstGeom>
+          <a:noFill/>
+        </p:spPr>
+        <p:txBody>
+          <a:bodyPr wrap="square" rtlCol="0">
+            <a:spAutoFit/>
+          </a:bodyPr>
+          <a:lstStyle/>
+          <a:p>
+            <a:r>
+              <a:rPr lang="en-US" sz="1400" dirty="0" smtClean="0"/>
+              <a:t>DFT, Density Functional Theory</a:t>
+            </a:r>
+          </a:p>
+          <a:p>
+            <a:r>
+              <a:rPr lang="en-US" sz="1400" dirty="0" err="1" smtClean="0"/>
+              <a:t>MPn</a:t>
+            </a:r>
+            <a:r>
+              <a:rPr lang="en-US" sz="1400" dirty="0"/>
+              <a:t>, </a:t>
+            </a:r>
+            <a:r>
+              <a:rPr lang="en-US" sz="1400" dirty="0" err="1"/>
+              <a:t>Møller</a:t>
+            </a:r>
+            <a:r>
+              <a:rPr lang="en-US" sz="1400" dirty="0"/>
+              <a:t>–</a:t>
+            </a:r>
+            <a:r>
+              <a:rPr lang="en-US" sz="1400" dirty="0" err="1"/>
+              <a:t>Plesset</a:t>
+            </a:r>
+            <a:r>
+              <a:rPr lang="en-US" sz="1400" dirty="0"/>
+              <a:t> perturbation </a:t>
+            </a:r>
+            <a:r>
+              <a:rPr lang="en-US" sz="1400" dirty="0" smtClean="0"/>
+              <a:t>theory</a:t>
+            </a:r>
+          </a:p>
+          <a:p>
+            <a:r>
+              <a:rPr lang="en-US" sz="1400" dirty="0"/>
+              <a:t>CI, Configuration </a:t>
+            </a:r>
+            <a:r>
+              <a:rPr lang="en-US" sz="1400" dirty="0" smtClean="0"/>
+              <a:t>Interaction</a:t>
+            </a:r>
+          </a:p>
+          <a:p>
+            <a:r>
+              <a:rPr lang="en-US" sz="1400" dirty="0"/>
+              <a:t>CC, Coupled </a:t>
+            </a:r>
+            <a:r>
+              <a:rPr lang="en-US" sz="1400" dirty="0" smtClean="0"/>
+              <a:t>Cluster</a:t>
+            </a:r>
+            <a:endParaRPr lang="en-GB" sz="1400" dirty="0"/>
           </a:p>
         </p:txBody>
       </p:sp>
@@ -8016,6 +8097,158 @@
       </p:grpSpPr>
       <p:sp>
         <p:nvSpPr>
+          <p:cNvPr id="2" name="Title 1"/>
+          <p:cNvSpPr>
+            <a:spLocks noGrp="1"/>
+          </p:cNvSpPr>
+          <p:nvPr>
+            <p:ph type="title"/>
+          </p:nvPr>
+        </p:nvSpPr>
+        <p:spPr/>
+        <p:txBody>
+          <a:bodyPr/>
+          <a:lstStyle/>
+          <a:p>
+            <a:r>
+              <a:rPr lang="en-US" b="1" dirty="0" smtClean="0"/>
+              <a:t>QM methods; basis sets and levels </a:t>
+            </a:r>
+            <a:endParaRPr lang="en-GB" b="1" dirty="0"/>
+          </a:p>
+        </p:txBody>
+      </p:sp>
+      <p:sp>
+        <p:nvSpPr>
+          <p:cNvPr id="4" name="Slide Number Placeholder 3"/>
+          <p:cNvSpPr>
+            <a:spLocks noGrp="1"/>
+          </p:cNvSpPr>
+          <p:nvPr>
+            <p:ph type="sldNum" sz="quarter" idx="12"/>
+          </p:nvPr>
+        </p:nvSpPr>
+        <p:spPr/>
+        <p:txBody>
+          <a:bodyPr/>
+          <a:lstStyle/>
+          <a:p>
+            <a:fld id="{EE2AFBF9-3608-46D9-B7C8-6FAC58B211BE}" type="slidenum">
+              <a:rPr lang="en-GB" smtClean="0"/>
+              <a:t>14</a:t>
+            </a:fld>
+            <a:endParaRPr lang="en-GB"/>
+          </a:p>
+        </p:txBody>
+      </p:sp>
+      <p:pic>
+        <p:nvPicPr>
+          <p:cNvPr id="2050" name="Picture 2" descr="Electron Correlation - Adrea's Notebook and Journal"/>
+          <p:cNvPicPr>
+            <a:picLocks noChangeAspect="1" noChangeArrowheads="1"/>
+          </p:cNvPicPr>
+          <p:nvPr/>
+        </p:nvPicPr>
+        <p:blipFill>
+          <a:blip r:embed="rId2">
+            <a:extLst>
+              <a:ext uri="{28A0092B-C50C-407E-A947-70E740481C1C}">
+                <a14:useLocalDpi xmlns:a14="http://schemas.microsoft.com/office/drawing/2010/main" val="0"/>
+              </a:ext>
+            </a:extLst>
+          </a:blip>
+          <a:srcRect/>
+          <a:stretch>
+            <a:fillRect/>
+          </a:stretch>
+        </p:blipFill>
+        <p:spPr bwMode="auto">
+          <a:xfrm>
+            <a:off x="2871989" y="1540280"/>
+            <a:ext cx="6790900" cy="4966479"/>
+          </a:xfrm>
+          <a:prstGeom prst="rect">
+            <a:avLst/>
+          </a:prstGeom>
+          <a:noFill/>
+          <a:extLst>
+            <a:ext uri="{909E8E84-426E-40DD-AFC4-6F175D3DCCD1}">
+              <a14:hiddenFill xmlns:a14="http://schemas.microsoft.com/office/drawing/2010/main">
+                <a:solidFill>
+                  <a:srgbClr val="FFFFFF"/>
+                </a:solidFill>
+              </a14:hiddenFill>
+            </a:ext>
+          </a:extLst>
+        </p:spPr>
+      </p:pic>
+      <p:sp>
+        <p:nvSpPr>
+          <p:cNvPr id="3" name="Rectangle 2"/>
+          <p:cNvSpPr/>
+          <p:nvPr/>
+        </p:nvSpPr>
+        <p:spPr>
+          <a:xfrm>
+            <a:off x="0" y="6582975"/>
+            <a:ext cx="6096000" cy="276999"/>
+          </a:xfrm>
+          <a:prstGeom prst="rect">
+            <a:avLst/>
+          </a:prstGeom>
+        </p:spPr>
+        <p:txBody>
+          <a:bodyPr>
+            <a:spAutoFit/>
+          </a:bodyPr>
+          <a:lstStyle/>
+          <a:p>
+            <a:r>
+              <a:rPr lang="en-GB" sz="1200" dirty="0"/>
+              <a:t>https://adreasnow.com/Self%20Directed%20Learning/Katya%20Pas/05/</a:t>
+            </a:r>
+          </a:p>
+        </p:txBody>
+      </p:sp>
+    </p:spTree>
+    <p:extLst>
+      <p:ext uri="{BB962C8B-B14F-4D97-AF65-F5344CB8AC3E}">
+        <p14:creationId xmlns:p14="http://schemas.microsoft.com/office/powerpoint/2010/main" val="2472156385"/>
+      </p:ext>
+    </p:extLst>
+  </p:cSld>
+  <p:clrMapOvr>
+    <a:masterClrMapping/>
+  </p:clrMapOvr>
+  <p:timing>
+    <p:tnLst>
+      <p:par>
+        <p:cTn id="1" dur="indefinite" restart="never" nodeType="tmRoot"/>
+      </p:par>
+    </p:tnLst>
+  </p:timing>
+</p:sld>
+</file>
+
+<file path=ppt/slides/slide15.xml><?xml version="1.0" encoding="utf-8"?>
+<p:sld xmlns:a="http://schemas.openxmlformats.org/drawingml/2006/main" xmlns:r="http://schemas.openxmlformats.org/officeDocument/2006/relationships" xmlns:p="http://schemas.openxmlformats.org/presentationml/2006/main">
+  <p:cSld>
+    <p:spTree>
+      <p:nvGrpSpPr>
+        <p:cNvPr id="1" name=""/>
+        <p:cNvGrpSpPr/>
+        <p:nvPr/>
+      </p:nvGrpSpPr>
+      <p:grpSpPr>
+        <a:xfrm>
+          <a:off x="0" y="0"/>
+          <a:ext cx="0" cy="0"/>
+          <a:chOff x="0" y="0"/>
+          <a:chExt cx="0" cy="0"/>
+        </a:xfrm>
+      </p:grpSpPr>
+      <p:sp>
+        <p:nvSpPr>
           <p:cNvPr id="3" name="Content Placeholder 2"/>
           <p:cNvSpPr>
             <a:spLocks noGrp="1"/>
@@ -8026,7 +8259,7 @@
         </p:nvSpPr>
         <p:spPr>
           <a:xfrm>
-            <a:off x="1676400" y="2517822"/>
+            <a:off x="2577921" y="2648912"/>
             <a:ext cx="10515600" cy="3707438"/>
           </a:xfrm>
         </p:spPr>
@@ -8034,9 +8267,16 @@
           <a:bodyPr/>
           <a:lstStyle/>
           <a:p>
+            <a:pPr marL="0" indent="0">
+              <a:buNone/>
+            </a:pPr>
             <a:r>
               <a:rPr lang="en-US" dirty="0" smtClean="0"/>
-              <a:t>How do you define basis sets?</a:t>
+              <a:t>  How </a:t>
+            </a:r>
+            <a:r>
+              <a:rPr lang="en-US" dirty="0" smtClean="0"/>
+              <a:t>do you define basis sets?</a:t>
             </a:r>
             <a:endParaRPr lang="en-GB" dirty="0"/>
           </a:p>
@@ -8059,7 +8299,7 @@
           <a:p>
             <a:fld id="{EE2AFBF9-3608-46D9-B7C8-6FAC58B211BE}" type="slidenum">
               <a:rPr lang="en-GB" smtClean="0"/>
-              <a:t>14</a:t>
+              <a:t>15</a:t>
             </a:fld>
             <a:endParaRPr lang="en-GB"/>
           </a:p>
@@ -8114,7 +8354,7 @@
         </p:nvSpPr>
         <p:spPr>
           <a:xfrm>
-            <a:off x="1920025" y="3061953"/>
+            <a:off x="2873062" y="3385118"/>
             <a:ext cx="9015212" cy="646331"/>
           </a:xfrm>
           <a:prstGeom prst="rect">
@@ -8247,158 +8487,6 @@
 </p:sld>
 </file>
 
-<file path=ppt/slides/slide15.xml><?xml version="1.0" encoding="utf-8"?>
-<p:sld xmlns:a="http://schemas.openxmlformats.org/drawingml/2006/main" xmlns:r="http://schemas.openxmlformats.org/officeDocument/2006/relationships" xmlns:p="http://schemas.openxmlformats.org/presentationml/2006/main">
-  <p:cSld>
-    <p:spTree>
-      <p:nvGrpSpPr>
-        <p:cNvPr id="1" name=""/>
-        <p:cNvGrpSpPr/>
-        <p:nvPr/>
-      </p:nvGrpSpPr>
-      <p:grpSpPr>
-        <a:xfrm>
-          <a:off x="0" y="0"/>
-          <a:ext cx="0" cy="0"/>
-          <a:chOff x="0" y="0"/>
-          <a:chExt cx="0" cy="0"/>
-        </a:xfrm>
-      </p:grpSpPr>
-      <p:sp>
-        <p:nvSpPr>
-          <p:cNvPr id="2" name="Title 1"/>
-          <p:cNvSpPr>
-            <a:spLocks noGrp="1"/>
-          </p:cNvSpPr>
-          <p:nvPr>
-            <p:ph type="title"/>
-          </p:nvPr>
-        </p:nvSpPr>
-        <p:spPr/>
-        <p:txBody>
-          <a:bodyPr/>
-          <a:lstStyle/>
-          <a:p>
-            <a:r>
-              <a:rPr lang="en-US" b="1" dirty="0" smtClean="0"/>
-              <a:t>QM methods; basis sets and levels </a:t>
-            </a:r>
-            <a:endParaRPr lang="en-GB" b="1" dirty="0"/>
-          </a:p>
-        </p:txBody>
-      </p:sp>
-      <p:sp>
-        <p:nvSpPr>
-          <p:cNvPr id="4" name="Slide Number Placeholder 3"/>
-          <p:cNvSpPr>
-            <a:spLocks noGrp="1"/>
-          </p:cNvSpPr>
-          <p:nvPr>
-            <p:ph type="sldNum" sz="quarter" idx="12"/>
-          </p:nvPr>
-        </p:nvSpPr>
-        <p:spPr/>
-        <p:txBody>
-          <a:bodyPr/>
-          <a:lstStyle/>
-          <a:p>
-            <a:fld id="{EE2AFBF9-3608-46D9-B7C8-6FAC58B211BE}" type="slidenum">
-              <a:rPr lang="en-GB" smtClean="0"/>
-              <a:t>15</a:t>
-            </a:fld>
-            <a:endParaRPr lang="en-GB"/>
-          </a:p>
-        </p:txBody>
-      </p:sp>
-      <p:pic>
-        <p:nvPicPr>
-          <p:cNvPr id="2050" name="Picture 2" descr="Electron Correlation - Adrea's Notebook and Journal"/>
-          <p:cNvPicPr>
-            <a:picLocks noChangeAspect="1" noChangeArrowheads="1"/>
-          </p:cNvPicPr>
-          <p:nvPr/>
-        </p:nvPicPr>
-        <p:blipFill>
-          <a:blip r:embed="rId2">
-            <a:extLst>
-              <a:ext uri="{28A0092B-C50C-407E-A947-70E740481C1C}">
-                <a14:useLocalDpi xmlns:a14="http://schemas.microsoft.com/office/drawing/2010/main" val="0"/>
-              </a:ext>
-            </a:extLst>
-          </a:blip>
-          <a:srcRect/>
-          <a:stretch>
-            <a:fillRect/>
-          </a:stretch>
-        </p:blipFill>
-        <p:spPr bwMode="auto">
-          <a:xfrm>
-            <a:off x="2871989" y="1540280"/>
-            <a:ext cx="6790900" cy="4966479"/>
-          </a:xfrm>
-          <a:prstGeom prst="rect">
-            <a:avLst/>
-          </a:prstGeom>
-          <a:noFill/>
-          <a:extLst>
-            <a:ext uri="{909E8E84-426E-40DD-AFC4-6F175D3DCCD1}">
-              <a14:hiddenFill xmlns:a14="http://schemas.microsoft.com/office/drawing/2010/main">
-                <a:solidFill>
-                  <a:srgbClr val="FFFFFF"/>
-                </a:solidFill>
-              </a14:hiddenFill>
-            </a:ext>
-          </a:extLst>
-        </p:spPr>
-      </p:pic>
-      <p:sp>
-        <p:nvSpPr>
-          <p:cNvPr id="3" name="Rectangle 2"/>
-          <p:cNvSpPr/>
-          <p:nvPr/>
-        </p:nvSpPr>
-        <p:spPr>
-          <a:xfrm>
-            <a:off x="0" y="6582975"/>
-            <a:ext cx="6096000" cy="276999"/>
-          </a:xfrm>
-          <a:prstGeom prst="rect">
-            <a:avLst/>
-          </a:prstGeom>
-        </p:spPr>
-        <p:txBody>
-          <a:bodyPr>
-            <a:spAutoFit/>
-          </a:bodyPr>
-          <a:lstStyle/>
-          <a:p>
-            <a:r>
-              <a:rPr lang="en-GB" sz="1200" dirty="0"/>
-              <a:t>https://adreasnow.com/Self%20Directed%20Learning/Katya%20Pas/05/</a:t>
-            </a:r>
-          </a:p>
-        </p:txBody>
-      </p:sp>
-    </p:spTree>
-    <p:extLst>
-      <p:ext uri="{BB962C8B-B14F-4D97-AF65-F5344CB8AC3E}">
-        <p14:creationId xmlns:p14="http://schemas.microsoft.com/office/powerpoint/2010/main" val="2472156385"/>
-      </p:ext>
-    </p:extLst>
-  </p:cSld>
-  <p:clrMapOvr>
-    <a:masterClrMapping/>
-  </p:clrMapOvr>
-  <p:timing>
-    <p:tnLst>
-      <p:par>
-        <p:cTn id="1" dur="indefinite" restart="never" nodeType="tmRoot"/>
-      </p:par>
-    </p:tnLst>
-  </p:timing>
-</p:sld>
-</file>
-
 <file path=ppt/slides/slide16.xml><?xml version="1.0" encoding="utf-8"?>
 <p:sld xmlns:a="http://schemas.openxmlformats.org/drawingml/2006/main" xmlns:r="http://schemas.openxmlformats.org/officeDocument/2006/relationships" xmlns:p="http://schemas.openxmlformats.org/presentationml/2006/main">
   <p:cSld>
@@ -8418,89 +8506,6 @@
       </p:grpSpPr>
       <p:sp>
         <p:nvSpPr>
-          <p:cNvPr id="2" name="Title 1"/>
-          <p:cNvSpPr>
-            <a:spLocks noGrp="1"/>
-          </p:cNvSpPr>
-          <p:nvPr>
-            <p:ph type="title"/>
-          </p:nvPr>
-        </p:nvSpPr>
-        <p:spPr/>
-        <p:txBody>
-          <a:bodyPr/>
-          <a:lstStyle/>
-          <a:p>
-            <a:r>
-              <a:rPr lang="en-US" b="1" dirty="0" smtClean="0"/>
-              <a:t>QM methods; solvent phases</a:t>
-            </a:r>
-            <a:endParaRPr lang="en-GB" b="1" dirty="0"/>
-          </a:p>
-        </p:txBody>
-      </p:sp>
-      <p:sp>
-        <p:nvSpPr>
-          <p:cNvPr id="3" name="Content Placeholder 2"/>
-          <p:cNvSpPr>
-            <a:spLocks noGrp="1"/>
-          </p:cNvSpPr>
-          <p:nvPr>
-            <p:ph idx="1"/>
-          </p:nvPr>
-        </p:nvSpPr>
-        <p:spPr/>
-        <p:txBody>
-          <a:bodyPr/>
-          <a:lstStyle/>
-          <a:p>
-            <a:pPr algn="just"/>
-            <a:r>
-              <a:rPr lang="en-GB" dirty="0" smtClean="0"/>
-              <a:t>QM calculations are normally performed on isolated molecules in gas phase. However, most experiments are performed in condensed phases (aqueous solution). </a:t>
-            </a:r>
-          </a:p>
-          <a:p>
-            <a:pPr algn="just"/>
-            <a:r>
-              <a:rPr lang="en-GB" dirty="0" smtClean="0"/>
-              <a:t>Methods have been developed to model a surrounding homogeneous solvent in QM calculations, continuum solvation methods. </a:t>
-            </a:r>
-          </a:p>
-          <a:p>
-            <a:pPr lvl="1" algn="just"/>
-            <a:r>
-              <a:rPr lang="en-GB" dirty="0"/>
-              <a:t>P</a:t>
-            </a:r>
-            <a:r>
-              <a:rPr lang="en-GB" dirty="0" smtClean="0"/>
-              <a:t>olarizable continuum model (PCM) </a:t>
-            </a:r>
-          </a:p>
-          <a:p>
-            <a:pPr lvl="1" algn="just"/>
-            <a:r>
-              <a:rPr lang="en-GB" dirty="0"/>
-              <a:t>C</a:t>
-            </a:r>
-            <a:r>
-              <a:rPr lang="en-GB" dirty="0" smtClean="0"/>
-              <a:t>onductor-like solvent model (COSMO)</a:t>
-            </a:r>
-          </a:p>
-          <a:p>
-            <a:pPr algn="just"/>
-            <a:r>
-              <a:rPr lang="en-US" dirty="0" smtClean="0"/>
-              <a:t>For protein-sized systems, methods based on the Poisson–Boltzmann (PB) equation or the generalized Born (GB) approach are more common.</a:t>
-            </a:r>
-            <a:endParaRPr lang="en-GB" dirty="0"/>
-          </a:p>
-        </p:txBody>
-      </p:sp>
-      <p:sp>
-        <p:nvSpPr>
           <p:cNvPr id="4" name="Slide Number Placeholder 3"/>
           <p:cNvSpPr>
             <a:spLocks noGrp="1"/>
@@ -8522,10 +8527,661 @@
           </a:p>
         </p:txBody>
       </p:sp>
+      <p:graphicFrame>
+        <p:nvGraphicFramePr>
+          <p:cNvPr id="7" name="Table 6"/>
+          <p:cNvGraphicFramePr>
+            <a:graphicFrameLocks noGrp="1"/>
+          </p:cNvGraphicFramePr>
+          <p:nvPr>
+            <p:extLst>
+              <p:ext uri="{D42A27DB-BD31-4B8C-83A1-F6EECF244321}">
+                <p14:modId xmlns:p14="http://schemas.microsoft.com/office/powerpoint/2010/main" val="2199175696"/>
+              </p:ext>
+            </p:extLst>
+          </p:nvPr>
+        </p:nvGraphicFramePr>
+        <p:xfrm>
+          <a:off x="2289220" y="1900403"/>
+          <a:ext cx="9172977" cy="3672840"/>
+        </p:xfrm>
+        <a:graphic>
+          <a:graphicData uri="http://schemas.openxmlformats.org/drawingml/2006/table">
+            <a:tbl>
+              <a:tblPr firstRow="1" bandRow="1">
+                <a:tableStyleId>{74C1A8A3-306A-4EB7-A6B1-4F7E0EB9C5D6}</a:tableStyleId>
+              </a:tblPr>
+              <a:tblGrid>
+                <a:gridCol w="3995669"/>
+                <a:gridCol w="2498502"/>
+                <a:gridCol w="2678806"/>
+              </a:tblGrid>
+              <a:tr h="370840">
+                <a:tc>
+                  <a:txBody>
+                    <a:bodyPr/>
+                    <a:lstStyle/>
+                    <a:p>
+                      <a:pPr algn="ctr"/>
+                      <a:r>
+                        <a:rPr lang="en-US" dirty="0" smtClean="0"/>
+                        <a:t>Criteria</a:t>
+                      </a:r>
+                      <a:endParaRPr lang="en-GB" dirty="0"/>
+                    </a:p>
+                  </a:txBody>
+                  <a:tcPr/>
+                </a:tc>
+                <a:tc>
+                  <a:txBody>
+                    <a:bodyPr/>
+                    <a:lstStyle/>
+                    <a:p>
+                      <a:pPr algn="ctr"/>
+                      <a:r>
+                        <a:rPr lang="en-US" dirty="0" smtClean="0"/>
+                        <a:t>MM</a:t>
+                      </a:r>
+                      <a:endParaRPr lang="en-GB" dirty="0"/>
+                    </a:p>
+                  </a:txBody>
+                  <a:tcPr/>
+                </a:tc>
+                <a:tc>
+                  <a:txBody>
+                    <a:bodyPr/>
+                    <a:lstStyle/>
+                    <a:p>
+                      <a:pPr algn="ctr"/>
+                      <a:r>
+                        <a:rPr lang="en-US" dirty="0" smtClean="0"/>
+                        <a:t>QM</a:t>
+                      </a:r>
+                      <a:endParaRPr lang="en-GB" dirty="0"/>
+                    </a:p>
+                  </a:txBody>
+                  <a:tcPr/>
+                </a:tc>
+              </a:tr>
+              <a:tr h="370840">
+                <a:tc>
+                  <a:txBody>
+                    <a:bodyPr/>
+                    <a:lstStyle/>
+                    <a:p>
+                      <a:r>
+                        <a:rPr lang="en-US" dirty="0" smtClean="0"/>
+                        <a:t>Molecules as a systems of nuclei and electrons</a:t>
+                      </a:r>
+                      <a:endParaRPr lang="en-GB" b="1" dirty="0"/>
+                    </a:p>
+                  </a:txBody>
+                  <a:tcPr/>
+                </a:tc>
+                <a:tc>
+                  <a:txBody>
+                    <a:bodyPr/>
+                    <a:lstStyle/>
+                    <a:p>
+                      <a:endParaRPr lang="en-GB" dirty="0"/>
+                    </a:p>
+                  </a:txBody>
+                  <a:tcPr/>
+                </a:tc>
+                <a:tc>
+                  <a:txBody>
+                    <a:bodyPr/>
+                    <a:lstStyle/>
+                    <a:p>
+                      <a:endParaRPr lang="en-GB" dirty="0"/>
+                    </a:p>
+                  </a:txBody>
+                  <a:tcPr/>
+                </a:tc>
+              </a:tr>
+              <a:tr h="370840">
+                <a:tc>
+                  <a:txBody>
+                    <a:bodyPr/>
+                    <a:lstStyle/>
+                    <a:p>
+                      <a:r>
+                        <a:rPr lang="en-US" dirty="0" smtClean="0"/>
+                        <a:t>Energy</a:t>
+                      </a:r>
+                      <a:r>
+                        <a:rPr lang="en-US" baseline="0" dirty="0" smtClean="0"/>
+                        <a:t> as a function of nuclear position only</a:t>
+                      </a:r>
+                      <a:endParaRPr lang="en-GB" dirty="0"/>
+                    </a:p>
+                  </a:txBody>
+                  <a:tcPr/>
+                </a:tc>
+                <a:tc>
+                  <a:txBody>
+                    <a:bodyPr/>
+                    <a:lstStyle/>
+                    <a:p>
+                      <a:endParaRPr lang="en-GB" dirty="0"/>
+                    </a:p>
+                  </a:txBody>
+                  <a:tcPr/>
+                </a:tc>
+                <a:tc>
+                  <a:txBody>
+                    <a:bodyPr/>
+                    <a:lstStyle/>
+                    <a:p>
+                      <a:endParaRPr lang="en-GB" dirty="0"/>
+                    </a:p>
+                  </a:txBody>
+                  <a:tcPr/>
+                </a:tc>
+              </a:tr>
+              <a:tr h="370840">
+                <a:tc>
+                  <a:txBody>
+                    <a:bodyPr/>
+                    <a:lstStyle/>
+                    <a:p>
+                      <a:r>
+                        <a:rPr lang="en-US" dirty="0" smtClean="0"/>
+                        <a:t>Faster approach</a:t>
+                      </a:r>
+                      <a:endParaRPr lang="en-GB" dirty="0"/>
+                    </a:p>
+                  </a:txBody>
+                  <a:tcPr/>
+                </a:tc>
+                <a:tc>
+                  <a:txBody>
+                    <a:bodyPr/>
+                    <a:lstStyle/>
+                    <a:p>
+                      <a:endParaRPr lang="en-GB" dirty="0"/>
+                    </a:p>
+                  </a:txBody>
+                  <a:tcPr/>
+                </a:tc>
+                <a:tc>
+                  <a:txBody>
+                    <a:bodyPr/>
+                    <a:lstStyle/>
+                    <a:p>
+                      <a:endParaRPr lang="en-GB" dirty="0"/>
+                    </a:p>
+                  </a:txBody>
+                  <a:tcPr/>
+                </a:tc>
+              </a:tr>
+              <a:tr h="370840">
+                <a:tc>
+                  <a:txBody>
+                    <a:bodyPr/>
+                    <a:lstStyle/>
+                    <a:p>
+                      <a:r>
+                        <a:rPr lang="en-US" dirty="0" smtClean="0"/>
+                        <a:t>Interactions are governed by nuclear, electron charges and electron motions</a:t>
+                      </a:r>
+                      <a:endParaRPr lang="en-GB" b="1" dirty="0"/>
+                    </a:p>
+                  </a:txBody>
+                  <a:tcPr/>
+                </a:tc>
+                <a:tc>
+                  <a:txBody>
+                    <a:bodyPr/>
+                    <a:lstStyle/>
+                    <a:p>
+                      <a:endParaRPr lang="en-GB" dirty="0"/>
+                    </a:p>
+                  </a:txBody>
+                  <a:tcPr/>
+                </a:tc>
+                <a:tc>
+                  <a:txBody>
+                    <a:bodyPr/>
+                    <a:lstStyle/>
+                    <a:p>
+                      <a:endParaRPr lang="en-GB" dirty="0"/>
+                    </a:p>
+                  </a:txBody>
+                  <a:tcPr/>
+                </a:tc>
+              </a:tr>
+              <a:tr h="370840">
+                <a:tc>
+                  <a:txBody>
+                    <a:bodyPr/>
+                    <a:lstStyle/>
+                    <a:p>
+                      <a:r>
+                        <a:rPr lang="en-US" dirty="0" smtClean="0"/>
+                        <a:t>Explicit electron – electron interactions</a:t>
+                      </a:r>
+                      <a:endParaRPr lang="en-GB" dirty="0"/>
+                    </a:p>
+                  </a:txBody>
+                  <a:tcPr/>
+                </a:tc>
+                <a:tc>
+                  <a:txBody>
+                    <a:bodyPr/>
+                    <a:lstStyle/>
+                    <a:p>
+                      <a:endParaRPr lang="en-GB" dirty="0"/>
+                    </a:p>
+                  </a:txBody>
+                  <a:tcPr/>
+                </a:tc>
+                <a:tc>
+                  <a:txBody>
+                    <a:bodyPr/>
+                    <a:lstStyle/>
+                    <a:p>
+                      <a:endParaRPr lang="en-GB" dirty="0"/>
+                    </a:p>
+                  </a:txBody>
+                  <a:tcPr/>
+                </a:tc>
+              </a:tr>
+              <a:tr h="370840">
+                <a:tc>
+                  <a:txBody>
+                    <a:bodyPr/>
+                    <a:lstStyle/>
+                    <a:p>
+                      <a:r>
+                        <a:rPr lang="en-US" dirty="0" smtClean="0"/>
+                        <a:t>Interactions determine spatial distribution of atoms &amp;</a:t>
+                      </a:r>
+                      <a:r>
+                        <a:rPr lang="en-US" baseline="0" dirty="0" smtClean="0"/>
+                        <a:t> energies</a:t>
+                      </a:r>
+                      <a:endParaRPr lang="en-GB" b="1" dirty="0"/>
+                    </a:p>
+                  </a:txBody>
+                  <a:tcPr/>
+                </a:tc>
+                <a:tc>
+                  <a:txBody>
+                    <a:bodyPr/>
+                    <a:lstStyle/>
+                    <a:p>
+                      <a:endParaRPr lang="en-GB" dirty="0"/>
+                    </a:p>
+                  </a:txBody>
+                  <a:tcPr/>
+                </a:tc>
+                <a:tc>
+                  <a:txBody>
+                    <a:bodyPr/>
+                    <a:lstStyle/>
+                    <a:p>
+                      <a:endParaRPr lang="en-GB" dirty="0"/>
+                    </a:p>
+                  </a:txBody>
+                  <a:tcPr/>
+                </a:tc>
+              </a:tr>
+            </a:tbl>
+          </a:graphicData>
+        </a:graphic>
+      </p:graphicFrame>
+      <p:sp>
+        <p:nvSpPr>
+          <p:cNvPr id="11" name="Plus 10"/>
+          <p:cNvSpPr/>
+          <p:nvPr/>
+        </p:nvSpPr>
+        <p:spPr>
+          <a:xfrm>
+            <a:off x="9982200" y="2469525"/>
+            <a:ext cx="386366" cy="334851"/>
+          </a:xfrm>
+          <a:prstGeom prst="mathPlus">
+            <a:avLst/>
+          </a:prstGeom>
+          <a:solidFill>
+            <a:srgbClr val="00B050"/>
+          </a:solidFill>
+          <a:ln>
+            <a:noFill/>
+          </a:ln>
+        </p:spPr>
+        <p:style>
+          <a:lnRef idx="2">
+            <a:schemeClr val="accent1">
+              <a:shade val="50000"/>
+            </a:schemeClr>
+          </a:lnRef>
+          <a:fillRef idx="1">
+            <a:schemeClr val="accent1"/>
+          </a:fillRef>
+          <a:effectRef idx="0">
+            <a:schemeClr val="accent1"/>
+          </a:effectRef>
+          <a:fontRef idx="minor">
+            <a:schemeClr val="lt1"/>
+          </a:fontRef>
+        </p:style>
+        <p:txBody>
+          <a:bodyPr rtlCol="0" anchor="ctr"/>
+          <a:lstStyle/>
+          <a:p>
+            <a:pPr algn="ctr"/>
+            <a:endParaRPr lang="en-GB"/>
+          </a:p>
+        </p:txBody>
+      </p:sp>
+      <p:sp>
+        <p:nvSpPr>
+          <p:cNvPr id="14" name="Plus 13"/>
+          <p:cNvSpPr/>
+          <p:nvPr/>
+        </p:nvSpPr>
+        <p:spPr>
+          <a:xfrm>
+            <a:off x="7417158" y="3085565"/>
+            <a:ext cx="386366" cy="334851"/>
+          </a:xfrm>
+          <a:prstGeom prst="mathPlus">
+            <a:avLst/>
+          </a:prstGeom>
+          <a:solidFill>
+            <a:srgbClr val="00B050"/>
+          </a:solidFill>
+          <a:ln>
+            <a:noFill/>
+          </a:ln>
+        </p:spPr>
+        <p:style>
+          <a:lnRef idx="2">
+            <a:schemeClr val="accent1">
+              <a:shade val="50000"/>
+            </a:schemeClr>
+          </a:lnRef>
+          <a:fillRef idx="1">
+            <a:schemeClr val="accent1"/>
+          </a:fillRef>
+          <a:effectRef idx="0">
+            <a:schemeClr val="accent1"/>
+          </a:effectRef>
+          <a:fontRef idx="minor">
+            <a:schemeClr val="lt1"/>
+          </a:fontRef>
+        </p:style>
+        <p:txBody>
+          <a:bodyPr rtlCol="0" anchor="ctr"/>
+          <a:lstStyle/>
+          <a:p>
+            <a:pPr algn="ctr"/>
+            <a:endParaRPr lang="en-GB"/>
+          </a:p>
+        </p:txBody>
+      </p:sp>
+      <p:sp>
+        <p:nvSpPr>
+          <p:cNvPr id="15" name="Plus 14"/>
+          <p:cNvSpPr/>
+          <p:nvPr/>
+        </p:nvSpPr>
+        <p:spPr>
+          <a:xfrm>
+            <a:off x="7441843" y="3598573"/>
+            <a:ext cx="386366" cy="334851"/>
+          </a:xfrm>
+          <a:prstGeom prst="mathPlus">
+            <a:avLst/>
+          </a:prstGeom>
+          <a:solidFill>
+            <a:srgbClr val="00B050"/>
+          </a:solidFill>
+          <a:ln>
+            <a:noFill/>
+          </a:ln>
+        </p:spPr>
+        <p:style>
+          <a:lnRef idx="2">
+            <a:schemeClr val="accent1">
+              <a:shade val="50000"/>
+            </a:schemeClr>
+          </a:lnRef>
+          <a:fillRef idx="1">
+            <a:schemeClr val="accent1"/>
+          </a:fillRef>
+          <a:effectRef idx="0">
+            <a:schemeClr val="accent1"/>
+          </a:effectRef>
+          <a:fontRef idx="minor">
+            <a:schemeClr val="lt1"/>
+          </a:fontRef>
+        </p:style>
+        <p:txBody>
+          <a:bodyPr rtlCol="0" anchor="ctr"/>
+          <a:lstStyle/>
+          <a:p>
+            <a:pPr algn="ctr"/>
+            <a:endParaRPr lang="en-GB"/>
+          </a:p>
+        </p:txBody>
+      </p:sp>
+      <p:sp>
+        <p:nvSpPr>
+          <p:cNvPr id="16" name="Plus 15"/>
+          <p:cNvSpPr/>
+          <p:nvPr/>
+        </p:nvSpPr>
+        <p:spPr>
+          <a:xfrm>
+            <a:off x="10019763" y="4078086"/>
+            <a:ext cx="386366" cy="334851"/>
+          </a:xfrm>
+          <a:prstGeom prst="mathPlus">
+            <a:avLst/>
+          </a:prstGeom>
+          <a:solidFill>
+            <a:srgbClr val="00B050"/>
+          </a:solidFill>
+          <a:ln>
+            <a:noFill/>
+          </a:ln>
+        </p:spPr>
+        <p:style>
+          <a:lnRef idx="2">
+            <a:schemeClr val="accent1">
+              <a:shade val="50000"/>
+            </a:schemeClr>
+          </a:lnRef>
+          <a:fillRef idx="1">
+            <a:schemeClr val="accent1"/>
+          </a:fillRef>
+          <a:effectRef idx="0">
+            <a:schemeClr val="accent1"/>
+          </a:effectRef>
+          <a:fontRef idx="minor">
+            <a:schemeClr val="lt1"/>
+          </a:fontRef>
+        </p:style>
+        <p:txBody>
+          <a:bodyPr rtlCol="0" anchor="ctr"/>
+          <a:lstStyle/>
+          <a:p>
+            <a:pPr algn="ctr"/>
+            <a:endParaRPr lang="en-GB"/>
+          </a:p>
+        </p:txBody>
+      </p:sp>
+      <p:sp>
+        <p:nvSpPr>
+          <p:cNvPr id="17" name="Plus 16"/>
+          <p:cNvSpPr/>
+          <p:nvPr/>
+        </p:nvSpPr>
+        <p:spPr>
+          <a:xfrm>
+            <a:off x="10019763" y="4580363"/>
+            <a:ext cx="386366" cy="334851"/>
+          </a:xfrm>
+          <a:prstGeom prst="mathPlus">
+            <a:avLst/>
+          </a:prstGeom>
+          <a:solidFill>
+            <a:srgbClr val="00B050"/>
+          </a:solidFill>
+          <a:ln>
+            <a:noFill/>
+          </a:ln>
+        </p:spPr>
+        <p:style>
+          <a:lnRef idx="2">
+            <a:schemeClr val="accent1">
+              <a:shade val="50000"/>
+            </a:schemeClr>
+          </a:lnRef>
+          <a:fillRef idx="1">
+            <a:schemeClr val="accent1"/>
+          </a:fillRef>
+          <a:effectRef idx="0">
+            <a:schemeClr val="accent1"/>
+          </a:effectRef>
+          <a:fontRef idx="minor">
+            <a:schemeClr val="lt1"/>
+          </a:fontRef>
+        </p:style>
+        <p:txBody>
+          <a:bodyPr rtlCol="0" anchor="ctr"/>
+          <a:lstStyle/>
+          <a:p>
+            <a:pPr algn="ctr"/>
+            <a:endParaRPr lang="en-GB"/>
+          </a:p>
+        </p:txBody>
+      </p:sp>
+      <p:sp>
+        <p:nvSpPr>
+          <p:cNvPr id="18" name="Plus 17"/>
+          <p:cNvSpPr/>
+          <p:nvPr/>
+        </p:nvSpPr>
+        <p:spPr>
+          <a:xfrm>
+            <a:off x="7505164" y="5156917"/>
+            <a:ext cx="386366" cy="334851"/>
+          </a:xfrm>
+          <a:prstGeom prst="mathPlus">
+            <a:avLst/>
+          </a:prstGeom>
+          <a:solidFill>
+            <a:srgbClr val="00B050"/>
+          </a:solidFill>
+          <a:ln>
+            <a:noFill/>
+          </a:ln>
+        </p:spPr>
+        <p:style>
+          <a:lnRef idx="2">
+            <a:schemeClr val="accent1">
+              <a:shade val="50000"/>
+            </a:schemeClr>
+          </a:lnRef>
+          <a:fillRef idx="1">
+            <a:schemeClr val="accent1"/>
+          </a:fillRef>
+          <a:effectRef idx="0">
+            <a:schemeClr val="accent1"/>
+          </a:effectRef>
+          <a:fontRef idx="minor">
+            <a:schemeClr val="lt1"/>
+          </a:fontRef>
+        </p:style>
+        <p:txBody>
+          <a:bodyPr rtlCol="0" anchor="ctr"/>
+          <a:lstStyle/>
+          <a:p>
+            <a:pPr algn="ctr"/>
+            <a:endParaRPr lang="en-GB"/>
+          </a:p>
+        </p:txBody>
+      </p:sp>
+      <p:pic>
+        <p:nvPicPr>
+          <p:cNvPr id="1030" name="Picture 6" descr="Time Measurement - Stopwatch Symbol with Tick Icon Stock Illustration -  Illustration of fast, sport: 154877265"/>
+          <p:cNvPicPr>
+            <a:picLocks noChangeAspect="1" noChangeArrowheads="1"/>
+          </p:cNvPicPr>
+          <p:nvPr/>
+        </p:nvPicPr>
+        <p:blipFill>
+          <a:blip r:embed="rId2" cstate="print">
+            <a:extLst>
+              <a:ext uri="{28A0092B-C50C-407E-A947-70E740481C1C}">
+                <a14:useLocalDpi xmlns:a14="http://schemas.microsoft.com/office/drawing/2010/main" val="0"/>
+              </a:ext>
+            </a:extLst>
+          </a:blip>
+          <a:srcRect/>
+          <a:stretch>
+            <a:fillRect/>
+          </a:stretch>
+        </p:blipFill>
+        <p:spPr bwMode="auto">
+          <a:xfrm>
+            <a:off x="231820" y="206062"/>
+            <a:ext cx="1849274" cy="1352282"/>
+          </a:xfrm>
+          <a:prstGeom prst="rect">
+            <a:avLst/>
+          </a:prstGeom>
+          <a:noFill/>
+          <a:extLst>
+            <a:ext uri="{909E8E84-426E-40DD-AFC4-6F175D3DCCD1}">
+              <a14:hiddenFill xmlns:a14="http://schemas.microsoft.com/office/drawing/2010/main">
+                <a:solidFill>
+                  <a:srgbClr val="FFFFFF"/>
+                </a:solidFill>
+              </a14:hiddenFill>
+            </a:ext>
+          </a:extLst>
+        </p:spPr>
+      </p:pic>
+      <p:sp>
+        <p:nvSpPr>
+          <p:cNvPr id="12" name="TextBox 11"/>
+          <p:cNvSpPr txBox="1"/>
+          <p:nvPr/>
+        </p:nvSpPr>
+        <p:spPr>
+          <a:xfrm>
+            <a:off x="1558343" y="914400"/>
+            <a:ext cx="2176530" cy="369332"/>
+          </a:xfrm>
+          <a:prstGeom prst="rect">
+            <a:avLst/>
+          </a:prstGeom>
+          <a:noFill/>
+        </p:spPr>
+        <p:txBody>
+          <a:bodyPr wrap="square" rtlCol="0">
+            <a:spAutoFit/>
+          </a:bodyPr>
+          <a:lstStyle/>
+          <a:p>
+            <a:r>
+              <a:rPr lang="en-US" dirty="0" smtClean="0"/>
+              <a:t>Let’s Check!</a:t>
+            </a:r>
+            <a:endParaRPr lang="en-GB" dirty="0"/>
+          </a:p>
+        </p:txBody>
+      </p:sp>
     </p:spTree>
     <p:extLst>
       <p:ext uri="{BB962C8B-B14F-4D97-AF65-F5344CB8AC3E}">
-        <p14:creationId xmlns:p14="http://schemas.microsoft.com/office/powerpoint/2010/main" val="1885984195"/>
+        <p14:creationId xmlns:p14="http://schemas.microsoft.com/office/powerpoint/2010/main" val="1242174020"/>
       </p:ext>
     </p:extLst>
   </p:cSld>
@@ -8535,9 +9191,358 @@
   <p:timing>
     <p:tnLst>
       <p:par>
-        <p:cTn id="1" dur="indefinite" restart="never" nodeType="tmRoot"/>
+        <p:cTn id="1" dur="indefinite" restart="never" nodeType="tmRoot">
+          <p:childTnLst>
+            <p:seq concurrent="1" nextAc="seek">
+              <p:cTn id="2" dur="indefinite" nodeType="mainSeq">
+                <p:childTnLst>
+                  <p:par>
+                    <p:cTn id="3" fill="hold">
+                      <p:stCondLst>
+                        <p:cond delay="indefinite"/>
+                      </p:stCondLst>
+                      <p:childTnLst>
+                        <p:par>
+                          <p:cTn id="4" fill="hold">
+                            <p:stCondLst>
+                              <p:cond delay="0"/>
+                            </p:stCondLst>
+                            <p:childTnLst>
+                              <p:par>
+                                <p:cTn id="5" presetID="10" presetClass="entr" presetSubtype="0" fill="hold" grpId="0" nodeType="clickEffect">
+                                  <p:stCondLst>
+                                    <p:cond delay="0"/>
+                                  </p:stCondLst>
+                                  <p:childTnLst>
+                                    <p:set>
+                                      <p:cBhvr>
+                                        <p:cTn id="6" dur="1" fill="hold">
+                                          <p:stCondLst>
+                                            <p:cond delay="0"/>
+                                          </p:stCondLst>
+                                        </p:cTn>
+                                        <p:tgtEl>
+                                          <p:spTgt spid="11"/>
+                                        </p:tgtEl>
+                                        <p:attrNameLst>
+                                          <p:attrName>style.visibility</p:attrName>
+                                        </p:attrNameLst>
+                                      </p:cBhvr>
+                                      <p:to>
+                                        <p:strVal val="visible"/>
+                                      </p:to>
+                                    </p:set>
+                                    <p:animEffect transition="in" filter="fade">
+                                      <p:cBhvr>
+                                        <p:cTn id="7" dur="500"/>
+                                        <p:tgtEl>
+                                          <p:spTgt spid="11"/>
+                                        </p:tgtEl>
+                                      </p:cBhvr>
+                                    </p:animEffect>
+                                  </p:childTnLst>
+                                </p:cTn>
+                              </p:par>
+                            </p:childTnLst>
+                          </p:cTn>
+                        </p:par>
+                      </p:childTnLst>
+                    </p:cTn>
+                  </p:par>
+                  <p:par>
+                    <p:cTn id="8" fill="hold">
+                      <p:stCondLst>
+                        <p:cond delay="indefinite"/>
+                      </p:stCondLst>
+                      <p:childTnLst>
+                        <p:par>
+                          <p:cTn id="9" fill="hold">
+                            <p:stCondLst>
+                              <p:cond delay="0"/>
+                            </p:stCondLst>
+                            <p:childTnLst>
+                              <p:par>
+                                <p:cTn id="10" presetID="10" presetClass="entr" presetSubtype="0" fill="hold" grpId="0" nodeType="clickEffect">
+                                  <p:stCondLst>
+                                    <p:cond delay="0"/>
+                                  </p:stCondLst>
+                                  <p:childTnLst>
+                                    <p:set>
+                                      <p:cBhvr>
+                                        <p:cTn id="11" dur="1" fill="hold">
+                                          <p:stCondLst>
+                                            <p:cond delay="0"/>
+                                          </p:stCondLst>
+                                        </p:cTn>
+                                        <p:tgtEl>
+                                          <p:spTgt spid="14"/>
+                                        </p:tgtEl>
+                                        <p:attrNameLst>
+                                          <p:attrName>style.visibility</p:attrName>
+                                        </p:attrNameLst>
+                                      </p:cBhvr>
+                                      <p:to>
+                                        <p:strVal val="visible"/>
+                                      </p:to>
+                                    </p:set>
+                                    <p:animEffect transition="in" filter="fade">
+                                      <p:cBhvr>
+                                        <p:cTn id="12" dur="500"/>
+                                        <p:tgtEl>
+                                          <p:spTgt spid="14"/>
+                                        </p:tgtEl>
+                                      </p:cBhvr>
+                                    </p:animEffect>
+                                  </p:childTnLst>
+                                </p:cTn>
+                              </p:par>
+                            </p:childTnLst>
+                          </p:cTn>
+                        </p:par>
+                      </p:childTnLst>
+                    </p:cTn>
+                  </p:par>
+                  <p:par>
+                    <p:cTn id="13" fill="hold">
+                      <p:stCondLst>
+                        <p:cond delay="indefinite"/>
+                      </p:stCondLst>
+                      <p:childTnLst>
+                        <p:par>
+                          <p:cTn id="14" fill="hold">
+                            <p:stCondLst>
+                              <p:cond delay="0"/>
+                            </p:stCondLst>
+                            <p:childTnLst>
+                              <p:par>
+                                <p:cTn id="15" presetID="10" presetClass="entr" presetSubtype="0" fill="hold" grpId="0" nodeType="clickEffect">
+                                  <p:stCondLst>
+                                    <p:cond delay="0"/>
+                                  </p:stCondLst>
+                                  <p:childTnLst>
+                                    <p:set>
+                                      <p:cBhvr>
+                                        <p:cTn id="16" dur="1" fill="hold">
+                                          <p:stCondLst>
+                                            <p:cond delay="0"/>
+                                          </p:stCondLst>
+                                        </p:cTn>
+                                        <p:tgtEl>
+                                          <p:spTgt spid="15"/>
+                                        </p:tgtEl>
+                                        <p:attrNameLst>
+                                          <p:attrName>style.visibility</p:attrName>
+                                        </p:attrNameLst>
+                                      </p:cBhvr>
+                                      <p:to>
+                                        <p:strVal val="visible"/>
+                                      </p:to>
+                                    </p:set>
+                                    <p:animEffect transition="in" filter="fade">
+                                      <p:cBhvr>
+                                        <p:cTn id="17" dur="500"/>
+                                        <p:tgtEl>
+                                          <p:spTgt spid="15"/>
+                                        </p:tgtEl>
+                                      </p:cBhvr>
+                                    </p:animEffect>
+                                  </p:childTnLst>
+                                </p:cTn>
+                              </p:par>
+                            </p:childTnLst>
+                          </p:cTn>
+                        </p:par>
+                      </p:childTnLst>
+                    </p:cTn>
+                  </p:par>
+                  <p:par>
+                    <p:cTn id="18" fill="hold">
+                      <p:stCondLst>
+                        <p:cond delay="indefinite"/>
+                      </p:stCondLst>
+                      <p:childTnLst>
+                        <p:par>
+                          <p:cTn id="19" fill="hold">
+                            <p:stCondLst>
+                              <p:cond delay="0"/>
+                            </p:stCondLst>
+                            <p:childTnLst>
+                              <p:par>
+                                <p:cTn id="20" presetID="10" presetClass="entr" presetSubtype="0" fill="hold" grpId="0" nodeType="clickEffect">
+                                  <p:stCondLst>
+                                    <p:cond delay="0"/>
+                                  </p:stCondLst>
+                                  <p:childTnLst>
+                                    <p:set>
+                                      <p:cBhvr>
+                                        <p:cTn id="21" dur="1" fill="hold">
+                                          <p:stCondLst>
+                                            <p:cond delay="0"/>
+                                          </p:stCondLst>
+                                        </p:cTn>
+                                        <p:tgtEl>
+                                          <p:spTgt spid="16"/>
+                                        </p:tgtEl>
+                                        <p:attrNameLst>
+                                          <p:attrName>style.visibility</p:attrName>
+                                        </p:attrNameLst>
+                                      </p:cBhvr>
+                                      <p:to>
+                                        <p:strVal val="visible"/>
+                                      </p:to>
+                                    </p:set>
+                                    <p:animEffect transition="in" filter="fade">
+                                      <p:cBhvr>
+                                        <p:cTn id="22" dur="500"/>
+                                        <p:tgtEl>
+                                          <p:spTgt spid="16"/>
+                                        </p:tgtEl>
+                                      </p:cBhvr>
+                                    </p:animEffect>
+                                  </p:childTnLst>
+                                </p:cTn>
+                              </p:par>
+                            </p:childTnLst>
+                          </p:cTn>
+                        </p:par>
+                      </p:childTnLst>
+                    </p:cTn>
+                  </p:par>
+                  <p:par>
+                    <p:cTn id="23" fill="hold">
+                      <p:stCondLst>
+                        <p:cond delay="indefinite"/>
+                      </p:stCondLst>
+                      <p:childTnLst>
+                        <p:par>
+                          <p:cTn id="24" fill="hold">
+                            <p:stCondLst>
+                              <p:cond delay="0"/>
+                            </p:stCondLst>
+                            <p:childTnLst>
+                              <p:par>
+                                <p:cTn id="25" presetID="10" presetClass="entr" presetSubtype="0" fill="hold" grpId="0" nodeType="clickEffect">
+                                  <p:stCondLst>
+                                    <p:cond delay="0"/>
+                                  </p:stCondLst>
+                                  <p:childTnLst>
+                                    <p:set>
+                                      <p:cBhvr>
+                                        <p:cTn id="26" dur="1" fill="hold">
+                                          <p:stCondLst>
+                                            <p:cond delay="0"/>
+                                          </p:stCondLst>
+                                        </p:cTn>
+                                        <p:tgtEl>
+                                          <p:spTgt spid="17"/>
+                                        </p:tgtEl>
+                                        <p:attrNameLst>
+                                          <p:attrName>style.visibility</p:attrName>
+                                        </p:attrNameLst>
+                                      </p:cBhvr>
+                                      <p:to>
+                                        <p:strVal val="visible"/>
+                                      </p:to>
+                                    </p:set>
+                                    <p:animEffect transition="in" filter="fade">
+                                      <p:cBhvr>
+                                        <p:cTn id="27" dur="500"/>
+                                        <p:tgtEl>
+                                          <p:spTgt spid="17"/>
+                                        </p:tgtEl>
+                                      </p:cBhvr>
+                                    </p:animEffect>
+                                  </p:childTnLst>
+                                </p:cTn>
+                              </p:par>
+                            </p:childTnLst>
+                          </p:cTn>
+                        </p:par>
+                      </p:childTnLst>
+                    </p:cTn>
+                  </p:par>
+                  <p:par>
+                    <p:cTn id="28" fill="hold">
+                      <p:stCondLst>
+                        <p:cond delay="indefinite"/>
+                      </p:stCondLst>
+                      <p:childTnLst>
+                        <p:par>
+                          <p:cTn id="29" fill="hold">
+                            <p:stCondLst>
+                              <p:cond delay="0"/>
+                            </p:stCondLst>
+                            <p:childTnLst>
+                              <p:par>
+                                <p:cTn id="30" presetID="10" presetClass="entr" presetSubtype="0" fill="hold" grpId="0" nodeType="clickEffect">
+                                  <p:stCondLst>
+                                    <p:cond delay="0"/>
+                                  </p:stCondLst>
+                                  <p:childTnLst>
+                                    <p:set>
+                                      <p:cBhvr>
+                                        <p:cTn id="31" dur="1" fill="hold">
+                                          <p:stCondLst>
+                                            <p:cond delay="0"/>
+                                          </p:stCondLst>
+                                        </p:cTn>
+                                        <p:tgtEl>
+                                          <p:spTgt spid="18"/>
+                                        </p:tgtEl>
+                                        <p:attrNameLst>
+                                          <p:attrName>style.visibility</p:attrName>
+                                        </p:attrNameLst>
+                                      </p:cBhvr>
+                                      <p:to>
+                                        <p:strVal val="visible"/>
+                                      </p:to>
+                                    </p:set>
+                                    <p:animEffect transition="in" filter="fade">
+                                      <p:cBhvr>
+                                        <p:cTn id="32" dur="500"/>
+                                        <p:tgtEl>
+                                          <p:spTgt spid="18"/>
+                                        </p:tgtEl>
+                                      </p:cBhvr>
+                                    </p:animEffect>
+                                  </p:childTnLst>
+                                </p:cTn>
+                              </p:par>
+                            </p:childTnLst>
+                          </p:cTn>
+                        </p:par>
+                      </p:childTnLst>
+                    </p:cTn>
+                  </p:par>
+                </p:childTnLst>
+              </p:cTn>
+              <p:prevCondLst>
+                <p:cond evt="onPrev" delay="0">
+                  <p:tgtEl>
+                    <p:sldTgt/>
+                  </p:tgtEl>
+                </p:cond>
+              </p:prevCondLst>
+              <p:nextCondLst>
+                <p:cond evt="onNext" delay="0">
+                  <p:tgtEl>
+                    <p:sldTgt/>
+                  </p:tgtEl>
+                </p:cond>
+              </p:nextCondLst>
+            </p:seq>
+          </p:childTnLst>
+        </p:cTn>
       </p:par>
     </p:tnLst>
+    <p:bldLst>
+      <p:bldP spid="11" grpId="0" animBg="1"/>
+      <p:bldP spid="14" grpId="0" animBg="1"/>
+      <p:bldP spid="15" grpId="0" animBg="1"/>
+      <p:bldP spid="16" grpId="0" animBg="1"/>
+      <p:bldP spid="17" grpId="0" animBg="1"/>
+      <p:bldP spid="18" grpId="0" animBg="1"/>
+    </p:bldLst>
   </p:timing>
 </p:sld>
 </file>
@@ -8575,8 +9580,68 @@
           <a:lstStyle/>
           <a:p>
             <a:r>
-              <a:rPr lang="en-US" b="1" dirty="0"/>
-              <a:t>Potential Energy of QM region</a:t>
+              <a:rPr lang="en-US" b="1" dirty="0" smtClean="0"/>
+              <a:t>QM methods; solvent phases</a:t>
+            </a:r>
+            <a:endParaRPr lang="en-GB" b="1" dirty="0"/>
+          </a:p>
+        </p:txBody>
+      </p:sp>
+      <p:sp>
+        <p:nvSpPr>
+          <p:cNvPr id="3" name="Content Placeholder 2"/>
+          <p:cNvSpPr>
+            <a:spLocks noGrp="1"/>
+          </p:cNvSpPr>
+          <p:nvPr>
+            <p:ph idx="1"/>
+          </p:nvPr>
+        </p:nvSpPr>
+        <p:spPr/>
+        <p:txBody>
+          <a:bodyPr/>
+          <a:lstStyle/>
+          <a:p>
+            <a:pPr algn="just"/>
+            <a:r>
+              <a:rPr lang="en-GB" dirty="0" smtClean="0"/>
+              <a:t>QM calculations are normally performed on isolated molecules in gas phase. However, most experiments are performed in condensed phases (aqueous solution). </a:t>
+            </a:r>
+          </a:p>
+          <a:p>
+            <a:pPr algn="just"/>
+            <a:r>
+              <a:rPr lang="en-GB" dirty="0" smtClean="0"/>
+              <a:t>Methods have been developed to model a surrounding homogeneous solvent in QM calculations, continuum solvation methods. </a:t>
+            </a:r>
+          </a:p>
+          <a:p>
+            <a:pPr lvl="1" algn="just"/>
+            <a:r>
+              <a:rPr lang="en-GB" dirty="0"/>
+              <a:t>P</a:t>
+            </a:r>
+            <a:r>
+              <a:rPr lang="en-GB" dirty="0" smtClean="0"/>
+              <a:t>olarizable continuum model (PCM) </a:t>
+            </a:r>
+          </a:p>
+          <a:p>
+            <a:pPr lvl="1" algn="just"/>
+            <a:r>
+              <a:rPr lang="en-GB" dirty="0"/>
+              <a:t>C</a:t>
+            </a:r>
+            <a:r>
+              <a:rPr lang="en-GB" dirty="0" smtClean="0"/>
+              <a:t>onductor-like solvent model (COSMO)</a:t>
+            </a:r>
+          </a:p>
+          <a:p>
+            <a:pPr algn="just"/>
+            <a:r>
+              <a:rPr lang="en-US" dirty="0" smtClean="0"/>
+              <a:t>For protein-sized systems, methods based on the Poisson–Boltzmann (PB) equation or the generalized Born (GB) approach are more common.</a:t>
             </a:r>
             <a:endParaRPr lang="en-GB" dirty="0"/>
           </a:p>
@@ -8600,6 +9665,89 @@
             <a:fld id="{EE2AFBF9-3608-46D9-B7C8-6FAC58B211BE}" type="slidenum">
               <a:rPr lang="en-GB" smtClean="0"/>
               <a:t>17</a:t>
+            </a:fld>
+            <a:endParaRPr lang="en-GB"/>
+          </a:p>
+        </p:txBody>
+      </p:sp>
+    </p:spTree>
+    <p:extLst>
+      <p:ext uri="{BB962C8B-B14F-4D97-AF65-F5344CB8AC3E}">
+        <p14:creationId xmlns:p14="http://schemas.microsoft.com/office/powerpoint/2010/main" val="1885984195"/>
+      </p:ext>
+    </p:extLst>
+  </p:cSld>
+  <p:clrMapOvr>
+    <a:masterClrMapping/>
+  </p:clrMapOvr>
+  <p:timing>
+    <p:tnLst>
+      <p:par>
+        <p:cTn id="1" dur="indefinite" restart="never" nodeType="tmRoot"/>
+      </p:par>
+    </p:tnLst>
+  </p:timing>
+</p:sld>
+</file>
+
+<file path=ppt/slides/slide18.xml><?xml version="1.0" encoding="utf-8"?>
+<p:sld xmlns:a="http://schemas.openxmlformats.org/drawingml/2006/main" xmlns:r="http://schemas.openxmlformats.org/officeDocument/2006/relationships" xmlns:p="http://schemas.openxmlformats.org/presentationml/2006/main">
+  <p:cSld>
+    <p:spTree>
+      <p:nvGrpSpPr>
+        <p:cNvPr id="1" name=""/>
+        <p:cNvGrpSpPr/>
+        <p:nvPr/>
+      </p:nvGrpSpPr>
+      <p:grpSpPr>
+        <a:xfrm>
+          <a:off x="0" y="0"/>
+          <a:ext cx="0" cy="0"/>
+          <a:chOff x="0" y="0"/>
+          <a:chExt cx="0" cy="0"/>
+        </a:xfrm>
+      </p:grpSpPr>
+      <p:sp>
+        <p:nvSpPr>
+          <p:cNvPr id="2" name="Title 1"/>
+          <p:cNvSpPr>
+            <a:spLocks noGrp="1"/>
+          </p:cNvSpPr>
+          <p:nvPr>
+            <p:ph type="title"/>
+          </p:nvPr>
+        </p:nvSpPr>
+        <p:spPr/>
+        <p:txBody>
+          <a:bodyPr/>
+          <a:lstStyle/>
+          <a:p>
+            <a:r>
+              <a:rPr lang="en-US" b="1" dirty="0"/>
+              <a:t>Potential Energy of QM region</a:t>
+            </a:r>
+            <a:endParaRPr lang="en-GB" dirty="0"/>
+          </a:p>
+        </p:txBody>
+      </p:sp>
+      <p:sp>
+        <p:nvSpPr>
+          <p:cNvPr id="4" name="Slide Number Placeholder 3"/>
+          <p:cNvSpPr>
+            <a:spLocks noGrp="1"/>
+          </p:cNvSpPr>
+          <p:nvPr>
+            <p:ph type="sldNum" sz="quarter" idx="12"/>
+          </p:nvPr>
+        </p:nvSpPr>
+        <p:spPr/>
+        <p:txBody>
+          <a:bodyPr/>
+          <a:lstStyle/>
+          <a:p>
+            <a:fld id="{EE2AFBF9-3608-46D9-B7C8-6FAC58B211BE}" type="slidenum">
+              <a:rPr lang="en-GB" smtClean="0"/>
+              <a:t>18</a:t>
             </a:fld>
             <a:endParaRPr lang="en-GB"/>
           </a:p>
@@ -8649,7 +9797,7 @@
 </p:sld>
 </file>
 
-<file path=ppt/slides/slide18.xml><?xml version="1.0" encoding="utf-8"?>
+<file path=ppt/slides/slide19.xml><?xml version="1.0" encoding="utf-8"?>
 <p:sld xmlns:a="http://schemas.openxmlformats.org/drawingml/2006/main" xmlns:r="http://schemas.openxmlformats.org/officeDocument/2006/relationships" xmlns:p="http://schemas.openxmlformats.org/presentationml/2006/main">
   <p:cSld>
     <p:spTree>
@@ -8706,7 +9854,7 @@
           <a:p>
             <a:fld id="{EE2AFBF9-3608-46D9-B7C8-6FAC58B211BE}" type="slidenum">
               <a:rPr lang="en-GB" smtClean="0"/>
-              <a:t>18</a:t>
+              <a:t>19</a:t>
             </a:fld>
             <a:endParaRPr lang="en-GB"/>
           </a:p>
@@ -8971,7 +10119,7 @@
 </p:sld>
 </file>
 
-<file path=ppt/slides/slide19.xml><?xml version="1.0" encoding="utf-8"?>
+<file path=ppt/slides/slide2.xml><?xml version="1.0" encoding="utf-8"?>
 <p:sld xmlns:a="http://schemas.openxmlformats.org/drawingml/2006/main" xmlns:r="http://schemas.openxmlformats.org/officeDocument/2006/relationships" xmlns:p="http://schemas.openxmlformats.org/presentationml/2006/main">
   <p:cSld>
     <p:spTree>
@@ -9005,13 +10153,115 @@
           <a:p>
             <a:r>
               <a:rPr lang="en-US" b="1" dirty="0" smtClean="0"/>
-              <a:t>Potential </a:t>
-            </a:r>
-            <a:r>
-              <a:rPr lang="en-US" b="1" dirty="0"/>
-              <a:t>Energy of MM region</a:t>
-            </a:r>
-            <a:endParaRPr lang="en-GB" dirty="0"/>
+              <a:t>Introduction</a:t>
+            </a:r>
+            <a:endParaRPr lang="en-GB" b="1" dirty="0"/>
+          </a:p>
+        </p:txBody>
+      </p:sp>
+      <p:sp>
+        <p:nvSpPr>
+          <p:cNvPr id="3" name="Content Placeholder 2"/>
+          <p:cNvSpPr>
+            <a:spLocks noGrp="1"/>
+          </p:cNvSpPr>
+          <p:nvPr>
+            <p:ph idx="1"/>
+          </p:nvPr>
+        </p:nvSpPr>
+        <p:spPr>
+          <a:xfrm>
+            <a:off x="838200" y="1825625"/>
+            <a:ext cx="10868696" cy="4351338"/>
+          </a:xfrm>
+        </p:spPr>
+        <p:txBody>
+          <a:bodyPr>
+            <a:normAutofit lnSpcReduction="10000"/>
+          </a:bodyPr>
+          <a:lstStyle/>
+          <a:p>
+            <a:pPr algn="just"/>
+            <a:r>
+              <a:rPr lang="en-US" b="1" dirty="0" smtClean="0"/>
+              <a:t>Quantum-mechanical (QM) </a:t>
+            </a:r>
+            <a:r>
+              <a:rPr lang="en-US" dirty="0" smtClean="0"/>
+              <a:t>methods are required for describing chemical reactions and other electronic processes, such as charge transfer or electronic excitation.</a:t>
+            </a:r>
+          </a:p>
+          <a:p>
+            <a:pPr lvl="1" algn="just"/>
+            <a:r>
+              <a:rPr lang="en-US" dirty="0" smtClean="0">
+                <a:solidFill>
+                  <a:srgbClr val="FF0000"/>
+                </a:solidFill>
+              </a:rPr>
+              <a:t>Restriction</a:t>
+            </a:r>
+            <a:r>
+              <a:rPr lang="en-US" dirty="0" smtClean="0"/>
+              <a:t>: QM methods are restricted to systems of up to a few hundred atoms</a:t>
+            </a:r>
+          </a:p>
+          <a:p>
+            <a:pPr algn="just"/>
+            <a:r>
+              <a:rPr lang="en-US" dirty="0"/>
+              <a:t>H</a:t>
+            </a:r>
+            <a:r>
+              <a:rPr lang="en-US" dirty="0" smtClean="0"/>
+              <a:t>ighly efficient, force-field-based </a:t>
+            </a:r>
+            <a:r>
+              <a:rPr lang="en-US" b="1" dirty="0" smtClean="0"/>
+              <a:t>molecular mechanics (MM) </a:t>
+            </a:r>
+            <a:r>
+              <a:rPr lang="en-US" dirty="0" smtClean="0"/>
+              <a:t>methods are capable of treating up to several 100 000 atoms and allowing for simulations over time scales of tens of nanoseconds.</a:t>
+            </a:r>
+          </a:p>
+          <a:p>
+            <a:pPr algn="just"/>
+            <a:r>
+              <a:rPr lang="en-US" dirty="0" smtClean="0"/>
+              <a:t>A logical model is built to use;</a:t>
+            </a:r>
+          </a:p>
+          <a:p>
+            <a:pPr lvl="1" algn="just"/>
+            <a:r>
+              <a:rPr lang="en-US" dirty="0" smtClean="0"/>
+              <a:t> a QM method for the </a:t>
+            </a:r>
+            <a:r>
+              <a:rPr lang="en-US" b="1" dirty="0" smtClean="0"/>
+              <a:t>chemically active region </a:t>
+            </a:r>
+            <a:r>
+              <a:rPr lang="en-US" dirty="0" smtClean="0"/>
+              <a:t>(e.g., substrates and co-factors in an enzymatic reaction) and </a:t>
+            </a:r>
+          </a:p>
+          <a:p>
+            <a:pPr lvl="1" algn="just"/>
+            <a:r>
+              <a:rPr lang="en-US" dirty="0" smtClean="0"/>
+              <a:t>an MM treatment for the </a:t>
+            </a:r>
+            <a:r>
+              <a:rPr lang="en-US" b="1" dirty="0" smtClean="0"/>
+              <a:t>surroundings</a:t>
+            </a:r>
+            <a:r>
+              <a:rPr lang="en-US" dirty="0" smtClean="0"/>
+              <a:t> (e.g., protein and solvent).</a:t>
+            </a:r>
+            <a:endParaRPr lang="en-GB" dirty="0" smtClean="0"/>
           </a:p>
         </p:txBody>
       </p:sp>
@@ -9032,7 +10282,94 @@
           <a:p>
             <a:fld id="{EE2AFBF9-3608-46D9-B7C8-6FAC58B211BE}" type="slidenum">
               <a:rPr lang="en-GB" smtClean="0"/>
-              <a:t>19</a:t>
+              <a:t>2</a:t>
+            </a:fld>
+            <a:endParaRPr lang="en-GB"/>
+          </a:p>
+        </p:txBody>
+      </p:sp>
+    </p:spTree>
+    <p:extLst>
+      <p:ext uri="{BB962C8B-B14F-4D97-AF65-F5344CB8AC3E}">
+        <p14:creationId xmlns:p14="http://schemas.microsoft.com/office/powerpoint/2010/main" val="2079795020"/>
+      </p:ext>
+    </p:extLst>
+  </p:cSld>
+  <p:clrMapOvr>
+    <a:masterClrMapping/>
+  </p:clrMapOvr>
+  <p:timing>
+    <p:tnLst>
+      <p:par>
+        <p:cTn id="1" dur="indefinite" restart="never" nodeType="tmRoot"/>
+      </p:par>
+    </p:tnLst>
+  </p:timing>
+</p:sld>
+</file>
+
+<file path=ppt/slides/slide20.xml><?xml version="1.0" encoding="utf-8"?>
+<p:sld xmlns:a="http://schemas.openxmlformats.org/drawingml/2006/main" xmlns:r="http://schemas.openxmlformats.org/officeDocument/2006/relationships" xmlns:p="http://schemas.openxmlformats.org/presentationml/2006/main">
+  <p:cSld>
+    <p:spTree>
+      <p:nvGrpSpPr>
+        <p:cNvPr id="1" name=""/>
+        <p:cNvGrpSpPr/>
+        <p:nvPr/>
+      </p:nvGrpSpPr>
+      <p:grpSpPr>
+        <a:xfrm>
+          <a:off x="0" y="0"/>
+          <a:ext cx="0" cy="0"/>
+          <a:chOff x="0" y="0"/>
+          <a:chExt cx="0" cy="0"/>
+        </a:xfrm>
+      </p:grpSpPr>
+      <p:sp>
+        <p:nvSpPr>
+          <p:cNvPr id="2" name="Title 1"/>
+          <p:cNvSpPr>
+            <a:spLocks noGrp="1"/>
+          </p:cNvSpPr>
+          <p:nvPr>
+            <p:ph type="title"/>
+          </p:nvPr>
+        </p:nvSpPr>
+        <p:spPr/>
+        <p:txBody>
+          <a:bodyPr/>
+          <a:lstStyle/>
+          <a:p>
+            <a:r>
+              <a:rPr lang="en-US" b="1" dirty="0" smtClean="0"/>
+              <a:t>Potential </a:t>
+            </a:r>
+            <a:r>
+              <a:rPr lang="en-US" b="1" dirty="0"/>
+              <a:t>Energy of MM region</a:t>
+            </a:r>
+            <a:endParaRPr lang="en-GB" dirty="0"/>
+          </a:p>
+        </p:txBody>
+      </p:sp>
+      <p:sp>
+        <p:nvSpPr>
+          <p:cNvPr id="4" name="Slide Number Placeholder 3"/>
+          <p:cNvSpPr>
+            <a:spLocks noGrp="1"/>
+          </p:cNvSpPr>
+          <p:nvPr>
+            <p:ph type="sldNum" sz="quarter" idx="12"/>
+          </p:nvPr>
+        </p:nvSpPr>
+        <p:spPr/>
+        <p:txBody>
+          <a:bodyPr/>
+          <a:lstStyle/>
+          <a:p>
+            <a:fld id="{EE2AFBF9-3608-46D9-B7C8-6FAC58B211BE}" type="slidenum">
+              <a:rPr lang="en-GB" smtClean="0"/>
+              <a:t>20</a:t>
             </a:fld>
             <a:endParaRPr lang="en-GB"/>
           </a:p>
@@ -9175,424 +10512,6 @@
 </p:sld>
 </file>
 
-<file path=ppt/slides/slide2.xml><?xml version="1.0" encoding="utf-8"?>
-<p:sld xmlns:a="http://schemas.openxmlformats.org/drawingml/2006/main" xmlns:r="http://schemas.openxmlformats.org/officeDocument/2006/relationships" xmlns:p="http://schemas.openxmlformats.org/presentationml/2006/main">
-  <p:cSld>
-    <p:spTree>
-      <p:nvGrpSpPr>
-        <p:cNvPr id="1" name=""/>
-        <p:cNvGrpSpPr/>
-        <p:nvPr/>
-      </p:nvGrpSpPr>
-      <p:grpSpPr>
-        <a:xfrm>
-          <a:off x="0" y="0"/>
-          <a:ext cx="0" cy="0"/>
-          <a:chOff x="0" y="0"/>
-          <a:chExt cx="0" cy="0"/>
-        </a:xfrm>
-      </p:grpSpPr>
-      <p:sp>
-        <p:nvSpPr>
-          <p:cNvPr id="2" name="Title 1"/>
-          <p:cNvSpPr>
-            <a:spLocks noGrp="1"/>
-          </p:cNvSpPr>
-          <p:nvPr>
-            <p:ph type="title"/>
-          </p:nvPr>
-        </p:nvSpPr>
-        <p:spPr/>
-        <p:txBody>
-          <a:bodyPr/>
-          <a:lstStyle/>
-          <a:p>
-            <a:r>
-              <a:rPr lang="en-US" b="1" dirty="0" smtClean="0"/>
-              <a:t>Introduction</a:t>
-            </a:r>
-            <a:endParaRPr lang="en-GB" b="1" dirty="0"/>
-          </a:p>
-        </p:txBody>
-      </p:sp>
-      <p:sp>
-        <p:nvSpPr>
-          <p:cNvPr id="3" name="Content Placeholder 2"/>
-          <p:cNvSpPr>
-            <a:spLocks noGrp="1"/>
-          </p:cNvSpPr>
-          <p:nvPr>
-            <p:ph idx="1"/>
-          </p:nvPr>
-        </p:nvSpPr>
-        <p:spPr>
-          <a:xfrm>
-            <a:off x="838200" y="1825625"/>
-            <a:ext cx="10868696" cy="4351338"/>
-          </a:xfrm>
-        </p:spPr>
-        <p:txBody>
-          <a:bodyPr>
-            <a:normAutofit lnSpcReduction="10000"/>
-          </a:bodyPr>
-          <a:lstStyle/>
-          <a:p>
-            <a:pPr algn="just"/>
-            <a:r>
-              <a:rPr lang="en-US" b="1" dirty="0" smtClean="0"/>
-              <a:t>Quantum-mechanical (QM) </a:t>
-            </a:r>
-            <a:r>
-              <a:rPr lang="en-US" dirty="0" smtClean="0"/>
-              <a:t>methods are required for describing chemical reactions and other electronic processes, such as charge transfer or electronic excitation.</a:t>
-            </a:r>
-          </a:p>
-          <a:p>
-            <a:pPr lvl="1" algn="just"/>
-            <a:r>
-              <a:rPr lang="en-US" dirty="0" smtClean="0">
-                <a:solidFill>
-                  <a:srgbClr val="FF0000"/>
-                </a:solidFill>
-              </a:rPr>
-              <a:t>Restriction</a:t>
-            </a:r>
-            <a:r>
-              <a:rPr lang="en-US" dirty="0" smtClean="0"/>
-              <a:t>: QM methods are restricted to systems of up to a few hundred atoms</a:t>
-            </a:r>
-          </a:p>
-          <a:p>
-            <a:pPr algn="just"/>
-            <a:r>
-              <a:rPr lang="en-US" dirty="0"/>
-              <a:t>H</a:t>
-            </a:r>
-            <a:r>
-              <a:rPr lang="en-US" dirty="0" smtClean="0"/>
-              <a:t>ighly efficient, force-field-based </a:t>
-            </a:r>
-            <a:r>
-              <a:rPr lang="en-US" b="1" dirty="0" smtClean="0"/>
-              <a:t>molecular mechanics (MM) </a:t>
-            </a:r>
-            <a:r>
-              <a:rPr lang="en-US" dirty="0" smtClean="0"/>
-              <a:t>methods are capable of treating up to several 100 000 atoms and allowing for simulations over time scales of tens of nanoseconds.</a:t>
-            </a:r>
-          </a:p>
-          <a:p>
-            <a:pPr algn="just"/>
-            <a:r>
-              <a:rPr lang="en-US" dirty="0" smtClean="0"/>
-              <a:t>A logical model is built to use;</a:t>
-            </a:r>
-          </a:p>
-          <a:p>
-            <a:pPr lvl="1" algn="just"/>
-            <a:r>
-              <a:rPr lang="en-US" dirty="0" smtClean="0"/>
-              <a:t> a QM method for the </a:t>
-            </a:r>
-            <a:r>
-              <a:rPr lang="en-US" b="1" dirty="0" smtClean="0"/>
-              <a:t>chemically active region </a:t>
-            </a:r>
-            <a:r>
-              <a:rPr lang="en-US" dirty="0" smtClean="0"/>
-              <a:t>(e.g., substrates and co-factors in an enzymatic reaction) and </a:t>
-            </a:r>
-          </a:p>
-          <a:p>
-            <a:pPr lvl="1" algn="just"/>
-            <a:r>
-              <a:rPr lang="en-US" dirty="0" smtClean="0"/>
-              <a:t>an MM treatment for the </a:t>
-            </a:r>
-            <a:r>
-              <a:rPr lang="en-US" b="1" dirty="0" smtClean="0"/>
-              <a:t>surroundings</a:t>
-            </a:r>
-            <a:r>
-              <a:rPr lang="en-US" dirty="0" smtClean="0"/>
-              <a:t> (e.g., protein and solvent).</a:t>
-            </a:r>
-            <a:endParaRPr lang="en-GB" dirty="0" smtClean="0"/>
-          </a:p>
-        </p:txBody>
-      </p:sp>
-      <p:sp>
-        <p:nvSpPr>
-          <p:cNvPr id="4" name="Slide Number Placeholder 3"/>
-          <p:cNvSpPr>
-            <a:spLocks noGrp="1"/>
-          </p:cNvSpPr>
-          <p:nvPr>
-            <p:ph type="sldNum" sz="quarter" idx="12"/>
-          </p:nvPr>
-        </p:nvSpPr>
-        <p:spPr/>
-        <p:txBody>
-          <a:bodyPr/>
-          <a:lstStyle/>
-          <a:p>
-            <a:fld id="{EE2AFBF9-3608-46D9-B7C8-6FAC58B211BE}" type="slidenum">
-              <a:rPr lang="en-GB" smtClean="0"/>
-              <a:t>2</a:t>
-            </a:fld>
-            <a:endParaRPr lang="en-GB"/>
-          </a:p>
-        </p:txBody>
-      </p:sp>
-    </p:spTree>
-    <p:extLst>
-      <p:ext uri="{BB962C8B-B14F-4D97-AF65-F5344CB8AC3E}">
-        <p14:creationId xmlns:p14="http://schemas.microsoft.com/office/powerpoint/2010/main" val="2079795020"/>
-      </p:ext>
-    </p:extLst>
-  </p:cSld>
-  <p:clrMapOvr>
-    <a:masterClrMapping/>
-  </p:clrMapOvr>
-  <p:timing>
-    <p:tnLst>
-      <p:par>
-        <p:cTn id="1" dur="indefinite" restart="never" nodeType="tmRoot"/>
-      </p:par>
-    </p:tnLst>
-  </p:timing>
-</p:sld>
-</file>
-
-<file path=ppt/slides/slide20.xml><?xml version="1.0" encoding="utf-8"?>
-<p:sld xmlns:a="http://schemas.openxmlformats.org/drawingml/2006/main" xmlns:r="http://schemas.openxmlformats.org/officeDocument/2006/relationships" xmlns:p="http://schemas.openxmlformats.org/presentationml/2006/main">
-  <p:cSld>
-    <p:spTree>
-      <p:nvGrpSpPr>
-        <p:cNvPr id="1" name=""/>
-        <p:cNvGrpSpPr/>
-        <p:nvPr/>
-      </p:nvGrpSpPr>
-      <p:grpSpPr>
-        <a:xfrm>
-          <a:off x="0" y="0"/>
-          <a:ext cx="0" cy="0"/>
-          <a:chOff x="0" y="0"/>
-          <a:chExt cx="0" cy="0"/>
-        </a:xfrm>
-      </p:grpSpPr>
-      <p:sp>
-        <p:nvSpPr>
-          <p:cNvPr id="2" name="Title 1"/>
-          <p:cNvSpPr>
-            <a:spLocks noGrp="1"/>
-          </p:cNvSpPr>
-          <p:nvPr>
-            <p:ph type="title"/>
-          </p:nvPr>
-        </p:nvSpPr>
-        <p:spPr/>
-        <p:txBody>
-          <a:bodyPr/>
-          <a:lstStyle/>
-          <a:p>
-            <a:r>
-              <a:rPr lang="en-US" b="1" dirty="0" smtClean="0"/>
-              <a:t>MM</a:t>
-            </a:r>
-            <a:r>
-              <a:rPr lang="en-US" dirty="0" smtClean="0"/>
-              <a:t> </a:t>
-            </a:r>
-            <a:r>
-              <a:rPr lang="en-US" sz="2400" dirty="0" smtClean="0"/>
-              <a:t>(Contd.)</a:t>
-            </a:r>
-            <a:endParaRPr lang="en-GB" sz="2400" dirty="0"/>
-          </a:p>
-        </p:txBody>
-      </p:sp>
-      <p:sp>
-        <p:nvSpPr>
-          <p:cNvPr id="3" name="Content Placeholder 2"/>
-          <p:cNvSpPr>
-            <a:spLocks noGrp="1"/>
-          </p:cNvSpPr>
-          <p:nvPr>
-            <p:ph idx="1"/>
-          </p:nvPr>
-        </p:nvSpPr>
-        <p:spPr/>
-        <p:txBody>
-          <a:bodyPr>
-            <a:normAutofit fontScale="92500" lnSpcReduction="10000"/>
-          </a:bodyPr>
-          <a:lstStyle/>
-          <a:p>
-            <a:r>
-              <a:rPr lang="en-US" dirty="0"/>
-              <a:t>E</a:t>
-            </a:r>
-            <a:r>
-              <a:rPr lang="en-US" dirty="0" smtClean="0"/>
-              <a:t>nergy can be calculated for a whole protein in seconds, allowing for extensive sampling of the accessible phase space by molecular dynamics (MD) or Monte Carlo methods. </a:t>
-            </a:r>
-          </a:p>
-          <a:p>
-            <a:r>
-              <a:rPr lang="en-US" dirty="0" smtClean="0"/>
-              <a:t>The protein is typically solvated with several thousands of explicit water molecules and possibly counter ions to provide a more realistic account of the surroundings. </a:t>
-            </a:r>
-          </a:p>
-          <a:p>
-            <a:r>
-              <a:rPr lang="en-US" dirty="0" smtClean="0"/>
-              <a:t>To mimic infinite systems, periodic boundary conditions are employed.</a:t>
-            </a:r>
-          </a:p>
-          <a:p>
-            <a:r>
-              <a:rPr lang="en-US" dirty="0"/>
-              <a:t>C</a:t>
-            </a:r>
-            <a:r>
-              <a:rPr lang="en-US" dirty="0" smtClean="0"/>
-              <a:t>hoice of MM method: </a:t>
-            </a:r>
-            <a:r>
-              <a:rPr lang="en-US" dirty="0" err="1" smtClean="0"/>
-              <a:t>biomolecular</a:t>
-            </a:r>
-            <a:r>
-              <a:rPr lang="en-US" dirty="0" smtClean="0"/>
-              <a:t> force fields available. </a:t>
-            </a:r>
-          </a:p>
-          <a:p>
-            <a:pPr lvl="1"/>
-            <a:r>
-              <a:rPr lang="en-US" dirty="0" smtClean="0"/>
-              <a:t>Popular examples include AMBER, CHARMM, GROMOS and OPLS-AA.</a:t>
-            </a:r>
-          </a:p>
-          <a:p>
-            <a:pPr lvl="1"/>
-            <a:r>
-              <a:rPr lang="en-US" dirty="0" smtClean="0"/>
-              <a:t>Biomolecules - typically includes proteins and in most cases also nucleic acids, but less frequently carbohydrates or lipids.</a:t>
-            </a:r>
-            <a:endParaRPr lang="en-GB" dirty="0"/>
-          </a:p>
-        </p:txBody>
-      </p:sp>
-      <p:sp>
-        <p:nvSpPr>
-          <p:cNvPr id="4" name="Slide Number Placeholder 3"/>
-          <p:cNvSpPr>
-            <a:spLocks noGrp="1"/>
-          </p:cNvSpPr>
-          <p:nvPr>
-            <p:ph type="sldNum" sz="quarter" idx="12"/>
-          </p:nvPr>
-        </p:nvSpPr>
-        <p:spPr/>
-        <p:txBody>
-          <a:bodyPr/>
-          <a:lstStyle/>
-          <a:p>
-            <a:fld id="{EE2AFBF9-3608-46D9-B7C8-6FAC58B211BE}" type="slidenum">
-              <a:rPr lang="en-GB" smtClean="0"/>
-              <a:t>20</a:t>
-            </a:fld>
-            <a:endParaRPr lang="en-GB"/>
-          </a:p>
-        </p:txBody>
-      </p:sp>
-      <p:sp>
-        <p:nvSpPr>
-          <p:cNvPr id="5" name="TextBox 4"/>
-          <p:cNvSpPr txBox="1"/>
-          <p:nvPr/>
-        </p:nvSpPr>
-        <p:spPr>
-          <a:xfrm>
-            <a:off x="0" y="6356350"/>
-            <a:ext cx="8268236" cy="461665"/>
-          </a:xfrm>
-          <a:prstGeom prst="rect">
-            <a:avLst/>
-          </a:prstGeom>
-          <a:noFill/>
-        </p:spPr>
-        <p:txBody>
-          <a:bodyPr wrap="square" rtlCol="0">
-            <a:spAutoFit/>
-          </a:bodyPr>
-          <a:lstStyle/>
-          <a:p>
-            <a:r>
-              <a:rPr lang="en-US" sz="1200" dirty="0"/>
-              <a:t>Lopes PE, </a:t>
-            </a:r>
-            <a:r>
-              <a:rPr lang="en-US" sz="1200" dirty="0" err="1"/>
-              <a:t>Guvench</a:t>
-            </a:r>
-            <a:r>
-              <a:rPr lang="en-US" sz="1200" dirty="0"/>
-              <a:t> O, </a:t>
-            </a:r>
-            <a:r>
-              <a:rPr lang="en-US" sz="1200" dirty="0" err="1"/>
-              <a:t>MacKerell</a:t>
-            </a:r>
-            <a:r>
-              <a:rPr lang="en-US" sz="1200" dirty="0"/>
-              <a:t> AD Jr. Current status of protein force fields for molecular dynamics simulations. </a:t>
-            </a:r>
-            <a:endParaRPr lang="en-US" sz="1200" dirty="0" smtClean="0"/>
-          </a:p>
-          <a:p>
-            <a:r>
-              <a:rPr lang="en-US" sz="1200" i="1" dirty="0" smtClean="0"/>
-              <a:t>Methods </a:t>
-            </a:r>
-            <a:r>
-              <a:rPr lang="en-US" sz="1200" i="1" dirty="0" err="1"/>
-              <a:t>Mol</a:t>
-            </a:r>
-            <a:r>
-              <a:rPr lang="en-US" sz="1200" i="1" dirty="0"/>
-              <a:t> Biol</a:t>
-            </a:r>
-            <a:r>
-              <a:rPr lang="en-US" sz="1200" dirty="0"/>
-              <a:t>. 2015;1215:47-71. doi:10.1007/978-1-4939-1465-4_3</a:t>
-            </a:r>
-            <a:endParaRPr lang="en-GB" sz="1200" dirty="0"/>
-          </a:p>
-        </p:txBody>
-      </p:sp>
-    </p:spTree>
-    <p:extLst>
-      <p:ext uri="{BB962C8B-B14F-4D97-AF65-F5344CB8AC3E}">
-        <p14:creationId xmlns:p14="http://schemas.microsoft.com/office/powerpoint/2010/main" val="878179305"/>
-      </p:ext>
-    </p:extLst>
-  </p:cSld>
-  <p:clrMapOvr>
-    <a:masterClrMapping/>
-  </p:clrMapOvr>
-  <p:timing>
-    <p:tnLst>
-      <p:par>
-        <p:cTn id="1" dur="indefinite" restart="never" nodeType="tmRoot"/>
-      </p:par>
-    </p:tnLst>
-  </p:timing>
-</p:sld>
-</file>
-
 <file path=ppt/slides/slide21.xml><?xml version="1.0" encoding="utf-8"?>
 <p:sld xmlns:a="http://schemas.openxmlformats.org/drawingml/2006/main" xmlns:r="http://schemas.openxmlformats.org/officeDocument/2006/relationships" xmlns:p="http://schemas.openxmlformats.org/presentationml/2006/main">
   <p:cSld>
@@ -9625,64 +10544,92 @@
           <a:bodyPr/>
           <a:lstStyle/>
           <a:p>
-            <a:pPr marL="24191">
-              <a:spcBef>
-                <a:spcPts val="1248"/>
-              </a:spcBef>
-            </a:pPr>
-            <a:r>
-              <a:rPr lang="en-US" b="1" spc="124" dirty="0" smtClean="0">
-                <a:latin typeface="Calibri Light" panose="020F0302020204030204" pitchFamily="34" charset="0"/>
-                <a:cs typeface="Calibri Light" panose="020F0302020204030204" pitchFamily="34" charset="0"/>
-              </a:rPr>
-              <a:t>QM/MM</a:t>
-            </a:r>
-            <a:r>
-              <a:rPr lang="en-US" b="1" spc="-362" dirty="0" smtClean="0">
-                <a:latin typeface="Calibri Light" panose="020F0302020204030204" pitchFamily="34" charset="0"/>
-                <a:cs typeface="Calibri Light" panose="020F0302020204030204" pitchFamily="34" charset="0"/>
-              </a:rPr>
+            <a:r>
+              <a:rPr lang="en-US" b="1" dirty="0" smtClean="0"/>
+              <a:t>MM</a:t>
+            </a:r>
+            <a:r>
+              <a:rPr lang="en-US" dirty="0" smtClean="0"/>
               <a:t> </a:t>
             </a:r>
             <a:r>
-              <a:rPr lang="en-US" b="1" spc="-10" dirty="0" smtClean="0">
-                <a:latin typeface="Calibri Light" panose="020F0302020204030204" pitchFamily="34" charset="0"/>
-                <a:cs typeface="Calibri Light" panose="020F0302020204030204" pitchFamily="34" charset="0"/>
-              </a:rPr>
-              <a:t>methods </a:t>
-            </a:r>
-            <a:r>
-              <a:rPr lang="en-US" b="1" spc="57" dirty="0" smtClean="0">
-                <a:latin typeface="Calibri Light" panose="020F0302020204030204" pitchFamily="34" charset="0"/>
-                <a:cs typeface="Calibri Light" panose="020F0302020204030204" pitchFamily="34" charset="0"/>
-              </a:rPr>
-              <a:t>for </a:t>
-            </a:r>
-            <a:r>
-              <a:rPr lang="en-US" b="1" dirty="0" err="1" smtClean="0">
-                <a:latin typeface="Calibri Light" panose="020F0302020204030204" pitchFamily="34" charset="0"/>
-                <a:cs typeface="Calibri Light" panose="020F0302020204030204" pitchFamily="34" charset="0"/>
-              </a:rPr>
+              <a:rPr lang="en-US" sz="2400" dirty="0" smtClean="0"/>
+              <a:t>(Contd.)</a:t>
+            </a:r>
+            <a:endParaRPr lang="en-GB" sz="2400" dirty="0"/>
+          </a:p>
+        </p:txBody>
+      </p:sp>
+      <p:sp>
+        <p:nvSpPr>
+          <p:cNvPr id="3" name="Content Placeholder 2"/>
+          <p:cNvSpPr>
+            <a:spLocks noGrp="1"/>
+          </p:cNvSpPr>
+          <p:nvPr>
+            <p:ph idx="1"/>
+          </p:nvPr>
+        </p:nvSpPr>
+        <p:spPr/>
+        <p:txBody>
+          <a:bodyPr>
+            <a:normAutofit fontScale="92500" lnSpcReduction="10000"/>
+          </a:bodyPr>
+          <a:lstStyle/>
+          <a:p>
+            <a:r>
+              <a:rPr lang="en-US" dirty="0"/>
+              <a:t>E</a:t>
+            </a:r>
+            <a:r>
+              <a:rPr lang="en-US" dirty="0" smtClean="0"/>
+              <a:t>nergy can be calculated for a whole protein in seconds, allowing for extensive sampling of the accessible phase space by molecular dynamics (MD) or Monte Carlo methods. </a:t>
+            </a:r>
+          </a:p>
+          <a:p>
+            <a:r>
+              <a:rPr lang="en-US" dirty="0" smtClean="0"/>
+              <a:t>The protein is typically solvated with several thousands of explicit water molecules and possibly counter ions to provide a more realistic account of the surroundings. </a:t>
+            </a:r>
+          </a:p>
+          <a:p>
+            <a:r>
+              <a:rPr lang="en-US" dirty="0" smtClean="0"/>
+              <a:t>To mimic infinite systems, periodic boundary conditions are employed.</a:t>
+            </a:r>
+          </a:p>
+          <a:p>
+            <a:r>
+              <a:rPr lang="en-US" dirty="0"/>
+              <a:t>C</a:t>
+            </a:r>
+            <a:r>
+              <a:rPr lang="en-US" dirty="0" smtClean="0"/>
+              <a:t>hoice of MM method: </a:t>
+            </a:r>
+            <a:r>
+              <a:rPr lang="en-US" dirty="0" err="1" smtClean="0"/>
               <a:t>biomolecular</a:t>
             </a:r>
             <a:r>
-              <a:rPr lang="en-US" b="1" dirty="0" smtClean="0">
-                <a:latin typeface="Calibri Light" panose="020F0302020204030204" pitchFamily="34" charset="0"/>
-                <a:cs typeface="Calibri Light" panose="020F0302020204030204" pitchFamily="34" charset="0"/>
-              </a:rPr>
-              <a:t> </a:t>
-            </a:r>
-            <a:r>
-              <a:rPr lang="en-US" b="1" spc="-48" dirty="0" smtClean="0">
-                <a:latin typeface="Calibri Light" panose="020F0302020204030204" pitchFamily="34" charset="0"/>
-                <a:cs typeface="Calibri Light" panose="020F0302020204030204" pitchFamily="34" charset="0"/>
-              </a:rPr>
-              <a:t>systems</a:t>
-            </a:r>
-            <a:endParaRPr lang="en-US" b="1" dirty="0">
-              <a:latin typeface="Calibri Light" panose="020F0302020204030204" pitchFamily="34" charset="0"/>
-              <a:cs typeface="Calibri Light" panose="020F0302020204030204" pitchFamily="34" charset="0"/>
-            </a:endParaRPr>
+              <a:rPr lang="en-US" dirty="0" smtClean="0"/>
+              <a:t> force fields available. </a:t>
+            </a:r>
+          </a:p>
+          <a:p>
+            <a:pPr lvl="1"/>
+            <a:r>
+              <a:rPr lang="en-US" dirty="0" smtClean="0"/>
+              <a:t>Popular examples include AMBER, CHARMM, GROMOS and OPLS-AA.</a:t>
+            </a:r>
+          </a:p>
+          <a:p>
+            <a:pPr lvl="1"/>
+            <a:r>
+              <a:rPr lang="en-US" dirty="0" smtClean="0"/>
+              <a:t>Biomolecules - typically includes proteins and in most cases also nucleic acids, but less frequently carbohydrates or lipids.</a:t>
+            </a:r>
+            <a:endParaRPr lang="en-GB" dirty="0"/>
           </a:p>
         </p:txBody>
       </p:sp>
@@ -9705,823 +10652,79 @@
               <a:rPr lang="en-GB" smtClean="0"/>
               <a:t>21</a:t>
             </a:fld>
-            <a:endParaRPr lang="en-GB" dirty="0"/>
-          </a:p>
-        </p:txBody>
-      </p:sp>
-      <p:sp>
-        <p:nvSpPr>
-          <p:cNvPr id="5" name="object 3"/>
-          <p:cNvSpPr txBox="1">
-            <a:spLocks noGrp="1"/>
-          </p:cNvSpPr>
-          <p:nvPr>
-            <p:ph idx="1"/>
-          </p:nvPr>
+            <a:endParaRPr lang="en-GB"/>
+          </a:p>
+        </p:txBody>
+      </p:sp>
+      <p:sp>
+        <p:nvSpPr>
+          <p:cNvPr id="5" name="TextBox 4"/>
+          <p:cNvSpPr txBox="1"/>
+          <p:nvPr/>
         </p:nvSpPr>
         <p:spPr>
           <a:xfrm>
-            <a:off x="359898" y="1757538"/>
-            <a:ext cx="6730218" cy="4581847"/>
+            <a:off x="0" y="6356350"/>
+            <a:ext cx="8268236" cy="461665"/>
           </a:xfrm>
           <a:prstGeom prst="rect">
             <a:avLst/>
           </a:prstGeom>
+          <a:noFill/>
         </p:spPr>
         <p:txBody>
-          <a:bodyPr vert="horz" wrap="square" lIns="0" tIns="158448" rIns="0" bIns="0" rtlCol="0">
+          <a:bodyPr wrap="square" rtlCol="0">
             <a:spAutoFit/>
           </a:bodyPr>
           <a:lstStyle/>
           <a:p>
-            <a:pPr marL="505591" marR="195947" indent="-208042" algn="just">
-              <a:lnSpc>
-                <a:spcPct val="114599"/>
-              </a:lnSpc>
-              <a:spcBef>
-                <a:spcPts val="733"/>
-              </a:spcBef>
-              <a:buClr>
-                <a:srgbClr val="EB811B"/>
-              </a:buClr>
-              <a:buFontTx/>
-              <a:buChar char="•"/>
-              <a:tabLst>
-                <a:tab pos="506801" algn="l"/>
-              </a:tabLst>
-            </a:pPr>
-            <a:r>
-              <a:rPr sz="2600" spc="19" dirty="0" smtClean="0">
-                <a:cs typeface="Arial"/>
-              </a:rPr>
-              <a:t>Problem</a:t>
-            </a:r>
-            <a:r>
-              <a:rPr sz="2600" spc="19" dirty="0">
-                <a:cs typeface="Arial"/>
-              </a:rPr>
-              <a:t>: </a:t>
-            </a:r>
-            <a:r>
-              <a:rPr sz="2600" dirty="0">
-                <a:cs typeface="Arial"/>
-              </a:rPr>
-              <a:t>There </a:t>
-            </a:r>
-            <a:r>
-              <a:rPr sz="2600" spc="10" dirty="0">
-                <a:cs typeface="Arial"/>
-              </a:rPr>
-              <a:t>are </a:t>
-            </a:r>
-            <a:r>
-              <a:rPr sz="2600" spc="19" dirty="0">
-                <a:cs typeface="Arial"/>
-              </a:rPr>
-              <a:t>covalent</a:t>
-            </a:r>
-            <a:r>
-              <a:rPr sz="2600" spc="-400" dirty="0">
-                <a:cs typeface="Arial"/>
-              </a:rPr>
-              <a:t> </a:t>
-            </a:r>
-            <a:r>
-              <a:rPr sz="2600" spc="10" dirty="0">
-                <a:cs typeface="Arial"/>
-              </a:rPr>
-              <a:t>linkages </a:t>
-            </a:r>
-            <a:r>
-              <a:rPr sz="2600" spc="57" dirty="0">
-                <a:cs typeface="Arial"/>
-              </a:rPr>
-              <a:t>between  </a:t>
-            </a:r>
-            <a:r>
-              <a:rPr sz="2600" spc="29" dirty="0">
-                <a:cs typeface="Arial"/>
-              </a:rPr>
-              <a:t>QM</a:t>
-            </a:r>
-            <a:r>
-              <a:rPr sz="2600" spc="-105" dirty="0">
-                <a:cs typeface="Arial"/>
-              </a:rPr>
-              <a:t> </a:t>
-            </a:r>
-            <a:r>
-              <a:rPr sz="2600" spc="19" dirty="0">
-                <a:cs typeface="Arial"/>
-              </a:rPr>
-              <a:t>atoms</a:t>
-            </a:r>
-            <a:r>
-              <a:rPr sz="2600" spc="-95" dirty="0">
-                <a:cs typeface="Arial"/>
-              </a:rPr>
-              <a:t> </a:t>
-            </a:r>
-            <a:r>
-              <a:rPr sz="2600" dirty="0">
-                <a:cs typeface="Arial"/>
-              </a:rPr>
-              <a:t>and</a:t>
-            </a:r>
-            <a:r>
-              <a:rPr sz="2600" spc="-95" dirty="0">
-                <a:cs typeface="Arial"/>
-              </a:rPr>
-              <a:t> </a:t>
-            </a:r>
-            <a:r>
-              <a:rPr sz="2600" spc="57" dirty="0">
-                <a:cs typeface="Arial"/>
-              </a:rPr>
-              <a:t>MM</a:t>
-            </a:r>
-            <a:r>
-              <a:rPr sz="2600" spc="-95" dirty="0">
-                <a:cs typeface="Arial"/>
-              </a:rPr>
-              <a:t> </a:t>
-            </a:r>
-            <a:r>
-              <a:rPr sz="2600" spc="10" dirty="0">
-                <a:cs typeface="Arial"/>
-              </a:rPr>
-              <a:t>atoms.</a:t>
-            </a:r>
-            <a:endParaRPr sz="2600" dirty="0">
-              <a:cs typeface="Arial"/>
-            </a:endParaRPr>
-          </a:p>
-          <a:p>
-            <a:pPr marL="505591" marR="9676" indent="-208042" algn="just">
-              <a:lnSpc>
-                <a:spcPct val="114599"/>
-              </a:lnSpc>
-              <a:spcBef>
-                <a:spcPts val="562"/>
-              </a:spcBef>
-              <a:buClr>
-                <a:srgbClr val="EB811B"/>
-              </a:buClr>
-              <a:buFontTx/>
-              <a:buChar char="•"/>
-              <a:tabLst>
-                <a:tab pos="506801" algn="l"/>
-              </a:tabLst>
-            </a:pPr>
-            <a:r>
-              <a:rPr sz="2600" spc="-10" dirty="0">
-                <a:cs typeface="Arial"/>
-              </a:rPr>
-              <a:t>Consider</a:t>
-            </a:r>
-            <a:r>
-              <a:rPr sz="2600" spc="-95" dirty="0">
-                <a:cs typeface="Arial"/>
-              </a:rPr>
-              <a:t> </a:t>
-            </a:r>
-            <a:r>
-              <a:rPr sz="2600" spc="105" dirty="0">
-                <a:cs typeface="Arial"/>
-              </a:rPr>
-              <a:t>that</a:t>
-            </a:r>
-            <a:r>
-              <a:rPr sz="2600" spc="-95" dirty="0">
-                <a:cs typeface="Arial"/>
-              </a:rPr>
-              <a:t> </a:t>
-            </a:r>
-            <a:r>
-              <a:rPr sz="2600" spc="86" dirty="0">
-                <a:cs typeface="Arial"/>
-              </a:rPr>
-              <a:t>the</a:t>
-            </a:r>
-            <a:r>
-              <a:rPr sz="2600" spc="-95" dirty="0">
-                <a:cs typeface="Arial"/>
-              </a:rPr>
-              <a:t> </a:t>
-            </a:r>
-            <a:r>
-              <a:rPr sz="2600" spc="29" dirty="0">
-                <a:cs typeface="Arial"/>
-              </a:rPr>
-              <a:t>QM</a:t>
-            </a:r>
-            <a:r>
-              <a:rPr sz="2600" spc="-95" dirty="0">
-                <a:cs typeface="Arial"/>
-              </a:rPr>
-              <a:t> </a:t>
-            </a:r>
-            <a:r>
-              <a:rPr sz="2600" spc="38" dirty="0">
-                <a:cs typeface="Arial"/>
-              </a:rPr>
-              <a:t>region</a:t>
-            </a:r>
-            <a:r>
-              <a:rPr sz="2600" spc="-95" dirty="0">
-                <a:cs typeface="Arial"/>
-              </a:rPr>
-              <a:t> </a:t>
-            </a:r>
-            <a:r>
-              <a:rPr sz="2600" spc="-29" dirty="0">
-                <a:cs typeface="Arial"/>
-              </a:rPr>
-              <a:t>is</a:t>
-            </a:r>
-            <a:r>
-              <a:rPr sz="2600" spc="-95" dirty="0">
-                <a:cs typeface="Arial"/>
-              </a:rPr>
-              <a:t> </a:t>
-            </a:r>
-            <a:r>
-              <a:rPr sz="2600" spc="19" dirty="0">
-                <a:cs typeface="Arial"/>
-              </a:rPr>
-              <a:t>connected</a:t>
-            </a:r>
-            <a:r>
-              <a:rPr sz="2600" spc="-95" dirty="0">
-                <a:cs typeface="Arial"/>
-              </a:rPr>
-              <a:t> </a:t>
-            </a:r>
-            <a:r>
-              <a:rPr sz="2600" spc="124" dirty="0">
-                <a:cs typeface="Arial"/>
-              </a:rPr>
-              <a:t>to</a:t>
-            </a:r>
-            <a:r>
-              <a:rPr sz="2600" spc="-95" dirty="0">
-                <a:cs typeface="Arial"/>
-              </a:rPr>
-              <a:t> </a:t>
-            </a:r>
-            <a:r>
-              <a:rPr sz="2600" spc="86" dirty="0">
-                <a:cs typeface="Arial"/>
-              </a:rPr>
-              <a:t>the  </a:t>
-            </a:r>
-            <a:r>
-              <a:rPr sz="2600" spc="57" dirty="0">
-                <a:cs typeface="Arial"/>
-              </a:rPr>
-              <a:t>MM</a:t>
-            </a:r>
-            <a:r>
-              <a:rPr sz="2600" spc="-105" dirty="0">
-                <a:cs typeface="Arial"/>
-              </a:rPr>
-              <a:t> </a:t>
-            </a:r>
-            <a:r>
-              <a:rPr sz="2600" spc="38" dirty="0">
-                <a:cs typeface="Arial"/>
-              </a:rPr>
-              <a:t>region</a:t>
-            </a:r>
-            <a:r>
-              <a:rPr sz="2600" spc="-95" dirty="0">
-                <a:cs typeface="Arial"/>
-              </a:rPr>
-              <a:t> </a:t>
-            </a:r>
-            <a:r>
-              <a:rPr sz="2600" spc="-10" dirty="0">
-                <a:cs typeface="Arial"/>
-              </a:rPr>
-              <a:t>via</a:t>
-            </a:r>
-            <a:r>
-              <a:rPr sz="2600" spc="-95" dirty="0">
-                <a:cs typeface="Arial"/>
-              </a:rPr>
-              <a:t> </a:t>
-            </a:r>
-            <a:r>
-              <a:rPr sz="2600" spc="29" dirty="0">
-                <a:cs typeface="Arial"/>
-              </a:rPr>
-              <a:t>one</a:t>
-            </a:r>
-            <a:r>
-              <a:rPr sz="2600" spc="-95" dirty="0">
-                <a:cs typeface="Arial"/>
-              </a:rPr>
-              <a:t> </a:t>
-            </a:r>
-            <a:r>
-              <a:rPr sz="2600" spc="19" dirty="0">
-                <a:cs typeface="Arial"/>
-              </a:rPr>
-              <a:t>covalent</a:t>
-            </a:r>
-            <a:r>
-              <a:rPr sz="2600" spc="-95" dirty="0">
-                <a:cs typeface="Arial"/>
-              </a:rPr>
-              <a:t> </a:t>
-            </a:r>
-            <a:r>
-              <a:rPr sz="2600" spc="29" dirty="0">
-                <a:cs typeface="Arial"/>
-              </a:rPr>
-              <a:t>bond:</a:t>
-            </a:r>
-            <a:r>
-              <a:rPr sz="2600" spc="48" dirty="0">
-                <a:cs typeface="Arial"/>
-              </a:rPr>
-              <a:t> </a:t>
-            </a:r>
-            <a:r>
-              <a:rPr sz="2600" spc="-86" dirty="0">
-                <a:cs typeface="Arial"/>
-              </a:rPr>
-              <a:t>CB-CA.</a:t>
-            </a:r>
-            <a:endParaRPr sz="2600" dirty="0">
-              <a:cs typeface="Arial"/>
-            </a:endParaRPr>
-          </a:p>
-          <a:p>
-            <a:pPr marL="505591" marR="22981" indent="-208042" algn="just">
-              <a:lnSpc>
-                <a:spcPct val="114599"/>
-              </a:lnSpc>
-              <a:spcBef>
-                <a:spcPts val="571"/>
-              </a:spcBef>
-              <a:buClr>
-                <a:srgbClr val="EB811B"/>
-              </a:buClr>
-              <a:buFontTx/>
-              <a:buChar char="•"/>
-              <a:tabLst>
-                <a:tab pos="506801" algn="l"/>
-              </a:tabLst>
-            </a:pPr>
-            <a:r>
-              <a:rPr sz="2600" spc="-29" dirty="0">
-                <a:cs typeface="Arial"/>
-              </a:rPr>
-              <a:t>The</a:t>
-            </a:r>
-            <a:r>
-              <a:rPr sz="2600" spc="-95" dirty="0">
-                <a:cs typeface="Arial"/>
-              </a:rPr>
-              <a:t> </a:t>
-            </a:r>
-            <a:r>
-              <a:rPr sz="2600" spc="-67" dirty="0">
-                <a:cs typeface="Arial"/>
-              </a:rPr>
-              <a:t>‘CB’</a:t>
-            </a:r>
-            <a:r>
-              <a:rPr sz="2600" spc="-95" dirty="0">
-                <a:cs typeface="Arial"/>
-              </a:rPr>
-              <a:t> </a:t>
-            </a:r>
-            <a:r>
-              <a:rPr sz="2600" spc="57" dirty="0">
-                <a:cs typeface="Arial"/>
-              </a:rPr>
-              <a:t>atom</a:t>
-            </a:r>
-            <a:r>
-              <a:rPr sz="2600" spc="-95" dirty="0">
-                <a:cs typeface="Arial"/>
-              </a:rPr>
-              <a:t> </a:t>
-            </a:r>
-            <a:r>
-              <a:rPr sz="2600" spc="19" dirty="0">
-                <a:cs typeface="Arial"/>
-              </a:rPr>
-              <a:t>belongs</a:t>
-            </a:r>
-            <a:r>
-              <a:rPr sz="2600" spc="-95" dirty="0">
-                <a:cs typeface="Arial"/>
-              </a:rPr>
-              <a:t> </a:t>
-            </a:r>
-            <a:r>
-              <a:rPr sz="2600" spc="124" dirty="0">
-                <a:cs typeface="Arial"/>
-              </a:rPr>
-              <a:t>to</a:t>
-            </a:r>
-            <a:r>
-              <a:rPr sz="2600" spc="-95" dirty="0">
-                <a:cs typeface="Arial"/>
-              </a:rPr>
-              <a:t> </a:t>
-            </a:r>
-            <a:r>
-              <a:rPr sz="2600" spc="86" dirty="0">
-                <a:cs typeface="Arial"/>
-              </a:rPr>
-              <a:t>the</a:t>
-            </a:r>
-            <a:r>
-              <a:rPr sz="2600" spc="-95" dirty="0">
-                <a:cs typeface="Arial"/>
-              </a:rPr>
-              <a:t> </a:t>
-            </a:r>
-            <a:r>
-              <a:rPr sz="2600" spc="29" dirty="0">
-                <a:cs typeface="Arial"/>
-              </a:rPr>
-              <a:t>QM</a:t>
-            </a:r>
-            <a:r>
-              <a:rPr sz="2600" spc="-86" dirty="0">
-                <a:cs typeface="Arial"/>
-              </a:rPr>
-              <a:t> </a:t>
-            </a:r>
-            <a:r>
-              <a:rPr sz="2600" spc="38" dirty="0">
-                <a:cs typeface="Arial"/>
-              </a:rPr>
-              <a:t>region</a:t>
-            </a:r>
-            <a:r>
-              <a:rPr sz="2600" spc="-95" dirty="0">
-                <a:cs typeface="Arial"/>
-              </a:rPr>
-              <a:t> </a:t>
-            </a:r>
-            <a:r>
-              <a:rPr sz="2600" dirty="0">
-                <a:cs typeface="Arial"/>
-              </a:rPr>
-              <a:t>and</a:t>
-            </a:r>
-            <a:r>
-              <a:rPr sz="2600" spc="-95" dirty="0">
-                <a:cs typeface="Arial"/>
-              </a:rPr>
-              <a:t> </a:t>
-            </a:r>
-            <a:r>
-              <a:rPr sz="2600" spc="86" dirty="0">
-                <a:cs typeface="Arial"/>
-              </a:rPr>
-              <a:t>the  </a:t>
-            </a:r>
-            <a:r>
-              <a:rPr sz="2600" spc="-76" dirty="0">
-                <a:cs typeface="Arial"/>
-              </a:rPr>
-              <a:t>‘CA’</a:t>
-            </a:r>
-            <a:r>
-              <a:rPr sz="2600" spc="-105" dirty="0">
-                <a:cs typeface="Arial"/>
-              </a:rPr>
-              <a:t> </a:t>
-            </a:r>
-            <a:r>
-              <a:rPr sz="2600" spc="57" dirty="0">
-                <a:cs typeface="Arial"/>
-              </a:rPr>
-              <a:t>atom</a:t>
-            </a:r>
-            <a:r>
-              <a:rPr sz="2600" spc="-95" dirty="0">
-                <a:cs typeface="Arial"/>
-              </a:rPr>
-              <a:t> </a:t>
-            </a:r>
-            <a:r>
-              <a:rPr sz="2600" spc="124" dirty="0">
-                <a:cs typeface="Arial"/>
-              </a:rPr>
-              <a:t>to</a:t>
-            </a:r>
-            <a:r>
-              <a:rPr sz="2600" spc="-95" dirty="0">
-                <a:cs typeface="Arial"/>
-              </a:rPr>
-              <a:t> </a:t>
-            </a:r>
-            <a:r>
-              <a:rPr sz="2600" spc="86" dirty="0">
-                <a:cs typeface="Arial"/>
-              </a:rPr>
-              <a:t>the</a:t>
-            </a:r>
-            <a:r>
-              <a:rPr sz="2600" spc="-105" dirty="0">
-                <a:cs typeface="Arial"/>
-              </a:rPr>
-              <a:t> </a:t>
-            </a:r>
-            <a:r>
-              <a:rPr sz="2600" spc="57" dirty="0">
-                <a:cs typeface="Arial"/>
-              </a:rPr>
-              <a:t>MM</a:t>
-            </a:r>
-            <a:r>
-              <a:rPr sz="2600" spc="-95" dirty="0">
-                <a:cs typeface="Arial"/>
-              </a:rPr>
-              <a:t> </a:t>
-            </a:r>
-            <a:r>
-              <a:rPr sz="2600" spc="29" dirty="0">
-                <a:cs typeface="Arial"/>
-              </a:rPr>
-              <a:t>region.</a:t>
-            </a:r>
-            <a:endParaRPr sz="2600" dirty="0">
-              <a:cs typeface="Arial"/>
-            </a:endParaRPr>
-          </a:p>
-          <a:p>
-            <a:pPr marL="505591" marR="413665" indent="-208042" algn="just">
-              <a:lnSpc>
-                <a:spcPct val="114599"/>
-              </a:lnSpc>
-              <a:spcBef>
-                <a:spcPts val="571"/>
-              </a:spcBef>
-              <a:buClr>
-                <a:srgbClr val="EB811B"/>
-              </a:buClr>
-              <a:buFontTx/>
-              <a:buChar char="•"/>
-              <a:tabLst>
-                <a:tab pos="506801" algn="l"/>
-              </a:tabLst>
-            </a:pPr>
-            <a:r>
-              <a:rPr sz="2600" spc="-29" dirty="0">
-                <a:cs typeface="Arial"/>
-              </a:rPr>
-              <a:t>The</a:t>
-            </a:r>
-            <a:r>
-              <a:rPr sz="2600" spc="-95" dirty="0">
-                <a:cs typeface="Arial"/>
-              </a:rPr>
-              <a:t> </a:t>
-            </a:r>
-            <a:r>
-              <a:rPr sz="2600" spc="29" dirty="0">
-                <a:cs typeface="Arial"/>
-              </a:rPr>
-              <a:t>link-atom</a:t>
-            </a:r>
-            <a:r>
-              <a:rPr sz="2600" spc="-86" dirty="0">
-                <a:cs typeface="Arial"/>
-              </a:rPr>
-              <a:t> </a:t>
-            </a:r>
-            <a:r>
-              <a:rPr sz="2600" spc="-38" dirty="0">
-                <a:cs typeface="Arial"/>
-              </a:rPr>
-              <a:t>(L)</a:t>
-            </a:r>
-            <a:r>
-              <a:rPr sz="2600" spc="-86" dirty="0">
-                <a:cs typeface="Arial"/>
-              </a:rPr>
-              <a:t> </a:t>
-            </a:r>
-            <a:r>
-              <a:rPr sz="2600" spc="48" dirty="0">
-                <a:cs typeface="Arial"/>
-              </a:rPr>
-              <a:t>method:</a:t>
-            </a:r>
-            <a:r>
-              <a:rPr sz="2600" spc="57" dirty="0">
-                <a:cs typeface="Arial"/>
-              </a:rPr>
-              <a:t> </a:t>
-            </a:r>
-            <a:r>
-              <a:rPr sz="2600" spc="86" dirty="0">
-                <a:cs typeface="Arial"/>
-              </a:rPr>
-              <a:t>the</a:t>
-            </a:r>
-            <a:r>
-              <a:rPr sz="2600" spc="-86" dirty="0">
-                <a:cs typeface="Arial"/>
-              </a:rPr>
-              <a:t> </a:t>
-            </a:r>
-            <a:r>
-              <a:rPr sz="2600" spc="67" dirty="0">
-                <a:cs typeface="Arial"/>
-              </a:rPr>
-              <a:t>free</a:t>
-            </a:r>
-            <a:r>
-              <a:rPr sz="2600" spc="-95" dirty="0">
-                <a:cs typeface="Arial"/>
-              </a:rPr>
-              <a:t> </a:t>
-            </a:r>
-            <a:r>
-              <a:rPr sz="2600" spc="-10" dirty="0">
-                <a:cs typeface="Arial"/>
-              </a:rPr>
-              <a:t>valency</a:t>
-            </a:r>
-            <a:r>
-              <a:rPr sz="2600" spc="-86" dirty="0">
-                <a:cs typeface="Arial"/>
-              </a:rPr>
-              <a:t> </a:t>
-            </a:r>
-            <a:r>
-              <a:rPr sz="2600" spc="-29" dirty="0">
-                <a:cs typeface="Arial"/>
-              </a:rPr>
-              <a:t>is  </a:t>
-            </a:r>
-            <a:r>
-              <a:rPr sz="2600" dirty="0">
-                <a:cs typeface="Arial"/>
-              </a:rPr>
-              <a:t>capped </a:t>
-            </a:r>
-            <a:r>
-              <a:rPr sz="2600" spc="10" dirty="0">
-                <a:cs typeface="Arial"/>
-              </a:rPr>
-              <a:t>by </a:t>
-            </a:r>
-            <a:r>
-              <a:rPr sz="2600" spc="-29" dirty="0">
-                <a:cs typeface="Arial"/>
-              </a:rPr>
-              <a:t>an </a:t>
-            </a:r>
-            <a:r>
-              <a:rPr sz="2600" spc="48" dirty="0">
-                <a:cs typeface="Arial"/>
-              </a:rPr>
-              <a:t>additional </a:t>
-            </a:r>
-            <a:r>
-              <a:rPr sz="2600" spc="57" dirty="0">
-                <a:cs typeface="Arial"/>
-              </a:rPr>
-              <a:t>atom </a:t>
-            </a:r>
-            <a:r>
-              <a:rPr sz="2600" spc="-38" dirty="0">
-                <a:cs typeface="Arial"/>
-              </a:rPr>
-              <a:t>(H</a:t>
-            </a:r>
-            <a:r>
-              <a:rPr sz="2600" spc="-38" dirty="0" smtClean="0">
-                <a:cs typeface="Arial"/>
-              </a:rPr>
-              <a:t>):</a:t>
-            </a:r>
-            <a:endParaRPr lang="en-US" sz="2600" spc="-38" dirty="0">
-              <a:cs typeface="Arial"/>
-            </a:endParaRPr>
-          </a:p>
-          <a:p>
-            <a:pPr marL="297549" marR="413665" indent="0" algn="just">
-              <a:lnSpc>
-                <a:spcPct val="114599"/>
-              </a:lnSpc>
-              <a:spcBef>
-                <a:spcPts val="571"/>
-              </a:spcBef>
-              <a:buClr>
-                <a:srgbClr val="EB811B"/>
-              </a:buClr>
-              <a:buNone/>
-              <a:tabLst>
-                <a:tab pos="506801" algn="l"/>
-              </a:tabLst>
-            </a:pPr>
-            <a:r>
-              <a:rPr lang="en-US" sz="2600" spc="-38" dirty="0" smtClean="0">
-                <a:cs typeface="Arial"/>
-              </a:rPr>
-              <a:t>    </a:t>
-            </a:r>
-            <a:r>
-              <a:rPr sz="2600" spc="-38" dirty="0" smtClean="0">
-                <a:cs typeface="Arial"/>
-              </a:rPr>
-              <a:t> </a:t>
-            </a:r>
-            <a:r>
-              <a:rPr sz="2600" spc="-105" dirty="0">
-                <a:cs typeface="Arial"/>
-              </a:rPr>
-              <a:t>CB-CA </a:t>
-            </a:r>
-            <a:r>
-              <a:rPr sz="2600" spc="-86" dirty="0">
-                <a:cs typeface="Arial"/>
-              </a:rPr>
-              <a:t>–&gt;  CB-H.</a:t>
-            </a:r>
-            <a:endParaRPr sz="2600" dirty="0">
-              <a:cs typeface="Arial"/>
-            </a:endParaRPr>
-          </a:p>
-        </p:txBody>
-      </p:sp>
-      <p:sp>
-        <p:nvSpPr>
-          <p:cNvPr id="6" name="object 2"/>
-          <p:cNvSpPr/>
-          <p:nvPr/>
-        </p:nvSpPr>
-        <p:spPr>
-          <a:xfrm>
-            <a:off x="7634114" y="2172231"/>
-            <a:ext cx="3560377" cy="3443295"/>
-          </a:xfrm>
-          <a:prstGeom prst="rect">
-            <a:avLst/>
-          </a:prstGeom>
-          <a:blipFill>
-            <a:blip r:embed="rId2" cstate="print"/>
-            <a:stretch>
-              <a:fillRect/>
-            </a:stretch>
-          </a:blipFill>
-        </p:spPr>
-        <p:txBody>
-          <a:bodyPr wrap="square" lIns="0" tIns="0" rIns="0" bIns="0" rtlCol="0"/>
-          <a:lstStyle/>
-          <a:p>
-            <a:endParaRPr sz="3429">
-              <a:solidFill>
-                <a:prstClr val="black"/>
-              </a:solidFill>
-            </a:endParaRPr>
-          </a:p>
-        </p:txBody>
-      </p:sp>
-      <p:sp>
-        <p:nvSpPr>
-          <p:cNvPr id="7" name="Rectangle 6"/>
-          <p:cNvSpPr/>
-          <p:nvPr/>
-        </p:nvSpPr>
-        <p:spPr>
-          <a:xfrm>
-            <a:off x="0" y="6596390"/>
-            <a:ext cx="2906565" cy="261610"/>
-          </a:xfrm>
-          <a:prstGeom prst="rect">
-            <a:avLst/>
-          </a:prstGeom>
-        </p:spPr>
-        <p:txBody>
-          <a:bodyPr wrap="none">
-            <a:spAutoFit/>
-          </a:bodyPr>
-          <a:lstStyle/>
-          <a:p>
-            <a:r>
-              <a:rPr lang="en-GB" sz="1100" dirty="0"/>
-              <a:t>https://github.com/swillow/modelingworkshop</a:t>
-            </a:r>
+            <a:r>
+              <a:rPr lang="en-US" sz="1200" dirty="0"/>
+              <a:t>Lopes PE, </a:t>
+            </a:r>
+            <a:r>
+              <a:rPr lang="en-US" sz="1200" dirty="0" err="1"/>
+              <a:t>Guvench</a:t>
+            </a:r>
+            <a:r>
+              <a:rPr lang="en-US" sz="1200" dirty="0"/>
+              <a:t> O, </a:t>
+            </a:r>
+            <a:r>
+              <a:rPr lang="en-US" sz="1200" dirty="0" err="1"/>
+              <a:t>MacKerell</a:t>
+            </a:r>
+            <a:r>
+              <a:rPr lang="en-US" sz="1200" dirty="0"/>
+              <a:t> AD Jr. Current status of protein force fields for molecular dynamics simulations. </a:t>
+            </a:r>
+            <a:endParaRPr lang="en-US" sz="1200" dirty="0" smtClean="0"/>
+          </a:p>
+          <a:p>
+            <a:r>
+              <a:rPr lang="en-US" sz="1200" i="1" dirty="0" smtClean="0"/>
+              <a:t>Methods </a:t>
+            </a:r>
+            <a:r>
+              <a:rPr lang="en-US" sz="1200" i="1" dirty="0" err="1"/>
+              <a:t>Mol</a:t>
+            </a:r>
+            <a:r>
+              <a:rPr lang="en-US" sz="1200" i="1" dirty="0"/>
+              <a:t> Biol</a:t>
+            </a:r>
+            <a:r>
+              <a:rPr lang="en-US" sz="1200" dirty="0"/>
+              <a:t>. 2015;1215:47-71. doi:10.1007/978-1-4939-1465-4_3</a:t>
+            </a:r>
+            <a:endParaRPr lang="en-GB" sz="1200" dirty="0"/>
           </a:p>
         </p:txBody>
       </p:sp>
     </p:spTree>
     <p:extLst>
       <p:ext uri="{BB962C8B-B14F-4D97-AF65-F5344CB8AC3E}">
-        <p14:creationId xmlns:p14="http://schemas.microsoft.com/office/powerpoint/2010/main" val="1721135969"/>
+        <p14:creationId xmlns:p14="http://schemas.microsoft.com/office/powerpoint/2010/main" val="878179305"/>
       </p:ext>
     </p:extLst>
   </p:cSld>
@@ -10570,26 +10773,64 @@
           <a:bodyPr/>
           <a:lstStyle/>
           <a:p>
-            <a:endParaRPr lang="en-GB" dirty="0"/>
-          </a:p>
-        </p:txBody>
-      </p:sp>
-      <p:sp>
-        <p:nvSpPr>
-          <p:cNvPr id="3" name="Content Placeholder 2"/>
-          <p:cNvSpPr>
-            <a:spLocks noGrp="1"/>
-          </p:cNvSpPr>
-          <p:nvPr>
-            <p:ph idx="1"/>
-          </p:nvPr>
-        </p:nvSpPr>
-        <p:spPr/>
-        <p:txBody>
-          <a:bodyPr/>
-          <a:lstStyle/>
-          <a:p>
-            <a:endParaRPr lang="en-GB" dirty="0"/>
+            <a:pPr marL="24191">
+              <a:spcBef>
+                <a:spcPts val="1248"/>
+              </a:spcBef>
+            </a:pPr>
+            <a:r>
+              <a:rPr lang="en-US" b="1" spc="124" dirty="0" smtClean="0">
+                <a:latin typeface="Calibri Light" panose="020F0302020204030204" pitchFamily="34" charset="0"/>
+                <a:cs typeface="Calibri Light" panose="020F0302020204030204" pitchFamily="34" charset="0"/>
+              </a:rPr>
+              <a:t>QM/MM</a:t>
+            </a:r>
+            <a:r>
+              <a:rPr lang="en-US" b="1" spc="-362" dirty="0" smtClean="0">
+                <a:latin typeface="Calibri Light" panose="020F0302020204030204" pitchFamily="34" charset="0"/>
+                <a:cs typeface="Calibri Light" panose="020F0302020204030204" pitchFamily="34" charset="0"/>
+              </a:rPr>
+              <a:t> </a:t>
+            </a:r>
+            <a:r>
+              <a:rPr lang="en-US" b="1" spc="-10" dirty="0" smtClean="0">
+                <a:latin typeface="Calibri Light" panose="020F0302020204030204" pitchFamily="34" charset="0"/>
+                <a:cs typeface="Calibri Light" panose="020F0302020204030204" pitchFamily="34" charset="0"/>
+              </a:rPr>
+              <a:t>methods </a:t>
+            </a:r>
+            <a:r>
+              <a:rPr lang="en-US" b="1" spc="57" dirty="0" smtClean="0">
+                <a:latin typeface="Calibri Light" panose="020F0302020204030204" pitchFamily="34" charset="0"/>
+                <a:cs typeface="Calibri Light" panose="020F0302020204030204" pitchFamily="34" charset="0"/>
+              </a:rPr>
+              <a:t>for </a:t>
+            </a:r>
+            <a:r>
+              <a:rPr lang="en-US" b="1" dirty="0" err="1" smtClean="0">
+                <a:latin typeface="Calibri Light" panose="020F0302020204030204" pitchFamily="34" charset="0"/>
+                <a:cs typeface="Calibri Light" panose="020F0302020204030204" pitchFamily="34" charset="0"/>
+              </a:rPr>
+              <a:t>biomolecular</a:t>
+            </a:r>
+            <a:r>
+              <a:rPr lang="en-US" b="1" dirty="0" smtClean="0">
+                <a:latin typeface="Calibri Light" panose="020F0302020204030204" pitchFamily="34" charset="0"/>
+                <a:cs typeface="Calibri Light" panose="020F0302020204030204" pitchFamily="34" charset="0"/>
+              </a:rPr>
+              <a:t> </a:t>
+            </a:r>
+            <a:r>
+              <a:rPr lang="en-US" b="1" spc="-48" dirty="0" smtClean="0">
+                <a:latin typeface="Calibri Light" panose="020F0302020204030204" pitchFamily="34" charset="0"/>
+                <a:cs typeface="Calibri Light" panose="020F0302020204030204" pitchFamily="34" charset="0"/>
+              </a:rPr>
+              <a:t>systems</a:t>
+            </a:r>
+            <a:endParaRPr lang="en-US" b="1" dirty="0">
+              <a:latin typeface="Calibri Light" panose="020F0302020204030204" pitchFamily="34" charset="0"/>
+              <a:cs typeface="Calibri Light" panose="020F0302020204030204" pitchFamily="34" charset="0"/>
+            </a:endParaRPr>
           </a:p>
         </p:txBody>
       </p:sp>
@@ -10612,96 +10853,768 @@
               <a:rPr lang="en-GB" smtClean="0"/>
               <a:t>22</a:t>
             </a:fld>
-            <a:endParaRPr lang="en-GB"/>
-          </a:p>
-        </p:txBody>
-      </p:sp>
-      <p:sp>
-        <p:nvSpPr>
-          <p:cNvPr id="5" name="object 2"/>
-          <p:cNvSpPr txBox="1"/>
-          <p:nvPr/>
+            <a:endParaRPr lang="en-GB" dirty="0"/>
+          </a:p>
+        </p:txBody>
+      </p:sp>
+      <p:sp>
+        <p:nvSpPr>
+          <p:cNvPr id="5" name="object 3"/>
+          <p:cNvSpPr txBox="1">
+            <a:spLocks noGrp="1"/>
+          </p:cNvSpPr>
+          <p:nvPr>
+            <p:ph idx="1"/>
+          </p:nvPr>
         </p:nvSpPr>
         <p:spPr>
           <a:xfrm>
-            <a:off x="1516186" y="1273223"/>
-            <a:ext cx="3310306" cy="319959"/>
+            <a:off x="359898" y="1757538"/>
+            <a:ext cx="6730218" cy="4581847"/>
           </a:xfrm>
           <a:prstGeom prst="rect">
             <a:avLst/>
           </a:prstGeom>
         </p:spPr>
         <p:txBody>
-          <a:bodyPr vert="horz" wrap="square" lIns="0" tIns="12065" rIns="0" bIns="0" rtlCol="0">
+          <a:bodyPr vert="horz" wrap="square" lIns="0" tIns="158448" rIns="0" bIns="0" rtlCol="0">
             <a:spAutoFit/>
           </a:bodyPr>
           <a:lstStyle/>
           <a:p>
-            <a:pPr marL="12700">
+            <a:pPr marL="505591" marR="195947" indent="-208042" algn="just">
               <a:lnSpc>
-                <a:spcPct val="100000"/>
+                <a:spcPct val="114599"/>
               </a:lnSpc>
               <a:spcBef>
-                <a:spcPts val="95"/>
+                <a:spcPts val="733"/>
               </a:spcBef>
+              <a:buClr>
+                <a:srgbClr val="EB811B"/>
+              </a:buClr>
+              <a:buFontTx/>
+              <a:buChar char="•"/>
+              <a:tabLst>
+                <a:tab pos="506801" algn="l"/>
+              </a:tabLst>
             </a:pPr>
             <a:r>
-              <a:rPr sz="2000" b="1" spc="15" dirty="0">
-                <a:solidFill>
-                  <a:srgbClr val="13AF3C"/>
-                </a:solidFill>
-                <a:latin typeface="Arial"/>
+              <a:rPr sz="2600" spc="19" dirty="0" smtClean="0">
                 <a:cs typeface="Arial"/>
               </a:rPr>
-              <a:t>Before </a:t>
-            </a:r>
-            <a:r>
-              <a:rPr sz="2000" b="1" spc="-10" dirty="0">
-                <a:solidFill>
-                  <a:srgbClr val="13AF3C"/>
-                </a:solidFill>
-                <a:latin typeface="Arial"/>
+              <a:t>Problem</a:t>
+            </a:r>
+            <a:r>
+              <a:rPr sz="2600" spc="19" dirty="0">
                 <a:cs typeface="Arial"/>
               </a:rPr>
-              <a:t>adding</a:t>
-            </a:r>
-            <a:r>
-              <a:rPr sz="2000" b="1" spc="-165" dirty="0">
-                <a:solidFill>
-                  <a:srgbClr val="13AF3C"/>
-                </a:solidFill>
-                <a:latin typeface="Arial"/>
+              <a:t>: </a:t>
+            </a:r>
+            <a:r>
+              <a:rPr sz="2600" dirty="0">
+                <a:cs typeface="Arial"/>
+              </a:rPr>
+              <a:t>There </a:t>
+            </a:r>
+            <a:r>
+              <a:rPr sz="2600" spc="10" dirty="0">
+                <a:cs typeface="Arial"/>
+              </a:rPr>
+              <a:t>are </a:t>
+            </a:r>
+            <a:r>
+              <a:rPr sz="2600" spc="19" dirty="0">
+                <a:cs typeface="Arial"/>
+              </a:rPr>
+              <a:t>covalent</a:t>
+            </a:r>
+            <a:r>
+              <a:rPr sz="2600" spc="-400" dirty="0">
                 <a:cs typeface="Arial"/>
               </a:rPr>
               <a:t> </a:t>
             </a:r>
             <a:r>
-              <a:rPr sz="2000" b="1" spc="-5" dirty="0">
-                <a:solidFill>
-                  <a:srgbClr val="13AF3C"/>
-                </a:solidFill>
-                <a:latin typeface="Arial"/>
+              <a:rPr sz="2600" spc="10" dirty="0">
                 <a:cs typeface="Arial"/>
               </a:rPr>
-              <a:t>link-atoms.</a:t>
-            </a:r>
-            <a:endParaRPr sz="2000" dirty="0">
-              <a:latin typeface="Arial"/>
+              <a:t>linkages </a:t>
+            </a:r>
+            <a:r>
+              <a:rPr sz="2600" spc="57" dirty="0">
+                <a:cs typeface="Arial"/>
+              </a:rPr>
+              <a:t>between  </a:t>
+            </a:r>
+            <a:r>
+              <a:rPr sz="2600" spc="29" dirty="0">
+                <a:cs typeface="Arial"/>
+              </a:rPr>
+              <a:t>QM</a:t>
+            </a:r>
+            <a:r>
+              <a:rPr sz="2600" spc="-105" dirty="0">
+                <a:cs typeface="Arial"/>
+              </a:rPr>
+              <a:t> </a:t>
+            </a:r>
+            <a:r>
+              <a:rPr sz="2600" spc="19" dirty="0">
+                <a:cs typeface="Arial"/>
+              </a:rPr>
+              <a:t>atoms</a:t>
+            </a:r>
+            <a:r>
+              <a:rPr sz="2600" spc="-95" dirty="0">
+                <a:cs typeface="Arial"/>
+              </a:rPr>
+              <a:t> </a:t>
+            </a:r>
+            <a:r>
+              <a:rPr sz="2600" dirty="0">
+                <a:cs typeface="Arial"/>
+              </a:rPr>
+              <a:t>and</a:t>
+            </a:r>
+            <a:r>
+              <a:rPr sz="2600" spc="-95" dirty="0">
+                <a:cs typeface="Arial"/>
+              </a:rPr>
+              <a:t> </a:t>
+            </a:r>
+            <a:r>
+              <a:rPr sz="2600" spc="57" dirty="0">
+                <a:cs typeface="Arial"/>
+              </a:rPr>
+              <a:t>MM</a:t>
+            </a:r>
+            <a:r>
+              <a:rPr sz="2600" spc="-95" dirty="0">
+                <a:cs typeface="Arial"/>
+              </a:rPr>
+              <a:t> </a:t>
+            </a:r>
+            <a:r>
+              <a:rPr sz="2600" spc="10" dirty="0">
+                <a:cs typeface="Arial"/>
+              </a:rPr>
+              <a:t>atoms.</a:t>
+            </a:r>
+            <a:endParaRPr sz="2600" dirty="0">
               <a:cs typeface="Arial"/>
             </a:endParaRPr>
           </a:p>
-        </p:txBody>
-      </p:sp>
-      <p:sp>
-        <p:nvSpPr>
-          <p:cNvPr id="6" name="object 3"/>
+          <a:p>
+            <a:pPr marL="505591" marR="9676" indent="-208042" algn="just">
+              <a:lnSpc>
+                <a:spcPct val="114599"/>
+              </a:lnSpc>
+              <a:spcBef>
+                <a:spcPts val="562"/>
+              </a:spcBef>
+              <a:buClr>
+                <a:srgbClr val="EB811B"/>
+              </a:buClr>
+              <a:buFontTx/>
+              <a:buChar char="•"/>
+              <a:tabLst>
+                <a:tab pos="506801" algn="l"/>
+              </a:tabLst>
+            </a:pPr>
+            <a:r>
+              <a:rPr sz="2600" spc="-10" dirty="0">
+                <a:cs typeface="Arial"/>
+              </a:rPr>
+              <a:t>Consider</a:t>
+            </a:r>
+            <a:r>
+              <a:rPr sz="2600" spc="-95" dirty="0">
+                <a:cs typeface="Arial"/>
+              </a:rPr>
+              <a:t> </a:t>
+            </a:r>
+            <a:r>
+              <a:rPr sz="2600" spc="105" dirty="0">
+                <a:cs typeface="Arial"/>
+              </a:rPr>
+              <a:t>that</a:t>
+            </a:r>
+            <a:r>
+              <a:rPr sz="2600" spc="-95" dirty="0">
+                <a:cs typeface="Arial"/>
+              </a:rPr>
+              <a:t> </a:t>
+            </a:r>
+            <a:r>
+              <a:rPr sz="2600" spc="86" dirty="0">
+                <a:cs typeface="Arial"/>
+              </a:rPr>
+              <a:t>the</a:t>
+            </a:r>
+            <a:r>
+              <a:rPr sz="2600" spc="-95" dirty="0">
+                <a:cs typeface="Arial"/>
+              </a:rPr>
+              <a:t> </a:t>
+            </a:r>
+            <a:r>
+              <a:rPr sz="2600" spc="29" dirty="0">
+                <a:cs typeface="Arial"/>
+              </a:rPr>
+              <a:t>QM</a:t>
+            </a:r>
+            <a:r>
+              <a:rPr sz="2600" spc="-95" dirty="0">
+                <a:cs typeface="Arial"/>
+              </a:rPr>
+              <a:t> </a:t>
+            </a:r>
+            <a:r>
+              <a:rPr sz="2600" spc="38" dirty="0">
+                <a:cs typeface="Arial"/>
+              </a:rPr>
+              <a:t>region</a:t>
+            </a:r>
+            <a:r>
+              <a:rPr sz="2600" spc="-95" dirty="0">
+                <a:cs typeface="Arial"/>
+              </a:rPr>
+              <a:t> </a:t>
+            </a:r>
+            <a:r>
+              <a:rPr sz="2600" spc="-29" dirty="0">
+                <a:cs typeface="Arial"/>
+              </a:rPr>
+              <a:t>is</a:t>
+            </a:r>
+            <a:r>
+              <a:rPr sz="2600" spc="-95" dirty="0">
+                <a:cs typeface="Arial"/>
+              </a:rPr>
+              <a:t> </a:t>
+            </a:r>
+            <a:r>
+              <a:rPr sz="2600" spc="19" dirty="0">
+                <a:cs typeface="Arial"/>
+              </a:rPr>
+              <a:t>connected</a:t>
+            </a:r>
+            <a:r>
+              <a:rPr sz="2600" spc="-95" dirty="0">
+                <a:cs typeface="Arial"/>
+              </a:rPr>
+              <a:t> </a:t>
+            </a:r>
+            <a:r>
+              <a:rPr sz="2600" spc="124" dirty="0">
+                <a:cs typeface="Arial"/>
+              </a:rPr>
+              <a:t>to</a:t>
+            </a:r>
+            <a:r>
+              <a:rPr sz="2600" spc="-95" dirty="0">
+                <a:cs typeface="Arial"/>
+              </a:rPr>
+              <a:t> </a:t>
+            </a:r>
+            <a:r>
+              <a:rPr sz="2600" spc="86" dirty="0">
+                <a:cs typeface="Arial"/>
+              </a:rPr>
+              <a:t>the  </a:t>
+            </a:r>
+            <a:r>
+              <a:rPr sz="2600" spc="57" dirty="0">
+                <a:cs typeface="Arial"/>
+              </a:rPr>
+              <a:t>MM</a:t>
+            </a:r>
+            <a:r>
+              <a:rPr sz="2600" spc="-105" dirty="0">
+                <a:cs typeface="Arial"/>
+              </a:rPr>
+              <a:t> </a:t>
+            </a:r>
+            <a:r>
+              <a:rPr sz="2600" spc="38" dirty="0">
+                <a:cs typeface="Arial"/>
+              </a:rPr>
+              <a:t>region</a:t>
+            </a:r>
+            <a:r>
+              <a:rPr sz="2600" spc="-95" dirty="0">
+                <a:cs typeface="Arial"/>
+              </a:rPr>
+              <a:t> </a:t>
+            </a:r>
+            <a:r>
+              <a:rPr sz="2600" spc="-10" dirty="0">
+                <a:cs typeface="Arial"/>
+              </a:rPr>
+              <a:t>via</a:t>
+            </a:r>
+            <a:r>
+              <a:rPr sz="2600" spc="-95" dirty="0">
+                <a:cs typeface="Arial"/>
+              </a:rPr>
+              <a:t> </a:t>
+            </a:r>
+            <a:r>
+              <a:rPr sz="2600" spc="29" dirty="0">
+                <a:cs typeface="Arial"/>
+              </a:rPr>
+              <a:t>one</a:t>
+            </a:r>
+            <a:r>
+              <a:rPr sz="2600" spc="-95" dirty="0">
+                <a:cs typeface="Arial"/>
+              </a:rPr>
+              <a:t> </a:t>
+            </a:r>
+            <a:r>
+              <a:rPr sz="2600" spc="19" dirty="0">
+                <a:cs typeface="Arial"/>
+              </a:rPr>
+              <a:t>covalent</a:t>
+            </a:r>
+            <a:r>
+              <a:rPr sz="2600" spc="-95" dirty="0">
+                <a:cs typeface="Arial"/>
+              </a:rPr>
+              <a:t> </a:t>
+            </a:r>
+            <a:r>
+              <a:rPr sz="2600" spc="29" dirty="0">
+                <a:cs typeface="Arial"/>
+              </a:rPr>
+              <a:t>bond:</a:t>
+            </a:r>
+            <a:r>
+              <a:rPr sz="2600" spc="48" dirty="0">
+                <a:cs typeface="Arial"/>
+              </a:rPr>
+              <a:t> </a:t>
+            </a:r>
+            <a:r>
+              <a:rPr sz="2600" spc="-86" dirty="0">
+                <a:cs typeface="Arial"/>
+              </a:rPr>
+              <a:t>CB-CA.</a:t>
+            </a:r>
+            <a:endParaRPr sz="2600" dirty="0">
+              <a:cs typeface="Arial"/>
+            </a:endParaRPr>
+          </a:p>
+          <a:p>
+            <a:pPr marL="505591" marR="22981" indent="-208042" algn="just">
+              <a:lnSpc>
+                <a:spcPct val="114599"/>
+              </a:lnSpc>
+              <a:spcBef>
+                <a:spcPts val="571"/>
+              </a:spcBef>
+              <a:buClr>
+                <a:srgbClr val="EB811B"/>
+              </a:buClr>
+              <a:buFontTx/>
+              <a:buChar char="•"/>
+              <a:tabLst>
+                <a:tab pos="506801" algn="l"/>
+              </a:tabLst>
+            </a:pPr>
+            <a:r>
+              <a:rPr sz="2600" spc="-29" dirty="0">
+                <a:cs typeface="Arial"/>
+              </a:rPr>
+              <a:t>The</a:t>
+            </a:r>
+            <a:r>
+              <a:rPr sz="2600" spc="-95" dirty="0">
+                <a:cs typeface="Arial"/>
+              </a:rPr>
+              <a:t> </a:t>
+            </a:r>
+            <a:r>
+              <a:rPr sz="2600" spc="-67" dirty="0">
+                <a:cs typeface="Arial"/>
+              </a:rPr>
+              <a:t>‘CB’</a:t>
+            </a:r>
+            <a:r>
+              <a:rPr sz="2600" spc="-95" dirty="0">
+                <a:cs typeface="Arial"/>
+              </a:rPr>
+              <a:t> </a:t>
+            </a:r>
+            <a:r>
+              <a:rPr sz="2600" spc="57" dirty="0">
+                <a:cs typeface="Arial"/>
+              </a:rPr>
+              <a:t>atom</a:t>
+            </a:r>
+            <a:r>
+              <a:rPr sz="2600" spc="-95" dirty="0">
+                <a:cs typeface="Arial"/>
+              </a:rPr>
+              <a:t> </a:t>
+            </a:r>
+            <a:r>
+              <a:rPr sz="2600" spc="19" dirty="0">
+                <a:cs typeface="Arial"/>
+              </a:rPr>
+              <a:t>belongs</a:t>
+            </a:r>
+            <a:r>
+              <a:rPr sz="2600" spc="-95" dirty="0">
+                <a:cs typeface="Arial"/>
+              </a:rPr>
+              <a:t> </a:t>
+            </a:r>
+            <a:r>
+              <a:rPr sz="2600" spc="124" dirty="0">
+                <a:cs typeface="Arial"/>
+              </a:rPr>
+              <a:t>to</a:t>
+            </a:r>
+            <a:r>
+              <a:rPr sz="2600" spc="-95" dirty="0">
+                <a:cs typeface="Arial"/>
+              </a:rPr>
+              <a:t> </a:t>
+            </a:r>
+            <a:r>
+              <a:rPr sz="2600" spc="86" dirty="0">
+                <a:cs typeface="Arial"/>
+              </a:rPr>
+              <a:t>the</a:t>
+            </a:r>
+            <a:r>
+              <a:rPr sz="2600" spc="-95" dirty="0">
+                <a:cs typeface="Arial"/>
+              </a:rPr>
+              <a:t> </a:t>
+            </a:r>
+            <a:r>
+              <a:rPr sz="2600" spc="29" dirty="0">
+                <a:cs typeface="Arial"/>
+              </a:rPr>
+              <a:t>QM</a:t>
+            </a:r>
+            <a:r>
+              <a:rPr sz="2600" spc="-86" dirty="0">
+                <a:cs typeface="Arial"/>
+              </a:rPr>
+              <a:t> </a:t>
+            </a:r>
+            <a:r>
+              <a:rPr sz="2600" spc="38" dirty="0">
+                <a:cs typeface="Arial"/>
+              </a:rPr>
+              <a:t>region</a:t>
+            </a:r>
+            <a:r>
+              <a:rPr sz="2600" spc="-95" dirty="0">
+                <a:cs typeface="Arial"/>
+              </a:rPr>
+              <a:t> </a:t>
+            </a:r>
+            <a:r>
+              <a:rPr sz="2600" dirty="0">
+                <a:cs typeface="Arial"/>
+              </a:rPr>
+              <a:t>and</a:t>
+            </a:r>
+            <a:r>
+              <a:rPr sz="2600" spc="-95" dirty="0">
+                <a:cs typeface="Arial"/>
+              </a:rPr>
+              <a:t> </a:t>
+            </a:r>
+            <a:r>
+              <a:rPr sz="2600" spc="86" dirty="0">
+                <a:cs typeface="Arial"/>
+              </a:rPr>
+              <a:t>the  </a:t>
+            </a:r>
+            <a:r>
+              <a:rPr sz="2600" spc="-76" dirty="0">
+                <a:cs typeface="Arial"/>
+              </a:rPr>
+              <a:t>‘CA’</a:t>
+            </a:r>
+            <a:r>
+              <a:rPr sz="2600" spc="-105" dirty="0">
+                <a:cs typeface="Arial"/>
+              </a:rPr>
+              <a:t> </a:t>
+            </a:r>
+            <a:r>
+              <a:rPr sz="2600" spc="57" dirty="0">
+                <a:cs typeface="Arial"/>
+              </a:rPr>
+              <a:t>atom</a:t>
+            </a:r>
+            <a:r>
+              <a:rPr sz="2600" spc="-95" dirty="0">
+                <a:cs typeface="Arial"/>
+              </a:rPr>
+              <a:t> </a:t>
+            </a:r>
+            <a:r>
+              <a:rPr sz="2600" spc="124" dirty="0">
+                <a:cs typeface="Arial"/>
+              </a:rPr>
+              <a:t>to</a:t>
+            </a:r>
+            <a:r>
+              <a:rPr sz="2600" spc="-95" dirty="0">
+                <a:cs typeface="Arial"/>
+              </a:rPr>
+              <a:t> </a:t>
+            </a:r>
+            <a:r>
+              <a:rPr sz="2600" spc="86" dirty="0">
+                <a:cs typeface="Arial"/>
+              </a:rPr>
+              <a:t>the</a:t>
+            </a:r>
+            <a:r>
+              <a:rPr sz="2600" spc="-105" dirty="0">
+                <a:cs typeface="Arial"/>
+              </a:rPr>
+              <a:t> </a:t>
+            </a:r>
+            <a:r>
+              <a:rPr sz="2600" spc="57" dirty="0">
+                <a:cs typeface="Arial"/>
+              </a:rPr>
+              <a:t>MM</a:t>
+            </a:r>
+            <a:r>
+              <a:rPr sz="2600" spc="-95" dirty="0">
+                <a:cs typeface="Arial"/>
+              </a:rPr>
+              <a:t> </a:t>
+            </a:r>
+            <a:r>
+              <a:rPr sz="2600" spc="29" dirty="0">
+                <a:cs typeface="Arial"/>
+              </a:rPr>
+              <a:t>region.</a:t>
+            </a:r>
+            <a:endParaRPr sz="2600" dirty="0">
+              <a:cs typeface="Arial"/>
+            </a:endParaRPr>
+          </a:p>
+          <a:p>
+            <a:pPr marL="505591" marR="413665" indent="-208042" algn="just">
+              <a:lnSpc>
+                <a:spcPct val="114599"/>
+              </a:lnSpc>
+              <a:spcBef>
+                <a:spcPts val="571"/>
+              </a:spcBef>
+              <a:buClr>
+                <a:srgbClr val="EB811B"/>
+              </a:buClr>
+              <a:buFontTx/>
+              <a:buChar char="•"/>
+              <a:tabLst>
+                <a:tab pos="506801" algn="l"/>
+              </a:tabLst>
+            </a:pPr>
+            <a:r>
+              <a:rPr sz="2600" spc="-29" dirty="0">
+                <a:cs typeface="Arial"/>
+              </a:rPr>
+              <a:t>The</a:t>
+            </a:r>
+            <a:r>
+              <a:rPr sz="2600" spc="-95" dirty="0">
+                <a:cs typeface="Arial"/>
+              </a:rPr>
+              <a:t> </a:t>
+            </a:r>
+            <a:r>
+              <a:rPr sz="2600" spc="29" dirty="0">
+                <a:cs typeface="Arial"/>
+              </a:rPr>
+              <a:t>link-atom</a:t>
+            </a:r>
+            <a:r>
+              <a:rPr sz="2600" spc="-86" dirty="0">
+                <a:cs typeface="Arial"/>
+              </a:rPr>
+              <a:t> </a:t>
+            </a:r>
+            <a:r>
+              <a:rPr sz="2600" spc="-38" dirty="0">
+                <a:cs typeface="Arial"/>
+              </a:rPr>
+              <a:t>(L)</a:t>
+            </a:r>
+            <a:r>
+              <a:rPr sz="2600" spc="-86" dirty="0">
+                <a:cs typeface="Arial"/>
+              </a:rPr>
+              <a:t> </a:t>
+            </a:r>
+            <a:r>
+              <a:rPr sz="2600" spc="48" dirty="0">
+                <a:cs typeface="Arial"/>
+              </a:rPr>
+              <a:t>method:</a:t>
+            </a:r>
+            <a:r>
+              <a:rPr sz="2600" spc="57" dirty="0">
+                <a:cs typeface="Arial"/>
+              </a:rPr>
+              <a:t> </a:t>
+            </a:r>
+            <a:r>
+              <a:rPr sz="2600" spc="86" dirty="0">
+                <a:cs typeface="Arial"/>
+              </a:rPr>
+              <a:t>the</a:t>
+            </a:r>
+            <a:r>
+              <a:rPr sz="2600" spc="-86" dirty="0">
+                <a:cs typeface="Arial"/>
+              </a:rPr>
+              <a:t> </a:t>
+            </a:r>
+            <a:r>
+              <a:rPr sz="2600" spc="67" dirty="0">
+                <a:cs typeface="Arial"/>
+              </a:rPr>
+              <a:t>free</a:t>
+            </a:r>
+            <a:r>
+              <a:rPr sz="2600" spc="-95" dirty="0">
+                <a:cs typeface="Arial"/>
+              </a:rPr>
+              <a:t> </a:t>
+            </a:r>
+            <a:r>
+              <a:rPr sz="2600" spc="-10" dirty="0">
+                <a:cs typeface="Arial"/>
+              </a:rPr>
+              <a:t>valency</a:t>
+            </a:r>
+            <a:r>
+              <a:rPr sz="2600" spc="-86" dirty="0">
+                <a:cs typeface="Arial"/>
+              </a:rPr>
+              <a:t> </a:t>
+            </a:r>
+            <a:r>
+              <a:rPr sz="2600" spc="-29" dirty="0">
+                <a:cs typeface="Arial"/>
+              </a:rPr>
+              <a:t>is  </a:t>
+            </a:r>
+            <a:r>
+              <a:rPr sz="2600" dirty="0">
+                <a:cs typeface="Arial"/>
+              </a:rPr>
+              <a:t>capped </a:t>
+            </a:r>
+            <a:r>
+              <a:rPr sz="2600" spc="10" dirty="0">
+                <a:cs typeface="Arial"/>
+              </a:rPr>
+              <a:t>by </a:t>
+            </a:r>
+            <a:r>
+              <a:rPr sz="2600" spc="-29" dirty="0">
+                <a:cs typeface="Arial"/>
+              </a:rPr>
+              <a:t>an </a:t>
+            </a:r>
+            <a:r>
+              <a:rPr sz="2600" spc="48" dirty="0">
+                <a:cs typeface="Arial"/>
+              </a:rPr>
+              <a:t>additional </a:t>
+            </a:r>
+            <a:r>
+              <a:rPr sz="2600" spc="57" dirty="0">
+                <a:cs typeface="Arial"/>
+              </a:rPr>
+              <a:t>atom </a:t>
+            </a:r>
+            <a:r>
+              <a:rPr sz="2600" spc="-38" dirty="0">
+                <a:cs typeface="Arial"/>
+              </a:rPr>
+              <a:t>(H</a:t>
+            </a:r>
+            <a:r>
+              <a:rPr sz="2600" spc="-38" dirty="0" smtClean="0">
+                <a:cs typeface="Arial"/>
+              </a:rPr>
+              <a:t>):</a:t>
+            </a:r>
+            <a:endParaRPr lang="en-US" sz="2600" spc="-38" dirty="0">
+              <a:cs typeface="Arial"/>
+            </a:endParaRPr>
+          </a:p>
+          <a:p>
+            <a:pPr marL="297549" marR="413665" indent="0" algn="just">
+              <a:lnSpc>
+                <a:spcPct val="114599"/>
+              </a:lnSpc>
+              <a:spcBef>
+                <a:spcPts val="571"/>
+              </a:spcBef>
+              <a:buClr>
+                <a:srgbClr val="EB811B"/>
+              </a:buClr>
+              <a:buNone/>
+              <a:tabLst>
+                <a:tab pos="506801" algn="l"/>
+              </a:tabLst>
+            </a:pPr>
+            <a:r>
+              <a:rPr lang="en-US" sz="2600" spc="-38" dirty="0" smtClean="0">
+                <a:cs typeface="Arial"/>
+              </a:rPr>
+              <a:t>    </a:t>
+            </a:r>
+            <a:r>
+              <a:rPr sz="2600" spc="-38" dirty="0" smtClean="0">
+                <a:cs typeface="Arial"/>
+              </a:rPr>
+              <a:t> </a:t>
+            </a:r>
+            <a:r>
+              <a:rPr sz="2600" spc="-105" dirty="0">
+                <a:cs typeface="Arial"/>
+              </a:rPr>
+              <a:t>CB-CA </a:t>
+            </a:r>
+            <a:r>
+              <a:rPr sz="2600" spc="-86" dirty="0">
+                <a:cs typeface="Arial"/>
+              </a:rPr>
+              <a:t>–&gt;  CB-H.</a:t>
+            </a:r>
+            <a:endParaRPr sz="2600" dirty="0">
+              <a:cs typeface="Arial"/>
+            </a:endParaRPr>
+          </a:p>
+        </p:txBody>
+      </p:sp>
+      <p:sp>
+        <p:nvSpPr>
+          <p:cNvPr id="6" name="object 2"/>
           <p:cNvSpPr/>
           <p:nvPr/>
         </p:nvSpPr>
         <p:spPr>
           <a:xfrm>
-            <a:off x="828142" y="1772569"/>
-            <a:ext cx="4686394" cy="4404394"/>
+            <a:off x="7634114" y="2172231"/>
+            <a:ext cx="3560377" cy="3443295"/>
           </a:xfrm>
           <a:prstGeom prst="rect">
             <a:avLst/>
@@ -10717,118 +11630,17 @@
           <a:bodyPr wrap="square" lIns="0" tIns="0" rIns="0" bIns="0" rtlCol="0"/>
           <a:lstStyle/>
           <a:p>
-            <a:endParaRPr/>
-          </a:p>
-        </p:txBody>
-      </p:sp>
-      <p:sp>
-        <p:nvSpPr>
-          <p:cNvPr id="7" name="object 4"/>
-          <p:cNvSpPr txBox="1"/>
-          <p:nvPr/>
-        </p:nvSpPr>
-        <p:spPr>
-          <a:xfrm>
-            <a:off x="7657187" y="1273223"/>
-            <a:ext cx="3139601" cy="319959"/>
-          </a:xfrm>
-          <a:prstGeom prst="rect">
-            <a:avLst/>
-          </a:prstGeom>
-        </p:spPr>
-        <p:txBody>
-          <a:bodyPr vert="horz" wrap="square" lIns="0" tIns="12065" rIns="0" bIns="0" rtlCol="0">
-            <a:spAutoFit/>
-          </a:bodyPr>
-          <a:lstStyle/>
-          <a:p>
-            <a:pPr marL="12700">
-              <a:lnSpc>
-                <a:spcPct val="100000"/>
-              </a:lnSpc>
-              <a:spcBef>
-                <a:spcPts val="95"/>
-              </a:spcBef>
-            </a:pPr>
-            <a:r>
-              <a:rPr sz="2000" b="1" spc="45" dirty="0">
-                <a:solidFill>
-                  <a:srgbClr val="EB811B"/>
-                </a:solidFill>
-                <a:latin typeface="Arial"/>
-                <a:cs typeface="Arial"/>
-              </a:rPr>
-              <a:t>After </a:t>
-            </a:r>
-            <a:r>
-              <a:rPr sz="2000" b="1" spc="-10" dirty="0">
-                <a:solidFill>
-                  <a:srgbClr val="EB811B"/>
-                </a:solidFill>
-                <a:latin typeface="Arial"/>
-                <a:cs typeface="Arial"/>
-              </a:rPr>
-              <a:t>adding</a:t>
-            </a:r>
-            <a:r>
-              <a:rPr sz="2000" b="1" spc="-195" dirty="0">
-                <a:solidFill>
-                  <a:srgbClr val="EB811B"/>
-                </a:solidFill>
-                <a:latin typeface="Arial"/>
-                <a:cs typeface="Arial"/>
-              </a:rPr>
-              <a:t> </a:t>
-            </a:r>
-            <a:r>
-              <a:rPr sz="2000" b="1" spc="-5" dirty="0">
-                <a:solidFill>
-                  <a:srgbClr val="EB811B"/>
-                </a:solidFill>
-                <a:latin typeface="Arial"/>
-                <a:cs typeface="Arial"/>
-              </a:rPr>
-              <a:t>link-atoms.</a:t>
-            </a:r>
-            <a:endParaRPr sz="2000" dirty="0">
-              <a:latin typeface="Arial"/>
-              <a:cs typeface="Arial"/>
+            <a:endParaRPr sz="3429">
+              <a:solidFill>
+                <a:prstClr val="black"/>
+              </a:solidFill>
             </a:endParaRPr>
           </a:p>
         </p:txBody>
       </p:sp>
       <p:sp>
         <p:nvSpPr>
-          <p:cNvPr id="8" name="object 5"/>
-          <p:cNvSpPr/>
-          <p:nvPr/>
-        </p:nvSpPr>
-        <p:spPr>
-          <a:xfrm>
-            <a:off x="7090117" y="1772569"/>
-            <a:ext cx="4273742" cy="4404394"/>
-          </a:xfrm>
-          <a:prstGeom prst="rect">
-            <a:avLst/>
-          </a:prstGeom>
-          <a:blipFill>
-            <a:blip r:embed="rId3" cstate="print"/>
-            <a:stretch>
-              <a:fillRect/>
-            </a:stretch>
-          </a:blipFill>
-        </p:spPr>
-        <p:txBody>
-          <a:bodyPr wrap="square" lIns="0" tIns="0" rIns="0" bIns="0" rtlCol="0"/>
-          <a:lstStyle/>
-          <a:p>
-            <a:endParaRPr/>
-          </a:p>
-        </p:txBody>
-      </p:sp>
-      <p:sp>
-        <p:nvSpPr>
-          <p:cNvPr id="9" name="Rectangle 8"/>
+          <p:cNvPr id="7" name="Rectangle 6"/>
           <p:cNvSpPr/>
           <p:nvPr/>
         </p:nvSpPr>
@@ -10857,7 +11669,7 @@
     </p:spTree>
     <p:extLst>
       <p:ext uri="{BB962C8B-B14F-4D97-AF65-F5344CB8AC3E}">
-        <p14:creationId xmlns:p14="http://schemas.microsoft.com/office/powerpoint/2010/main" val="1165014564"/>
+        <p14:creationId xmlns:p14="http://schemas.microsoft.com/office/powerpoint/2010/main" val="1721135969"/>
       </p:ext>
     </p:extLst>
   </p:cSld>
@@ -10901,31 +11713,30 @@
             <p:ph type="title"/>
           </p:nvPr>
         </p:nvSpPr>
-        <p:spPr>
-          <a:xfrm>
-            <a:off x="361682" y="182245"/>
-            <a:ext cx="10515600" cy="1325563"/>
-          </a:xfrm>
-        </p:spPr>
+        <p:spPr/>
         <p:txBody>
           <a:bodyPr/>
           <a:lstStyle/>
           <a:p>
-            <a:r>
-              <a:rPr lang="en-GB" b="1" dirty="0" smtClean="0"/>
-              <a:t>The QM/MM Energy Expression</a:t>
-            </a:r>
-            <a:r>
-              <a:rPr lang="en-GB" dirty="0" smtClean="0"/>
-              <a:t>;</a:t>
-            </a:r>
-            <a:br>
-              <a:rPr lang="en-GB" dirty="0" smtClean="0"/>
-            </a:br>
-            <a:r>
-              <a:rPr lang="en-US" sz="3200" dirty="0" smtClean="0"/>
-              <a:t>Subtractive and Additive QM/MM Schemes</a:t>
-            </a:r>
+            <a:endParaRPr lang="en-GB" dirty="0"/>
+          </a:p>
+        </p:txBody>
+      </p:sp>
+      <p:sp>
+        <p:nvSpPr>
+          <p:cNvPr id="3" name="Content Placeholder 2"/>
+          <p:cNvSpPr>
+            <a:spLocks noGrp="1"/>
+          </p:cNvSpPr>
+          <p:nvPr>
+            <p:ph idx="1"/>
+          </p:nvPr>
+        </p:nvSpPr>
+        <p:spPr/>
+        <p:txBody>
+          <a:bodyPr/>
+          <a:lstStyle/>
+          <a:p>
             <a:endParaRPr lang="en-GB" dirty="0"/>
           </a:p>
         </p:txBody>
@@ -10948,6 +11759,343 @@
             <a:fld id="{EE2AFBF9-3608-46D9-B7C8-6FAC58B211BE}" type="slidenum">
               <a:rPr lang="en-GB" smtClean="0"/>
               <a:t>23</a:t>
+            </a:fld>
+            <a:endParaRPr lang="en-GB"/>
+          </a:p>
+        </p:txBody>
+      </p:sp>
+      <p:sp>
+        <p:nvSpPr>
+          <p:cNvPr id="5" name="object 2"/>
+          <p:cNvSpPr txBox="1"/>
+          <p:nvPr/>
+        </p:nvSpPr>
+        <p:spPr>
+          <a:xfrm>
+            <a:off x="1516186" y="1273223"/>
+            <a:ext cx="3310306" cy="319959"/>
+          </a:xfrm>
+          <a:prstGeom prst="rect">
+            <a:avLst/>
+          </a:prstGeom>
+        </p:spPr>
+        <p:txBody>
+          <a:bodyPr vert="horz" wrap="square" lIns="0" tIns="12065" rIns="0" bIns="0" rtlCol="0">
+            <a:spAutoFit/>
+          </a:bodyPr>
+          <a:lstStyle/>
+          <a:p>
+            <a:pPr marL="12700">
+              <a:lnSpc>
+                <a:spcPct val="100000"/>
+              </a:lnSpc>
+              <a:spcBef>
+                <a:spcPts val="95"/>
+              </a:spcBef>
+            </a:pPr>
+            <a:r>
+              <a:rPr sz="2000" b="1" spc="15" dirty="0">
+                <a:solidFill>
+                  <a:srgbClr val="13AF3C"/>
+                </a:solidFill>
+                <a:latin typeface="Arial"/>
+                <a:cs typeface="Arial"/>
+              </a:rPr>
+              <a:t>Before </a:t>
+            </a:r>
+            <a:r>
+              <a:rPr sz="2000" b="1" spc="-10" dirty="0">
+                <a:solidFill>
+                  <a:srgbClr val="13AF3C"/>
+                </a:solidFill>
+                <a:latin typeface="Arial"/>
+                <a:cs typeface="Arial"/>
+              </a:rPr>
+              <a:t>adding</a:t>
+            </a:r>
+            <a:r>
+              <a:rPr sz="2000" b="1" spc="-165" dirty="0">
+                <a:solidFill>
+                  <a:srgbClr val="13AF3C"/>
+                </a:solidFill>
+                <a:latin typeface="Arial"/>
+                <a:cs typeface="Arial"/>
+              </a:rPr>
+              <a:t> </a:t>
+            </a:r>
+            <a:r>
+              <a:rPr sz="2000" b="1" spc="-5" dirty="0">
+                <a:solidFill>
+                  <a:srgbClr val="13AF3C"/>
+                </a:solidFill>
+                <a:latin typeface="Arial"/>
+                <a:cs typeface="Arial"/>
+              </a:rPr>
+              <a:t>link-atoms.</a:t>
+            </a:r>
+            <a:endParaRPr sz="2000" dirty="0">
+              <a:latin typeface="Arial"/>
+              <a:cs typeface="Arial"/>
+            </a:endParaRPr>
+          </a:p>
+        </p:txBody>
+      </p:sp>
+      <p:sp>
+        <p:nvSpPr>
+          <p:cNvPr id="6" name="object 3"/>
+          <p:cNvSpPr/>
+          <p:nvPr/>
+        </p:nvSpPr>
+        <p:spPr>
+          <a:xfrm>
+            <a:off x="828142" y="1772569"/>
+            <a:ext cx="4686394" cy="4404394"/>
+          </a:xfrm>
+          <a:prstGeom prst="rect">
+            <a:avLst/>
+          </a:prstGeom>
+          <a:blipFill>
+            <a:blip r:embed="rId2" cstate="print"/>
+            <a:stretch>
+              <a:fillRect/>
+            </a:stretch>
+          </a:blipFill>
+        </p:spPr>
+        <p:txBody>
+          <a:bodyPr wrap="square" lIns="0" tIns="0" rIns="0" bIns="0" rtlCol="0"/>
+          <a:lstStyle/>
+          <a:p>
+            <a:endParaRPr/>
+          </a:p>
+        </p:txBody>
+      </p:sp>
+      <p:sp>
+        <p:nvSpPr>
+          <p:cNvPr id="7" name="object 4"/>
+          <p:cNvSpPr txBox="1"/>
+          <p:nvPr/>
+        </p:nvSpPr>
+        <p:spPr>
+          <a:xfrm>
+            <a:off x="7657187" y="1273223"/>
+            <a:ext cx="3139601" cy="319959"/>
+          </a:xfrm>
+          <a:prstGeom prst="rect">
+            <a:avLst/>
+          </a:prstGeom>
+        </p:spPr>
+        <p:txBody>
+          <a:bodyPr vert="horz" wrap="square" lIns="0" tIns="12065" rIns="0" bIns="0" rtlCol="0">
+            <a:spAutoFit/>
+          </a:bodyPr>
+          <a:lstStyle/>
+          <a:p>
+            <a:pPr marL="12700">
+              <a:lnSpc>
+                <a:spcPct val="100000"/>
+              </a:lnSpc>
+              <a:spcBef>
+                <a:spcPts val="95"/>
+              </a:spcBef>
+            </a:pPr>
+            <a:r>
+              <a:rPr sz="2000" b="1" spc="45" dirty="0">
+                <a:solidFill>
+                  <a:srgbClr val="EB811B"/>
+                </a:solidFill>
+                <a:latin typeface="Arial"/>
+                <a:cs typeface="Arial"/>
+              </a:rPr>
+              <a:t>After </a:t>
+            </a:r>
+            <a:r>
+              <a:rPr sz="2000" b="1" spc="-10" dirty="0">
+                <a:solidFill>
+                  <a:srgbClr val="EB811B"/>
+                </a:solidFill>
+                <a:latin typeface="Arial"/>
+                <a:cs typeface="Arial"/>
+              </a:rPr>
+              <a:t>adding</a:t>
+            </a:r>
+            <a:r>
+              <a:rPr sz="2000" b="1" spc="-195" dirty="0">
+                <a:solidFill>
+                  <a:srgbClr val="EB811B"/>
+                </a:solidFill>
+                <a:latin typeface="Arial"/>
+                <a:cs typeface="Arial"/>
+              </a:rPr>
+              <a:t> </a:t>
+            </a:r>
+            <a:r>
+              <a:rPr sz="2000" b="1" spc="-5" dirty="0">
+                <a:solidFill>
+                  <a:srgbClr val="EB811B"/>
+                </a:solidFill>
+                <a:latin typeface="Arial"/>
+                <a:cs typeface="Arial"/>
+              </a:rPr>
+              <a:t>link-atoms.</a:t>
+            </a:r>
+            <a:endParaRPr sz="2000" dirty="0">
+              <a:latin typeface="Arial"/>
+              <a:cs typeface="Arial"/>
+            </a:endParaRPr>
+          </a:p>
+        </p:txBody>
+      </p:sp>
+      <p:sp>
+        <p:nvSpPr>
+          <p:cNvPr id="8" name="object 5"/>
+          <p:cNvSpPr/>
+          <p:nvPr/>
+        </p:nvSpPr>
+        <p:spPr>
+          <a:xfrm>
+            <a:off x="7090117" y="1772569"/>
+            <a:ext cx="4273742" cy="4404394"/>
+          </a:xfrm>
+          <a:prstGeom prst="rect">
+            <a:avLst/>
+          </a:prstGeom>
+          <a:blipFill>
+            <a:blip r:embed="rId3" cstate="print"/>
+            <a:stretch>
+              <a:fillRect/>
+            </a:stretch>
+          </a:blipFill>
+        </p:spPr>
+        <p:txBody>
+          <a:bodyPr wrap="square" lIns="0" tIns="0" rIns="0" bIns="0" rtlCol="0"/>
+          <a:lstStyle/>
+          <a:p>
+            <a:endParaRPr/>
+          </a:p>
+        </p:txBody>
+      </p:sp>
+      <p:sp>
+        <p:nvSpPr>
+          <p:cNvPr id="9" name="Rectangle 8"/>
+          <p:cNvSpPr/>
+          <p:nvPr/>
+        </p:nvSpPr>
+        <p:spPr>
+          <a:xfrm>
+            <a:off x="0" y="6596390"/>
+            <a:ext cx="2906565" cy="261610"/>
+          </a:xfrm>
+          <a:prstGeom prst="rect">
+            <a:avLst/>
+          </a:prstGeom>
+        </p:spPr>
+        <p:txBody>
+          <a:bodyPr wrap="none">
+            <a:spAutoFit/>
+          </a:bodyPr>
+          <a:lstStyle/>
+          <a:p>
+            <a:r>
+              <a:rPr lang="en-GB" sz="1100" dirty="0"/>
+              <a:t>https://github.com/swillow/modelingworkshop</a:t>
+            </a:r>
+          </a:p>
+        </p:txBody>
+      </p:sp>
+    </p:spTree>
+    <p:extLst>
+      <p:ext uri="{BB962C8B-B14F-4D97-AF65-F5344CB8AC3E}">
+        <p14:creationId xmlns:p14="http://schemas.microsoft.com/office/powerpoint/2010/main" val="1165014564"/>
+      </p:ext>
+    </p:extLst>
+  </p:cSld>
+  <p:clrMapOvr>
+    <a:masterClrMapping/>
+  </p:clrMapOvr>
+  <p:timing>
+    <p:tnLst>
+      <p:par>
+        <p:cTn id="1" dur="indefinite" restart="never" nodeType="tmRoot"/>
+      </p:par>
+    </p:tnLst>
+  </p:timing>
+</p:sld>
+</file>
+
+<file path=ppt/slides/slide24.xml><?xml version="1.0" encoding="utf-8"?>
+<p:sld xmlns:a="http://schemas.openxmlformats.org/drawingml/2006/main" xmlns:r="http://schemas.openxmlformats.org/officeDocument/2006/relationships" xmlns:p="http://schemas.openxmlformats.org/presentationml/2006/main">
+  <p:cSld>
+    <p:spTree>
+      <p:nvGrpSpPr>
+        <p:cNvPr id="1" name=""/>
+        <p:cNvGrpSpPr/>
+        <p:nvPr/>
+      </p:nvGrpSpPr>
+      <p:grpSpPr>
+        <a:xfrm>
+          <a:off x="0" y="0"/>
+          <a:ext cx="0" cy="0"/>
+          <a:chOff x="0" y="0"/>
+          <a:chExt cx="0" cy="0"/>
+        </a:xfrm>
+      </p:grpSpPr>
+      <p:sp>
+        <p:nvSpPr>
+          <p:cNvPr id="2" name="Title 1"/>
+          <p:cNvSpPr>
+            <a:spLocks noGrp="1"/>
+          </p:cNvSpPr>
+          <p:nvPr>
+            <p:ph type="title"/>
+          </p:nvPr>
+        </p:nvSpPr>
+        <p:spPr>
+          <a:xfrm>
+            <a:off x="361682" y="182245"/>
+            <a:ext cx="10515600" cy="1325563"/>
+          </a:xfrm>
+        </p:spPr>
+        <p:txBody>
+          <a:bodyPr/>
+          <a:lstStyle/>
+          <a:p>
+            <a:r>
+              <a:rPr lang="en-GB" b="1" dirty="0" smtClean="0"/>
+              <a:t>The QM/MM Energy Expression</a:t>
+            </a:r>
+            <a:r>
+              <a:rPr lang="en-GB" dirty="0" smtClean="0"/>
+              <a:t>;</a:t>
+            </a:r>
+            <a:br>
+              <a:rPr lang="en-GB" dirty="0" smtClean="0"/>
+            </a:br>
+            <a:r>
+              <a:rPr lang="en-US" sz="3200" dirty="0" smtClean="0"/>
+              <a:t>Subtractive and Additive QM/MM Schemes</a:t>
+            </a:r>
+            <a:endParaRPr lang="en-GB" dirty="0"/>
+          </a:p>
+        </p:txBody>
+      </p:sp>
+      <p:sp>
+        <p:nvSpPr>
+          <p:cNvPr id="4" name="Slide Number Placeholder 3"/>
+          <p:cNvSpPr>
+            <a:spLocks noGrp="1"/>
+          </p:cNvSpPr>
+          <p:nvPr>
+            <p:ph type="sldNum" sz="quarter" idx="12"/>
+          </p:nvPr>
+        </p:nvSpPr>
+        <p:spPr/>
+        <p:txBody>
+          <a:bodyPr/>
+          <a:lstStyle/>
+          <a:p>
+            <a:fld id="{EE2AFBF9-3608-46D9-B7C8-6FAC58B211BE}" type="slidenum">
+              <a:rPr lang="en-GB" smtClean="0"/>
+              <a:t>24</a:t>
             </a:fld>
             <a:endParaRPr lang="en-GB"/>
           </a:p>
@@ -11098,7 +12246,7 @@
 </p:sld>
 </file>
 
-<file path=ppt/slides/slide24.xml><?xml version="1.0" encoding="utf-8"?>
+<file path=ppt/slides/slide25.xml><?xml version="1.0" encoding="utf-8"?>
 <p:sld xmlns:a="http://schemas.openxmlformats.org/drawingml/2006/main" xmlns:r="http://schemas.openxmlformats.org/officeDocument/2006/relationships" xmlns:p="http://schemas.openxmlformats.org/presentationml/2006/main">
   <p:cSld>
     <p:spTree>
@@ -11231,7 +12379,7 @@
           <a:p>
             <a:fld id="{EE2AFBF9-3608-46D9-B7C8-6FAC58B211BE}" type="slidenum">
               <a:rPr lang="en-GB" smtClean="0"/>
-              <a:t>24</a:t>
+              <a:t>25</a:t>
             </a:fld>
             <a:endParaRPr lang="en-GB"/>
           </a:p>
@@ -11257,7 +12405,7 @@
 </p:sld>
 </file>
 
-<file path=ppt/slides/slide25.xml><?xml version="1.0" encoding="utf-8"?>
+<file path=ppt/slides/slide26.xml><?xml version="1.0" encoding="utf-8"?>
 <p:sld xmlns:a="http://schemas.openxmlformats.org/drawingml/2006/main" xmlns:r="http://schemas.openxmlformats.org/officeDocument/2006/relationships" xmlns:p="http://schemas.openxmlformats.org/presentationml/2006/main">
   <p:cSld>
     <p:spTree>
@@ -11352,7 +12500,7 @@
           <a:p>
             <a:fld id="{EE2AFBF9-3608-46D9-B7C8-6FAC58B211BE}" type="slidenum">
               <a:rPr lang="en-GB" smtClean="0"/>
-              <a:t>25</a:t>
+              <a:t>26</a:t>
             </a:fld>
             <a:endParaRPr lang="en-GB"/>
           </a:p>
@@ -11494,220 +12642,6 @@
     <p:extLst>
       <p:ext uri="{BB962C8B-B14F-4D97-AF65-F5344CB8AC3E}">
         <p14:creationId xmlns:p14="http://schemas.microsoft.com/office/powerpoint/2010/main" val="1949643972"/>
-      </p:ext>
-    </p:extLst>
-  </p:cSld>
-  <p:clrMapOvr>
-    <a:masterClrMapping/>
-  </p:clrMapOvr>
-  <p:timing>
-    <p:tnLst>
-      <p:par>
-        <p:cTn id="1" dur="indefinite" restart="never" nodeType="tmRoot"/>
-      </p:par>
-    </p:tnLst>
-  </p:timing>
-</p:sld>
-</file>
-
-<file path=ppt/slides/slide26.xml><?xml version="1.0" encoding="utf-8"?>
-<p:sld xmlns:a="http://schemas.openxmlformats.org/drawingml/2006/main" xmlns:r="http://schemas.openxmlformats.org/officeDocument/2006/relationships" xmlns:p="http://schemas.openxmlformats.org/presentationml/2006/main">
-  <p:cSld>
-    <p:spTree>
-      <p:nvGrpSpPr>
-        <p:cNvPr id="1" name=""/>
-        <p:cNvGrpSpPr/>
-        <p:nvPr/>
-      </p:nvGrpSpPr>
-      <p:grpSpPr>
-        <a:xfrm>
-          <a:off x="0" y="0"/>
-          <a:ext cx="0" cy="0"/>
-          <a:chOff x="0" y="0"/>
-          <a:chExt cx="0" cy="0"/>
-        </a:xfrm>
-      </p:grpSpPr>
-      <p:sp>
-        <p:nvSpPr>
-          <p:cNvPr id="2" name="Title 1"/>
-          <p:cNvSpPr>
-            <a:spLocks noGrp="1"/>
-          </p:cNvSpPr>
-          <p:nvPr>
-            <p:ph type="title"/>
-          </p:nvPr>
-        </p:nvSpPr>
-        <p:spPr>
-          <a:xfrm>
-            <a:off x="838200" y="182241"/>
-            <a:ext cx="10515600" cy="1325563"/>
-          </a:xfrm>
-        </p:spPr>
-        <p:txBody>
-          <a:bodyPr/>
-          <a:lstStyle/>
-          <a:p>
-            <a:r>
-              <a:rPr lang="en-GB" b="1" dirty="0" smtClean="0"/>
-              <a:t>The Electrostatic QM–MM Interaction</a:t>
-            </a:r>
-            <a:endParaRPr lang="en-GB" b="1" dirty="0"/>
-          </a:p>
-        </p:txBody>
-      </p:sp>
-      <p:sp>
-        <p:nvSpPr>
-          <p:cNvPr id="3" name="Content Placeholder 2"/>
-          <p:cNvSpPr>
-            <a:spLocks noGrp="1"/>
-          </p:cNvSpPr>
-          <p:nvPr>
-            <p:ph idx="1"/>
-          </p:nvPr>
-        </p:nvSpPr>
-        <p:spPr>
-          <a:xfrm>
-            <a:off x="838200" y="1403594"/>
-            <a:ext cx="10515600" cy="4351338"/>
-          </a:xfrm>
-        </p:spPr>
-        <p:txBody>
-          <a:bodyPr/>
-          <a:lstStyle/>
-          <a:p>
-            <a:r>
-              <a:rPr lang="en-US" dirty="0" smtClean="0"/>
-              <a:t>The electrostatic coupling between the QM charge density and the charge model used in the MM region can be handled at different levels of sophistication, characterized essentially by the extent of mutual polarization and classified accordingly as;</a:t>
-            </a:r>
-          </a:p>
-          <a:p>
-            <a:pPr marL="457200" lvl="1" indent="0">
-              <a:buNone/>
-            </a:pPr>
-            <a:r>
-              <a:rPr lang="en-US" b="1" dirty="0" smtClean="0">
-                <a:solidFill>
-                  <a:srgbClr val="7030A0"/>
-                </a:solidFill>
-              </a:rPr>
-              <a:t>mechanical</a:t>
-            </a:r>
-            <a:r>
-              <a:rPr lang="en-US" dirty="0" smtClean="0"/>
-              <a:t> embedding  </a:t>
-            </a:r>
-            <a:r>
-              <a:rPr lang="en-US" b="1" dirty="0" smtClean="0">
-                <a:solidFill>
-                  <a:srgbClr val="7030A0"/>
-                </a:solidFill>
-              </a:rPr>
-              <a:t>electrostatic</a:t>
-            </a:r>
-            <a:r>
-              <a:rPr lang="en-US" dirty="0" smtClean="0"/>
-              <a:t> embedding, and </a:t>
-            </a:r>
-            <a:r>
-              <a:rPr lang="en-US" b="1" dirty="0" smtClean="0">
-                <a:solidFill>
-                  <a:srgbClr val="7030A0"/>
-                </a:solidFill>
-              </a:rPr>
-              <a:t>polarized</a:t>
-            </a:r>
-            <a:r>
-              <a:rPr lang="en-US" dirty="0" smtClean="0"/>
-              <a:t> embedding.</a:t>
-            </a:r>
-          </a:p>
-          <a:p>
-            <a:pPr marL="0" indent="0">
-              <a:buNone/>
-            </a:pPr>
-            <a:endParaRPr lang="en-GB" dirty="0"/>
-          </a:p>
-        </p:txBody>
-      </p:sp>
-      <p:sp>
-        <p:nvSpPr>
-          <p:cNvPr id="4" name="Slide Number Placeholder 3"/>
-          <p:cNvSpPr>
-            <a:spLocks noGrp="1"/>
-          </p:cNvSpPr>
-          <p:nvPr>
-            <p:ph type="sldNum" sz="quarter" idx="12"/>
-          </p:nvPr>
-        </p:nvSpPr>
-        <p:spPr/>
-        <p:txBody>
-          <a:bodyPr/>
-          <a:lstStyle/>
-          <a:p>
-            <a:fld id="{EE2AFBF9-3608-46D9-B7C8-6FAC58B211BE}" type="slidenum">
-              <a:rPr lang="en-GB" smtClean="0"/>
-              <a:t>26</a:t>
-            </a:fld>
-            <a:endParaRPr lang="en-GB"/>
-          </a:p>
-        </p:txBody>
-      </p:sp>
-      <p:pic>
-        <p:nvPicPr>
-          <p:cNvPr id="5" name="Picture 4"/>
-          <p:cNvPicPr>
-            <a:picLocks noChangeAspect="1"/>
-          </p:cNvPicPr>
-          <p:nvPr/>
-        </p:nvPicPr>
-        <p:blipFill>
-          <a:blip r:embed="rId2"/>
-          <a:stretch>
-            <a:fillRect/>
-          </a:stretch>
-        </p:blipFill>
-        <p:spPr>
-          <a:xfrm>
-            <a:off x="2263945" y="3579263"/>
-            <a:ext cx="7439025" cy="2800350"/>
-          </a:xfrm>
-          <a:prstGeom prst="rect">
-            <a:avLst/>
-          </a:prstGeom>
-        </p:spPr>
-      </p:pic>
-      <p:sp>
-        <p:nvSpPr>
-          <p:cNvPr id="6" name="Rectangle 5"/>
-          <p:cNvSpPr/>
-          <p:nvPr/>
-        </p:nvSpPr>
-        <p:spPr>
-          <a:xfrm>
-            <a:off x="0" y="6596390"/>
-            <a:ext cx="2906565" cy="261610"/>
-          </a:xfrm>
-          <a:prstGeom prst="rect">
-            <a:avLst/>
-          </a:prstGeom>
-        </p:spPr>
-        <p:txBody>
-          <a:bodyPr wrap="none">
-            <a:spAutoFit/>
-          </a:bodyPr>
-          <a:lstStyle/>
-          <a:p>
-            <a:r>
-              <a:rPr lang="en-GB" sz="1100" dirty="0"/>
-              <a:t>https://github.com/swillow/modelingworkshop</a:t>
-            </a:r>
-          </a:p>
-        </p:txBody>
-      </p:sp>
-    </p:spTree>
-    <p:extLst>
-      <p:ext uri="{BB962C8B-B14F-4D97-AF65-F5344CB8AC3E}">
-        <p14:creationId xmlns:p14="http://schemas.microsoft.com/office/powerpoint/2010/main" val="1929826746"/>
       </p:ext>
     </p:extLst>
   </p:cSld>
@@ -11753,8 +12687,8 @@
         </p:nvSpPr>
         <p:spPr>
           <a:xfrm>
-            <a:off x="838200" y="365125"/>
-            <a:ext cx="11353800" cy="1325563"/>
+            <a:off x="838200" y="182241"/>
+            <a:ext cx="10515600" cy="1325563"/>
           </a:xfrm>
         </p:spPr>
         <p:txBody>
@@ -11762,26 +12696,10 @@
           <a:lstStyle/>
           <a:p>
             <a:r>
-              <a:rPr lang="en-US" dirty="0" smtClean="0"/>
-              <a:t>Other </a:t>
-            </a:r>
-            <a:r>
-              <a:rPr lang="en-US" b="1" dirty="0" err="1" smtClean="0"/>
-              <a:t>Nonbonded</a:t>
-            </a:r>
-            <a:r>
-              <a:rPr lang="en-US" dirty="0" smtClean="0"/>
-              <a:t> and </a:t>
-            </a:r>
-            <a:r>
-              <a:rPr lang="en-US" b="1" dirty="0" smtClean="0"/>
-              <a:t>Bonded</a:t>
-            </a:r>
-            <a:r>
-              <a:rPr lang="en-US" dirty="0" smtClean="0"/>
-              <a:t> QM–MM Interactions</a:t>
-            </a:r>
-            <a:endParaRPr lang="en-GB" dirty="0"/>
+              <a:rPr lang="en-GB" b="1" dirty="0" smtClean="0"/>
+              <a:t>The Electrostatic QM–MM Interaction</a:t>
+            </a:r>
+            <a:endParaRPr lang="en-GB" b="1" dirty="0"/>
           </a:p>
         </p:txBody>
       </p:sp>
@@ -11795,85 +12713,66 @@
             <p:ph idx="1"/>
           </p:nvPr>
         </p:nvSpPr>
-        <p:spPr/>
-        <p:txBody>
-          <a:bodyPr>
-            <a:normAutofit fontScale="92500" lnSpcReduction="20000"/>
-          </a:bodyPr>
-          <a:lstStyle/>
-          <a:p>
-            <a:r>
-              <a:rPr lang="en-US" dirty="0"/>
-              <a:t>T</a:t>
-            </a:r>
+        <p:spPr>
+          <a:xfrm>
+            <a:off x="838200" y="1403594"/>
+            <a:ext cx="10515600" cy="4351338"/>
+          </a:xfrm>
+        </p:spPr>
+        <p:txBody>
+          <a:bodyPr/>
+          <a:lstStyle/>
+          <a:p>
             <a:r>
               <a:rPr lang="en-US" dirty="0" smtClean="0"/>
-              <a:t>here are also </a:t>
-            </a:r>
-            <a:r>
-              <a:rPr lang="en-US" b="1" dirty="0" smtClean="0"/>
-              <a:t>van der Waals </a:t>
+              <a:t>The electrostatic coupling between the QM charge density and the charge model used in the MM region can be handled at different levels of sophistication, characterized essentially by the extent of mutual polarization and classified accordingly as;</a:t>
+            </a:r>
+          </a:p>
+          <a:p>
+            <a:pPr marL="457200" lvl="1" indent="0">
+              <a:buNone/>
+            </a:pPr>
+            <a:r>
+              <a:rPr lang="en-US" b="1" dirty="0" smtClean="0">
+                <a:solidFill>
+                  <a:srgbClr val="7030A0"/>
+                </a:solidFill>
+              </a:rPr>
+              <a:t>mechanical</a:t>
             </a:r>
             <a:r>
               <a:rPr lang="en-US" dirty="0" smtClean="0"/>
-              <a:t>and </a:t>
-            </a:r>
-            <a:r>
-              <a:rPr lang="en-US" b="1" dirty="0" smtClean="0"/>
-              <a:t>bonded contributions </a:t>
+              <a:t> embedding  </a:t>
+            </a:r>
+            <a:r>
+              <a:rPr lang="en-US" b="1" dirty="0" smtClean="0">
+                <a:solidFill>
+                  <a:srgbClr val="7030A0"/>
+                </a:solidFill>
+              </a:rPr>
+              <a:t>electrostatic</a:t>
             </a:r>
             <a:r>
               <a:rPr lang="en-US" dirty="0" smtClean="0"/>
-              <a:t>to the QM–MM coupling term.</a:t>
-            </a:r>
-          </a:p>
-          <a:p>
+              <a:t> embedding, and </a:t>
+            </a:r>
+            <a:r>
+              <a:rPr lang="en-US" b="1" dirty="0" smtClean="0">
+                <a:solidFill>
+                  <a:srgbClr val="7030A0"/>
+                </a:solidFill>
+              </a:rPr>
+              <a:t>polarized</a:t>
+            </a:r>
             <a:r>
               <a:rPr lang="en-US" dirty="0" smtClean="0"/>
-              <a:t> Their treatment is considerably simpler as they are handled purely at the MM level, irrespective of the class (subtractive or additive) of QM/MM scheme. </a:t>
-            </a:r>
-          </a:p>
-          <a:p>
-            <a:r>
-              <a:rPr lang="en-US" dirty="0" smtClean="0"/>
-              <a:t>The van der Waals interaction is typically described by a </a:t>
-            </a:r>
-            <a:r>
-              <a:rPr lang="en-US" b="1" dirty="0" err="1" smtClean="0"/>
-              <a:t>Lennard</a:t>
-            </a:r>
-            <a:r>
-              <a:rPr lang="en-US" b="1" dirty="0" smtClean="0"/>
-              <a:t>–Jones potential</a:t>
-            </a:r>
-          </a:p>
-          <a:p>
-            <a:r>
-              <a:rPr lang="en-US" dirty="0" smtClean="0"/>
-              <a:t>The formal reservations against using standard MM parameters to describe QM–MM interactions apply of course also to the bonded (</a:t>
-            </a:r>
-            <a:r>
-              <a:rPr lang="en-US" b="1" dirty="0" smtClean="0"/>
-              <a:t>bond stretching, angle bending, torsional</a:t>
-            </a:r>
-            <a:r>
-              <a:rPr lang="en-US" dirty="0" smtClean="0"/>
-              <a:t>, etc.) interactions.</a:t>
-            </a:r>
-          </a:p>
-          <a:p>
-            <a:r>
-              <a:rPr lang="en-US" dirty="0" smtClean="0"/>
-              <a:t>For electrostatic or polarized embedding, </a:t>
-            </a:r>
-            <a:r>
-              <a:rPr lang="en-US" dirty="0" err="1" smtClean="0"/>
-              <a:t>overpolarization</a:t>
-            </a:r>
-            <a:r>
-              <a:rPr lang="en-US" dirty="0" smtClean="0"/>
-              <a:t> of the QM density by the MM charges close to the cut has to be prevented, especially when using link atoms.</a:t>
-            </a:r>
+              <a:t> embedding.</a:t>
+            </a:r>
+          </a:p>
+          <a:p>
+            <a:pPr marL="0" indent="0">
+              <a:buNone/>
+            </a:pPr>
             <a:endParaRPr lang="en-GB" dirty="0"/>
           </a:p>
         </p:txBody>
@@ -11901,10 +12800,62 @@
           </a:p>
         </p:txBody>
       </p:sp>
+      <p:pic>
+        <p:nvPicPr>
+          <p:cNvPr id="5" name="Picture 4"/>
+          <p:cNvPicPr>
+            <a:picLocks noChangeAspect="1"/>
+          </p:cNvPicPr>
+          <p:nvPr/>
+        </p:nvPicPr>
+        <p:blipFill>
+          <a:blip r:embed="rId2"/>
+          <a:stretch>
+            <a:fillRect/>
+          </a:stretch>
+        </p:blipFill>
+        <p:spPr>
+          <a:xfrm>
+            <a:off x="2263945" y="3579263"/>
+            <a:ext cx="7439025" cy="2800350"/>
+          </a:xfrm>
+          <a:prstGeom prst="rect">
+            <a:avLst/>
+          </a:prstGeom>
+        </p:spPr>
+      </p:pic>
+      <p:sp>
+        <p:nvSpPr>
+          <p:cNvPr id="6" name="Rectangle 5"/>
+          <p:cNvSpPr/>
+          <p:nvPr/>
+        </p:nvSpPr>
+        <p:spPr>
+          <a:xfrm>
+            <a:off x="0" y="6596390"/>
+            <a:ext cx="2906565" cy="261610"/>
+          </a:xfrm>
+          <a:prstGeom prst="rect">
+            <a:avLst/>
+          </a:prstGeom>
+        </p:spPr>
+        <p:txBody>
+          <a:bodyPr wrap="none">
+            <a:spAutoFit/>
+          </a:bodyPr>
+          <a:lstStyle/>
+          <a:p>
+            <a:r>
+              <a:rPr lang="en-GB" sz="1100" dirty="0"/>
+              <a:t>https://github.com/swillow/modelingworkshop</a:t>
+            </a:r>
+          </a:p>
+        </p:txBody>
+      </p:sp>
     </p:spTree>
     <p:extLst>
       <p:ext uri="{BB962C8B-B14F-4D97-AF65-F5344CB8AC3E}">
-        <p14:creationId xmlns:p14="http://schemas.microsoft.com/office/powerpoint/2010/main" val="1138772759"/>
+        <p14:creationId xmlns:p14="http://schemas.microsoft.com/office/powerpoint/2010/main" val="1929826746"/>
       </p:ext>
     </p:extLst>
   </p:cSld>
@@ -11948,6 +12899,203 @@
             <p:ph type="title"/>
           </p:nvPr>
         </p:nvSpPr>
+        <p:spPr>
+          <a:xfrm>
+            <a:off x="838200" y="365125"/>
+            <a:ext cx="11353800" cy="1325563"/>
+          </a:xfrm>
+        </p:spPr>
+        <p:txBody>
+          <a:bodyPr/>
+          <a:lstStyle/>
+          <a:p>
+            <a:r>
+              <a:rPr lang="en-US" dirty="0" smtClean="0"/>
+              <a:t>Other </a:t>
+            </a:r>
+            <a:r>
+              <a:rPr lang="en-US" b="1" dirty="0" err="1" smtClean="0"/>
+              <a:t>Nonbonded</a:t>
+            </a:r>
+            <a:r>
+              <a:rPr lang="en-US" dirty="0" smtClean="0"/>
+              <a:t> and </a:t>
+            </a:r>
+            <a:r>
+              <a:rPr lang="en-US" b="1" dirty="0" smtClean="0"/>
+              <a:t>Bonded</a:t>
+            </a:r>
+            <a:r>
+              <a:rPr lang="en-US" dirty="0" smtClean="0"/>
+              <a:t> QM–MM Interactions</a:t>
+            </a:r>
+            <a:endParaRPr lang="en-GB" dirty="0"/>
+          </a:p>
+        </p:txBody>
+      </p:sp>
+      <p:sp>
+        <p:nvSpPr>
+          <p:cNvPr id="3" name="Content Placeholder 2"/>
+          <p:cNvSpPr>
+            <a:spLocks noGrp="1"/>
+          </p:cNvSpPr>
+          <p:nvPr>
+            <p:ph idx="1"/>
+          </p:nvPr>
+        </p:nvSpPr>
+        <p:spPr/>
+        <p:txBody>
+          <a:bodyPr>
+            <a:normAutofit fontScale="92500" lnSpcReduction="20000"/>
+          </a:bodyPr>
+          <a:lstStyle/>
+          <a:p>
+            <a:r>
+              <a:rPr lang="en-US" dirty="0"/>
+              <a:t>T</a:t>
+            </a:r>
+            <a:r>
+              <a:rPr lang="en-US" dirty="0" smtClean="0"/>
+              <a:t>here are also </a:t>
+            </a:r>
+            <a:r>
+              <a:rPr lang="en-US" b="1" dirty="0" smtClean="0"/>
+              <a:t>van der Waals </a:t>
+            </a:r>
+            <a:r>
+              <a:rPr lang="en-US" dirty="0" smtClean="0"/>
+              <a:t>and </a:t>
+            </a:r>
+            <a:r>
+              <a:rPr lang="en-US" b="1" dirty="0" smtClean="0"/>
+              <a:t>bonded contributions </a:t>
+            </a:r>
+            <a:r>
+              <a:rPr lang="en-US" dirty="0" smtClean="0"/>
+              <a:t>to the QM–MM coupling term.</a:t>
+            </a:r>
+          </a:p>
+          <a:p>
+            <a:r>
+              <a:rPr lang="en-US" dirty="0" smtClean="0"/>
+              <a:t> Their treatment is considerably simpler as they are handled purely at the MM level, irrespective of the class (subtractive or additive) of QM/MM scheme. </a:t>
+            </a:r>
+          </a:p>
+          <a:p>
+            <a:r>
+              <a:rPr lang="en-US" dirty="0" smtClean="0"/>
+              <a:t>The van der Waals interaction is typically described by a </a:t>
+            </a:r>
+            <a:r>
+              <a:rPr lang="en-US" b="1" dirty="0" err="1" smtClean="0"/>
+              <a:t>Lennard</a:t>
+            </a:r>
+            <a:r>
+              <a:rPr lang="en-US" b="1" dirty="0" smtClean="0"/>
+              <a:t>–Jones potential</a:t>
+            </a:r>
+          </a:p>
+          <a:p>
+            <a:r>
+              <a:rPr lang="en-US" dirty="0" smtClean="0"/>
+              <a:t>The formal reservations against using standard MM parameters to describe QM–MM interactions apply of course also to the bonded (</a:t>
+            </a:r>
+            <a:r>
+              <a:rPr lang="en-US" b="1" dirty="0" smtClean="0"/>
+              <a:t>bond stretching, angle bending, torsional</a:t>
+            </a:r>
+            <a:r>
+              <a:rPr lang="en-US" dirty="0" smtClean="0"/>
+              <a:t>, etc.) interactions.</a:t>
+            </a:r>
+          </a:p>
+          <a:p>
+            <a:r>
+              <a:rPr lang="en-US" dirty="0" smtClean="0"/>
+              <a:t>For electrostatic or polarized embedding, </a:t>
+            </a:r>
+            <a:r>
+              <a:rPr lang="en-US" dirty="0" err="1" smtClean="0"/>
+              <a:t>overpolarization</a:t>
+            </a:r>
+            <a:r>
+              <a:rPr lang="en-US" dirty="0" smtClean="0"/>
+              <a:t> of the QM density by the MM charges close to the cut has to be prevented, especially when using link atoms.</a:t>
+            </a:r>
+            <a:endParaRPr lang="en-GB" dirty="0"/>
+          </a:p>
+        </p:txBody>
+      </p:sp>
+      <p:sp>
+        <p:nvSpPr>
+          <p:cNvPr id="4" name="Slide Number Placeholder 3"/>
+          <p:cNvSpPr>
+            <a:spLocks noGrp="1"/>
+          </p:cNvSpPr>
+          <p:nvPr>
+            <p:ph type="sldNum" sz="quarter" idx="12"/>
+          </p:nvPr>
+        </p:nvSpPr>
+        <p:spPr/>
+        <p:txBody>
+          <a:bodyPr/>
+          <a:lstStyle/>
+          <a:p>
+            <a:fld id="{EE2AFBF9-3608-46D9-B7C8-6FAC58B211BE}" type="slidenum">
+              <a:rPr lang="en-GB" smtClean="0"/>
+              <a:t>28</a:t>
+            </a:fld>
+            <a:endParaRPr lang="en-GB"/>
+          </a:p>
+        </p:txBody>
+      </p:sp>
+    </p:spTree>
+    <p:extLst>
+      <p:ext uri="{BB962C8B-B14F-4D97-AF65-F5344CB8AC3E}">
+        <p14:creationId xmlns:p14="http://schemas.microsoft.com/office/powerpoint/2010/main" val="1138772759"/>
+      </p:ext>
+    </p:extLst>
+  </p:cSld>
+  <p:clrMapOvr>
+    <a:masterClrMapping/>
+  </p:clrMapOvr>
+  <p:timing>
+    <p:tnLst>
+      <p:par>
+        <p:cTn id="1" dur="indefinite" restart="never" nodeType="tmRoot"/>
+      </p:par>
+    </p:tnLst>
+  </p:timing>
+</p:sld>
+</file>
+
+<file path=ppt/slides/slide29.xml><?xml version="1.0" encoding="utf-8"?>
+<p:sld xmlns:a="http://schemas.openxmlformats.org/drawingml/2006/main" xmlns:r="http://schemas.openxmlformats.org/officeDocument/2006/relationships" xmlns:p="http://schemas.openxmlformats.org/presentationml/2006/main">
+  <p:cSld>
+    <p:spTree>
+      <p:nvGrpSpPr>
+        <p:cNvPr id="1" name=""/>
+        <p:cNvGrpSpPr/>
+        <p:nvPr/>
+      </p:nvGrpSpPr>
+      <p:grpSpPr>
+        <a:xfrm>
+          <a:off x="0" y="0"/>
+          <a:ext cx="0" cy="0"/>
+          <a:chOff x="0" y="0"/>
+          <a:chExt cx="0" cy="0"/>
+        </a:xfrm>
+      </p:grpSpPr>
+      <p:sp>
+        <p:nvSpPr>
+          <p:cNvPr id="2" name="Title 1"/>
+          <p:cNvSpPr>
+            <a:spLocks noGrp="1"/>
+          </p:cNvSpPr>
+          <p:nvPr>
+            <p:ph type="title"/>
+          </p:nvPr>
+        </p:nvSpPr>
         <p:spPr/>
         <p:txBody>
           <a:bodyPr/>
@@ -12004,7 +13152,7 @@
           <a:p>
             <a:fld id="{EE2AFBF9-3608-46D9-B7C8-6FAC58B211BE}" type="slidenum">
               <a:rPr lang="en-GB" smtClean="0"/>
-              <a:t>28</a:t>
+              <a:t>29</a:t>
             </a:fld>
             <a:endParaRPr lang="en-GB"/>
           </a:p>
@@ -12799,118 +13947,6 @@
 </p:sld>
 </file>
 
-<file path=ppt/slides/slide29.xml><?xml version="1.0" encoding="utf-8"?>
-<p:sld xmlns:a="http://schemas.openxmlformats.org/drawingml/2006/main" xmlns:r="http://schemas.openxmlformats.org/officeDocument/2006/relationships" xmlns:p="http://schemas.openxmlformats.org/presentationml/2006/main">
-  <p:cSld>
-    <p:spTree>
-      <p:nvGrpSpPr>
-        <p:cNvPr id="1" name=""/>
-        <p:cNvGrpSpPr/>
-        <p:nvPr/>
-      </p:nvGrpSpPr>
-      <p:grpSpPr>
-        <a:xfrm>
-          <a:off x="0" y="0"/>
-          <a:ext cx="0" cy="0"/>
-          <a:chOff x="0" y="0"/>
-          <a:chExt cx="0" cy="0"/>
-        </a:xfrm>
-      </p:grpSpPr>
-      <p:sp>
-        <p:nvSpPr>
-          <p:cNvPr id="3" name="Content Placeholder 2"/>
-          <p:cNvSpPr>
-            <a:spLocks noGrp="1"/>
-          </p:cNvSpPr>
-          <p:nvPr>
-            <p:ph idx="1"/>
-          </p:nvPr>
-        </p:nvSpPr>
-        <p:spPr/>
-        <p:txBody>
-          <a:bodyPr/>
-          <a:lstStyle/>
-          <a:p>
-            <a:pPr marL="0" indent="0" algn="ctr">
-              <a:buNone/>
-            </a:pPr>
-            <a:endParaRPr lang="en-US" dirty="0" smtClean="0"/>
-          </a:p>
-          <a:p>
-            <a:pPr marL="0" indent="0" algn="ctr">
-              <a:buNone/>
-            </a:pPr>
-            <a:endParaRPr lang="en-US" dirty="0"/>
-          </a:p>
-          <a:p>
-            <a:pPr marL="0" indent="0" algn="ctr">
-              <a:buNone/>
-            </a:pPr>
-            <a:endParaRPr lang="en-US" dirty="0" smtClean="0"/>
-          </a:p>
-          <a:p>
-            <a:pPr marL="0" indent="0" algn="ctr">
-              <a:buNone/>
-            </a:pPr>
-            <a:r>
-              <a:rPr lang="en-US" smtClean="0"/>
-              <a:t>Google </a:t>
-            </a:r>
-            <a:r>
-              <a:rPr lang="en-US" dirty="0" err="1" smtClean="0"/>
-              <a:t>Colab</a:t>
-            </a:r>
-            <a:r>
-              <a:rPr lang="en-US" dirty="0" smtClean="0"/>
-              <a:t> Session</a:t>
-            </a:r>
-            <a:endParaRPr lang="en-GB" dirty="0"/>
-          </a:p>
-        </p:txBody>
-      </p:sp>
-      <p:sp>
-        <p:nvSpPr>
-          <p:cNvPr id="4" name="Slide Number Placeholder 3"/>
-          <p:cNvSpPr>
-            <a:spLocks noGrp="1"/>
-          </p:cNvSpPr>
-          <p:nvPr>
-            <p:ph type="sldNum" sz="quarter" idx="12"/>
-          </p:nvPr>
-        </p:nvSpPr>
-        <p:spPr/>
-        <p:txBody>
-          <a:bodyPr/>
-          <a:lstStyle/>
-          <a:p>
-            <a:fld id="{EE2AFBF9-3608-46D9-B7C8-6FAC58B211BE}" type="slidenum">
-              <a:rPr lang="en-GB" smtClean="0"/>
-              <a:t>29</a:t>
-            </a:fld>
-            <a:endParaRPr lang="en-GB"/>
-          </a:p>
-        </p:txBody>
-      </p:sp>
-    </p:spTree>
-    <p:extLst>
-      <p:ext uri="{BB962C8B-B14F-4D97-AF65-F5344CB8AC3E}">
-        <p14:creationId xmlns:p14="http://schemas.microsoft.com/office/powerpoint/2010/main" val="1693644934"/>
-      </p:ext>
-    </p:extLst>
-  </p:cSld>
-  <p:clrMapOvr>
-    <a:masterClrMapping/>
-  </p:clrMapOvr>
-  <p:timing>
-    <p:tnLst>
-      <p:par>
-        <p:cTn id="1" dur="indefinite" restart="never" nodeType="tmRoot"/>
-      </p:par>
-    </p:tnLst>
-  </p:timing>
-</p:sld>
-</file>
-
 <file path=ppt/slides/slide3.xml><?xml version="1.0" encoding="utf-8"?>
 <p:sld xmlns:a="http://schemas.openxmlformats.org/drawingml/2006/main" xmlns:r="http://schemas.openxmlformats.org/officeDocument/2006/relationships" xmlns:p="http://schemas.openxmlformats.org/presentationml/2006/main">
   <p:cSld>
@@ -13105,6 +14141,118 @@
     <p:extLst>
       <p:ext uri="{BB962C8B-B14F-4D97-AF65-F5344CB8AC3E}">
         <p14:creationId xmlns:p14="http://schemas.microsoft.com/office/powerpoint/2010/main" val="1419964455"/>
+      </p:ext>
+    </p:extLst>
+  </p:cSld>
+  <p:clrMapOvr>
+    <a:masterClrMapping/>
+  </p:clrMapOvr>
+  <p:timing>
+    <p:tnLst>
+      <p:par>
+        <p:cTn id="1" dur="indefinite" restart="never" nodeType="tmRoot"/>
+      </p:par>
+    </p:tnLst>
+  </p:timing>
+</p:sld>
+</file>
+
+<file path=ppt/slides/slide30.xml><?xml version="1.0" encoding="utf-8"?>
+<p:sld xmlns:a="http://schemas.openxmlformats.org/drawingml/2006/main" xmlns:r="http://schemas.openxmlformats.org/officeDocument/2006/relationships" xmlns:p="http://schemas.openxmlformats.org/presentationml/2006/main">
+  <p:cSld>
+    <p:spTree>
+      <p:nvGrpSpPr>
+        <p:cNvPr id="1" name=""/>
+        <p:cNvGrpSpPr/>
+        <p:nvPr/>
+      </p:nvGrpSpPr>
+      <p:grpSpPr>
+        <a:xfrm>
+          <a:off x="0" y="0"/>
+          <a:ext cx="0" cy="0"/>
+          <a:chOff x="0" y="0"/>
+          <a:chExt cx="0" cy="0"/>
+        </a:xfrm>
+      </p:grpSpPr>
+      <p:sp>
+        <p:nvSpPr>
+          <p:cNvPr id="3" name="Content Placeholder 2"/>
+          <p:cNvSpPr>
+            <a:spLocks noGrp="1"/>
+          </p:cNvSpPr>
+          <p:nvPr>
+            <p:ph idx="1"/>
+          </p:nvPr>
+        </p:nvSpPr>
+        <p:spPr/>
+        <p:txBody>
+          <a:bodyPr/>
+          <a:lstStyle/>
+          <a:p>
+            <a:pPr marL="0" indent="0" algn="ctr">
+              <a:buNone/>
+            </a:pPr>
+            <a:endParaRPr lang="en-US" dirty="0" smtClean="0"/>
+          </a:p>
+          <a:p>
+            <a:pPr marL="0" indent="0" algn="ctr">
+              <a:buNone/>
+            </a:pPr>
+            <a:endParaRPr lang="en-US" dirty="0"/>
+          </a:p>
+          <a:p>
+            <a:pPr marL="0" indent="0" algn="ctr">
+              <a:buNone/>
+            </a:pPr>
+            <a:endParaRPr lang="en-US" dirty="0" smtClean="0"/>
+          </a:p>
+          <a:p>
+            <a:pPr marL="0" indent="0" algn="ctr">
+              <a:buNone/>
+            </a:pPr>
+            <a:r>
+              <a:rPr lang="en-US" smtClean="0"/>
+              <a:t>Google </a:t>
+            </a:r>
+            <a:r>
+              <a:rPr lang="en-US" dirty="0" err="1" smtClean="0"/>
+              <a:t>Colab</a:t>
+            </a:r>
+            <a:r>
+              <a:rPr lang="en-US" dirty="0" smtClean="0"/>
+              <a:t> Session</a:t>
+            </a:r>
+            <a:endParaRPr lang="en-GB" dirty="0"/>
+          </a:p>
+        </p:txBody>
+      </p:sp>
+      <p:sp>
+        <p:nvSpPr>
+          <p:cNvPr id="4" name="Slide Number Placeholder 3"/>
+          <p:cNvSpPr>
+            <a:spLocks noGrp="1"/>
+          </p:cNvSpPr>
+          <p:nvPr>
+            <p:ph type="sldNum" sz="quarter" idx="12"/>
+          </p:nvPr>
+        </p:nvSpPr>
+        <p:spPr/>
+        <p:txBody>
+          <a:bodyPr/>
+          <a:lstStyle/>
+          <a:p>
+            <a:fld id="{EE2AFBF9-3608-46D9-B7C8-6FAC58B211BE}" type="slidenum">
+              <a:rPr lang="en-GB" smtClean="0"/>
+              <a:t>30</a:t>
+            </a:fld>
+            <a:endParaRPr lang="en-GB"/>
+          </a:p>
+        </p:txBody>
+      </p:sp>
+    </p:spTree>
+    <p:extLst>
+      <p:ext uri="{BB962C8B-B14F-4D97-AF65-F5344CB8AC3E}">
+        <p14:creationId xmlns:p14="http://schemas.microsoft.com/office/powerpoint/2010/main" val="1693644934"/>
       </p:ext>
     </p:extLst>
   </p:cSld>
